--- a/07News/06History/2016.pptx
+++ b/07News/06History/2016.pptx
@@ -9,23 +9,28 @@
     <p:sldMasterId id="2147483683" r:id="rId5"/>
   </p:sldMasterIdLst>
   <p:notesMasterIdLst>
-    <p:notesMasterId r:id="rId17"/>
+    <p:notesMasterId r:id="rId22"/>
   </p:notesMasterIdLst>
   <p:handoutMasterIdLst>
-    <p:handoutMasterId r:id="rId18"/>
+    <p:handoutMasterId r:id="rId23"/>
   </p:handoutMasterIdLst>
   <p:sldIdLst>
     <p:sldId id="603" r:id="rId6"/>
-    <p:sldId id="2454" r:id="rId7"/>
-    <p:sldId id="2455" r:id="rId8"/>
-    <p:sldId id="2448" r:id="rId9"/>
-    <p:sldId id="2450" r:id="rId10"/>
-    <p:sldId id="2451" r:id="rId11"/>
-    <p:sldId id="2456" r:id="rId12"/>
-    <p:sldId id="2452" r:id="rId13"/>
-    <p:sldId id="2453" r:id="rId14"/>
-    <p:sldId id="2449" r:id="rId15"/>
-    <p:sldId id="582" r:id="rId16"/>
+    <p:sldId id="2474" r:id="rId7"/>
+    <p:sldId id="2448" r:id="rId8"/>
+    <p:sldId id="2473" r:id="rId9"/>
+    <p:sldId id="2479" r:id="rId10"/>
+    <p:sldId id="2478" r:id="rId11"/>
+    <p:sldId id="2454" r:id="rId12"/>
+    <p:sldId id="2455" r:id="rId13"/>
+    <p:sldId id="2475" r:id="rId14"/>
+    <p:sldId id="2450" r:id="rId15"/>
+    <p:sldId id="2451" r:id="rId16"/>
+    <p:sldId id="2477" r:id="rId17"/>
+    <p:sldId id="2453" r:id="rId18"/>
+    <p:sldId id="2476" r:id="rId19"/>
+    <p:sldId id="2449" r:id="rId20"/>
+    <p:sldId id="582" r:id="rId21"/>
   </p:sldIdLst>
   <p:sldSz cx="12196763" cy="6858000"/>
   <p:notesSz cx="6858000" cy="9144000"/>
@@ -229,7 +234,7 @@
           <a:p>
             <a:fld id="{E8CF71B8-DF2A-2E41-BE66-2E18A767DA8A}" type="datetimeFigureOut">
               <a:rPr lang="en-US" smtClean="0"/>
-              <a:t>1/27/25</a:t>
+              <a:t>2/2/25</a:t>
             </a:fld>
             <a:endParaRPr lang="en-US"/>
           </a:p>
@@ -406,7 +411,7 @@
           <a:p>
             <a:fld id="{0DD60A27-BF12-6744-9E93-932A0E34D8BB}" type="datetimeFigureOut">
               <a:rPr lang="en-US" smtClean="0"/>
-              <a:t>1/27/25</a:t>
+              <a:t>2/2/25</a:t>
             </a:fld>
             <a:endParaRPr lang="en-US"/>
           </a:p>
@@ -757,6 +762,426 @@
 </p:notes>
 </file>
 
+<file path=ppt/notesSlides/notesSlide2.xml><?xml version="1.0" encoding="utf-8"?>
+<p:notes xmlns:a="http://schemas.openxmlformats.org/drawingml/2006/main" xmlns:r="http://schemas.openxmlformats.org/officeDocument/2006/relationships" xmlns:p="http://schemas.openxmlformats.org/presentationml/2006/main">
+  <p:cSld>
+    <p:spTree>
+      <p:nvGrpSpPr>
+        <p:cNvPr id="1" name=""/>
+        <p:cNvGrpSpPr/>
+        <p:nvPr/>
+      </p:nvGrpSpPr>
+      <p:grpSpPr>
+        <a:xfrm>
+          <a:off x="0" y="0"/>
+          <a:ext cx="0" cy="0"/>
+          <a:chOff x="0" y="0"/>
+          <a:chExt cx="0" cy="0"/>
+        </a:xfrm>
+      </p:grpSpPr>
+      <p:sp>
+        <p:nvSpPr>
+          <p:cNvPr id="2" name="幻灯片图像占位符 1"/>
+          <p:cNvSpPr>
+            <a:spLocks noGrp="1" noRot="1" noChangeAspect="1"/>
+          </p:cNvSpPr>
+          <p:nvPr>
+            <p:ph type="sldImg"/>
+          </p:nvPr>
+        </p:nvSpPr>
+        <p:spPr/>
+      </p:sp>
+      <p:sp>
+        <p:nvSpPr>
+          <p:cNvPr id="3" name="备注占位符 2"/>
+          <p:cNvSpPr>
+            <a:spLocks noGrp="1"/>
+          </p:cNvSpPr>
+          <p:nvPr>
+            <p:ph type="body" idx="1"/>
+          </p:nvPr>
+        </p:nvSpPr>
+        <p:spPr/>
+        <p:txBody>
+          <a:bodyPr/>
+          <a:lstStyle/>
+          <a:p>
+            <a:endParaRPr kumimoji="1" lang="zh-CN" altLang="en-US" dirty="0"/>
+          </a:p>
+        </p:txBody>
+      </p:sp>
+      <p:sp>
+        <p:nvSpPr>
+          <p:cNvPr id="4" name="灯片编号占位符 3"/>
+          <p:cNvSpPr>
+            <a:spLocks noGrp="1"/>
+          </p:cNvSpPr>
+          <p:nvPr>
+            <p:ph type="sldNum" sz="quarter" idx="5"/>
+          </p:nvPr>
+        </p:nvSpPr>
+        <p:spPr/>
+        <p:txBody>
+          <a:bodyPr/>
+          <a:lstStyle/>
+          <a:p>
+            <a:fld id="{17021A3A-000B-724D-82E6-58165F25070D}" type="slidenum">
+              <a:rPr kumimoji="1" lang="zh-CN" altLang="en-US" smtClean="0"/>
+              <a:t>2</a:t>
+            </a:fld>
+            <a:endParaRPr kumimoji="1" lang="zh-CN" altLang="en-US"/>
+          </a:p>
+        </p:txBody>
+      </p:sp>
+    </p:spTree>
+    <p:extLst>
+      <p:ext uri="{BB962C8B-B14F-4D97-AF65-F5344CB8AC3E}">
+        <p14:creationId xmlns:p14="http://schemas.microsoft.com/office/powerpoint/2010/main" val="2300473783"/>
+      </p:ext>
+    </p:extLst>
+  </p:cSld>
+  <p:clrMapOvr>
+    <a:masterClrMapping/>
+  </p:clrMapOvr>
+</p:notes>
+</file>
+
+<file path=ppt/notesSlides/notesSlide3.xml><?xml version="1.0" encoding="utf-8"?>
+<p:notes xmlns:a="http://schemas.openxmlformats.org/drawingml/2006/main" xmlns:r="http://schemas.openxmlformats.org/officeDocument/2006/relationships" xmlns:p="http://schemas.openxmlformats.org/presentationml/2006/main">
+  <p:cSld>
+    <p:spTree>
+      <p:nvGrpSpPr>
+        <p:cNvPr id="1" name=""/>
+        <p:cNvGrpSpPr/>
+        <p:nvPr/>
+      </p:nvGrpSpPr>
+      <p:grpSpPr>
+        <a:xfrm>
+          <a:off x="0" y="0"/>
+          <a:ext cx="0" cy="0"/>
+          <a:chOff x="0" y="0"/>
+          <a:chExt cx="0" cy="0"/>
+        </a:xfrm>
+      </p:grpSpPr>
+      <p:sp>
+        <p:nvSpPr>
+          <p:cNvPr id="2" name="幻灯片图像占位符 1"/>
+          <p:cNvSpPr>
+            <a:spLocks noGrp="1" noRot="1" noChangeAspect="1"/>
+          </p:cNvSpPr>
+          <p:nvPr>
+            <p:ph type="sldImg"/>
+          </p:nvPr>
+        </p:nvSpPr>
+        <p:spPr/>
+      </p:sp>
+      <p:sp>
+        <p:nvSpPr>
+          <p:cNvPr id="3" name="备注占位符 2"/>
+          <p:cNvSpPr>
+            <a:spLocks noGrp="1"/>
+          </p:cNvSpPr>
+          <p:nvPr>
+            <p:ph type="body" idx="1"/>
+          </p:nvPr>
+        </p:nvSpPr>
+        <p:spPr/>
+        <p:txBody>
+          <a:bodyPr/>
+          <a:lstStyle/>
+          <a:p>
+            <a:endParaRPr kumimoji="1" lang="zh-CN" altLang="en-US" dirty="0"/>
+          </a:p>
+        </p:txBody>
+      </p:sp>
+      <p:sp>
+        <p:nvSpPr>
+          <p:cNvPr id="4" name="灯片编号占位符 3"/>
+          <p:cNvSpPr>
+            <a:spLocks noGrp="1"/>
+          </p:cNvSpPr>
+          <p:nvPr>
+            <p:ph type="sldNum" sz="quarter" idx="5"/>
+          </p:nvPr>
+        </p:nvSpPr>
+        <p:spPr/>
+        <p:txBody>
+          <a:bodyPr/>
+          <a:lstStyle/>
+          <a:p>
+            <a:fld id="{17021A3A-000B-724D-82E6-58165F25070D}" type="slidenum">
+              <a:rPr kumimoji="1" lang="zh-CN" altLang="en-US" smtClean="0"/>
+              <a:t>4</a:t>
+            </a:fld>
+            <a:endParaRPr kumimoji="1" lang="zh-CN" altLang="en-US"/>
+          </a:p>
+        </p:txBody>
+      </p:sp>
+    </p:spTree>
+    <p:extLst>
+      <p:ext uri="{BB962C8B-B14F-4D97-AF65-F5344CB8AC3E}">
+        <p14:creationId xmlns:p14="http://schemas.microsoft.com/office/powerpoint/2010/main" val="1180074535"/>
+      </p:ext>
+    </p:extLst>
+  </p:cSld>
+  <p:clrMapOvr>
+    <a:masterClrMapping/>
+  </p:clrMapOvr>
+</p:notes>
+</file>
+
+<file path=ppt/notesSlides/notesSlide4.xml><?xml version="1.0" encoding="utf-8"?>
+<p:notes xmlns:a="http://schemas.openxmlformats.org/drawingml/2006/main" xmlns:r="http://schemas.openxmlformats.org/officeDocument/2006/relationships" xmlns:p="http://schemas.openxmlformats.org/presentationml/2006/main">
+  <p:cSld>
+    <p:spTree>
+      <p:nvGrpSpPr>
+        <p:cNvPr id="1" name=""/>
+        <p:cNvGrpSpPr/>
+        <p:nvPr/>
+      </p:nvGrpSpPr>
+      <p:grpSpPr>
+        <a:xfrm>
+          <a:off x="0" y="0"/>
+          <a:ext cx="0" cy="0"/>
+          <a:chOff x="0" y="0"/>
+          <a:chExt cx="0" cy="0"/>
+        </a:xfrm>
+      </p:grpSpPr>
+      <p:sp>
+        <p:nvSpPr>
+          <p:cNvPr id="2" name="幻灯片图像占位符 1"/>
+          <p:cNvSpPr>
+            <a:spLocks noGrp="1" noRot="1" noChangeAspect="1"/>
+          </p:cNvSpPr>
+          <p:nvPr>
+            <p:ph type="sldImg"/>
+          </p:nvPr>
+        </p:nvSpPr>
+        <p:spPr/>
+      </p:sp>
+      <p:sp>
+        <p:nvSpPr>
+          <p:cNvPr id="3" name="备注占位符 2"/>
+          <p:cNvSpPr>
+            <a:spLocks noGrp="1"/>
+          </p:cNvSpPr>
+          <p:nvPr>
+            <p:ph type="body" idx="1"/>
+          </p:nvPr>
+        </p:nvSpPr>
+        <p:spPr/>
+        <p:txBody>
+          <a:bodyPr/>
+          <a:lstStyle/>
+          <a:p>
+            <a:endParaRPr kumimoji="1" lang="zh-CN" altLang="en-US" dirty="0"/>
+          </a:p>
+        </p:txBody>
+      </p:sp>
+      <p:sp>
+        <p:nvSpPr>
+          <p:cNvPr id="4" name="灯片编号占位符 3"/>
+          <p:cNvSpPr>
+            <a:spLocks noGrp="1"/>
+          </p:cNvSpPr>
+          <p:nvPr>
+            <p:ph type="sldNum" sz="quarter" idx="5"/>
+          </p:nvPr>
+        </p:nvSpPr>
+        <p:spPr/>
+        <p:txBody>
+          <a:bodyPr/>
+          <a:lstStyle/>
+          <a:p>
+            <a:fld id="{17021A3A-000B-724D-82E6-58165F25070D}" type="slidenum">
+              <a:rPr kumimoji="1" lang="zh-CN" altLang="en-US" smtClean="0"/>
+              <a:t>9</a:t>
+            </a:fld>
+            <a:endParaRPr kumimoji="1" lang="zh-CN" altLang="en-US"/>
+          </a:p>
+        </p:txBody>
+      </p:sp>
+    </p:spTree>
+    <p:extLst>
+      <p:ext uri="{BB962C8B-B14F-4D97-AF65-F5344CB8AC3E}">
+        <p14:creationId xmlns:p14="http://schemas.microsoft.com/office/powerpoint/2010/main" val="3919513792"/>
+      </p:ext>
+    </p:extLst>
+  </p:cSld>
+  <p:clrMapOvr>
+    <a:masterClrMapping/>
+  </p:clrMapOvr>
+</p:notes>
+</file>
+
+<file path=ppt/notesSlides/notesSlide5.xml><?xml version="1.0" encoding="utf-8"?>
+<p:notes xmlns:a="http://schemas.openxmlformats.org/drawingml/2006/main" xmlns:r="http://schemas.openxmlformats.org/officeDocument/2006/relationships" xmlns:p="http://schemas.openxmlformats.org/presentationml/2006/main">
+  <p:cSld>
+    <p:spTree>
+      <p:nvGrpSpPr>
+        <p:cNvPr id="1" name=""/>
+        <p:cNvGrpSpPr/>
+        <p:nvPr/>
+      </p:nvGrpSpPr>
+      <p:grpSpPr>
+        <a:xfrm>
+          <a:off x="0" y="0"/>
+          <a:ext cx="0" cy="0"/>
+          <a:chOff x="0" y="0"/>
+          <a:chExt cx="0" cy="0"/>
+        </a:xfrm>
+      </p:grpSpPr>
+      <p:sp>
+        <p:nvSpPr>
+          <p:cNvPr id="2" name="幻灯片图像占位符 1"/>
+          <p:cNvSpPr>
+            <a:spLocks noGrp="1" noRot="1" noChangeAspect="1"/>
+          </p:cNvSpPr>
+          <p:nvPr>
+            <p:ph type="sldImg"/>
+          </p:nvPr>
+        </p:nvSpPr>
+        <p:spPr/>
+      </p:sp>
+      <p:sp>
+        <p:nvSpPr>
+          <p:cNvPr id="3" name="备注占位符 2"/>
+          <p:cNvSpPr>
+            <a:spLocks noGrp="1"/>
+          </p:cNvSpPr>
+          <p:nvPr>
+            <p:ph type="body" idx="1"/>
+          </p:nvPr>
+        </p:nvSpPr>
+        <p:spPr/>
+        <p:txBody>
+          <a:bodyPr/>
+          <a:lstStyle/>
+          <a:p>
+            <a:endParaRPr kumimoji="1" lang="zh-CN" altLang="en-US" dirty="0"/>
+          </a:p>
+        </p:txBody>
+      </p:sp>
+      <p:sp>
+        <p:nvSpPr>
+          <p:cNvPr id="4" name="灯片编号占位符 3"/>
+          <p:cNvSpPr>
+            <a:spLocks noGrp="1"/>
+          </p:cNvSpPr>
+          <p:nvPr>
+            <p:ph type="sldNum" sz="quarter" idx="5"/>
+          </p:nvPr>
+        </p:nvSpPr>
+        <p:spPr/>
+        <p:txBody>
+          <a:bodyPr/>
+          <a:lstStyle/>
+          <a:p>
+            <a:fld id="{17021A3A-000B-724D-82E6-58165F25070D}" type="slidenum">
+              <a:rPr kumimoji="1" lang="zh-CN" altLang="en-US" smtClean="0"/>
+              <a:t>12</a:t>
+            </a:fld>
+            <a:endParaRPr kumimoji="1" lang="zh-CN" altLang="en-US"/>
+          </a:p>
+        </p:txBody>
+      </p:sp>
+    </p:spTree>
+    <p:extLst>
+      <p:ext uri="{BB962C8B-B14F-4D97-AF65-F5344CB8AC3E}">
+        <p14:creationId xmlns:p14="http://schemas.microsoft.com/office/powerpoint/2010/main" val="915130778"/>
+      </p:ext>
+    </p:extLst>
+  </p:cSld>
+  <p:clrMapOvr>
+    <a:masterClrMapping/>
+  </p:clrMapOvr>
+</p:notes>
+</file>
+
+<file path=ppt/notesSlides/notesSlide6.xml><?xml version="1.0" encoding="utf-8"?>
+<p:notes xmlns:a="http://schemas.openxmlformats.org/drawingml/2006/main" xmlns:r="http://schemas.openxmlformats.org/officeDocument/2006/relationships" xmlns:p="http://schemas.openxmlformats.org/presentationml/2006/main">
+  <p:cSld>
+    <p:spTree>
+      <p:nvGrpSpPr>
+        <p:cNvPr id="1" name=""/>
+        <p:cNvGrpSpPr/>
+        <p:nvPr/>
+      </p:nvGrpSpPr>
+      <p:grpSpPr>
+        <a:xfrm>
+          <a:off x="0" y="0"/>
+          <a:ext cx="0" cy="0"/>
+          <a:chOff x="0" y="0"/>
+          <a:chExt cx="0" cy="0"/>
+        </a:xfrm>
+      </p:grpSpPr>
+      <p:sp>
+        <p:nvSpPr>
+          <p:cNvPr id="2" name="幻灯片图像占位符 1"/>
+          <p:cNvSpPr>
+            <a:spLocks noGrp="1" noRot="1" noChangeAspect="1"/>
+          </p:cNvSpPr>
+          <p:nvPr>
+            <p:ph type="sldImg"/>
+          </p:nvPr>
+        </p:nvSpPr>
+        <p:spPr/>
+      </p:sp>
+      <p:sp>
+        <p:nvSpPr>
+          <p:cNvPr id="3" name="备注占位符 2"/>
+          <p:cNvSpPr>
+            <a:spLocks noGrp="1"/>
+          </p:cNvSpPr>
+          <p:nvPr>
+            <p:ph type="body" idx="1"/>
+          </p:nvPr>
+        </p:nvSpPr>
+        <p:spPr/>
+        <p:txBody>
+          <a:bodyPr/>
+          <a:lstStyle/>
+          <a:p>
+            <a:endParaRPr kumimoji="1" lang="zh-CN" altLang="en-US" dirty="0"/>
+          </a:p>
+        </p:txBody>
+      </p:sp>
+      <p:sp>
+        <p:nvSpPr>
+          <p:cNvPr id="4" name="灯片编号占位符 3"/>
+          <p:cNvSpPr>
+            <a:spLocks noGrp="1"/>
+          </p:cNvSpPr>
+          <p:nvPr>
+            <p:ph type="sldNum" sz="quarter" idx="5"/>
+          </p:nvPr>
+        </p:nvSpPr>
+        <p:spPr/>
+        <p:txBody>
+          <a:bodyPr/>
+          <a:lstStyle/>
+          <a:p>
+            <a:fld id="{17021A3A-000B-724D-82E6-58165F25070D}" type="slidenum">
+              <a:rPr kumimoji="1" lang="zh-CN" altLang="en-US" smtClean="0"/>
+              <a:t>14</a:t>
+            </a:fld>
+            <a:endParaRPr kumimoji="1" lang="zh-CN" altLang="en-US"/>
+          </a:p>
+        </p:txBody>
+      </p:sp>
+    </p:spTree>
+    <p:extLst>
+      <p:ext uri="{BB962C8B-B14F-4D97-AF65-F5344CB8AC3E}">
+        <p14:creationId xmlns:p14="http://schemas.microsoft.com/office/powerpoint/2010/main" val="3900743651"/>
+      </p:ext>
+    </p:extLst>
+  </p:cSld>
+  <p:clrMapOvr>
+    <a:masterClrMapping/>
+  </p:clrMapOvr>
+</p:notes>
+</file>
+
 <file path=ppt/slideLayouts/slideLayout1.xml><?xml version="1.0" encoding="utf-8"?>
 <p:sldLayout xmlns:a="http://schemas.openxmlformats.org/drawingml/2006/main" xmlns:r="http://schemas.openxmlformats.org/officeDocument/2006/relationships" xmlns:p="http://schemas.openxmlformats.org/presentationml/2006/main" preserve="1" userDrawn="1">
   <p:cSld name="1_自定义版式">
@@ -1820,6 +2245,520 @@
 </file>
 
 <file path=ppt/slideLayouts/slideLayout5.xml><?xml version="1.0" encoding="utf-8"?>
+<p:sldLayout xmlns:a="http://schemas.openxmlformats.org/drawingml/2006/main" xmlns:r="http://schemas.openxmlformats.org/officeDocument/2006/relationships" xmlns:p="http://schemas.openxmlformats.org/presentationml/2006/main" userDrawn="1">
+  <p:cSld name="1_篇章页">
+    <p:spTree>
+      <p:nvGrpSpPr>
+        <p:cNvPr id="1" name=""/>
+        <p:cNvGrpSpPr/>
+        <p:nvPr/>
+      </p:nvGrpSpPr>
+      <p:grpSpPr>
+        <a:xfrm>
+          <a:off x="0" y="0"/>
+          <a:ext cx="0" cy="0"/>
+          <a:chOff x="0" y="0"/>
+          <a:chExt cx="0" cy="0"/>
+        </a:xfrm>
+      </p:grpSpPr>
+      <p:pic>
+        <p:nvPicPr>
+          <p:cNvPr id="5" name="图片 4">
+            <a:extLst>
+              <a:ext uri="{FF2B5EF4-FFF2-40B4-BE49-F238E27FC236}">
+                <a16:creationId xmlns:a16="http://schemas.microsoft.com/office/drawing/2014/main" id="{1BD3EAA6-5124-3D4A-95FF-740B70F60318}"/>
+              </a:ext>
+            </a:extLst>
+          </p:cNvPr>
+          <p:cNvPicPr>
+            <a:picLocks noChangeAspect="1"/>
+          </p:cNvPicPr>
+          <p:nvPr userDrawn="1"/>
+        </p:nvPicPr>
+        <p:blipFill>
+          <a:blip r:embed="rId2" cstate="print">
+            <a:extLst>
+              <a:ext uri="{28A0092B-C50C-407E-A947-70E740481C1C}">
+                <a14:useLocalDpi xmlns:a14="http://schemas.microsoft.com/office/drawing/2010/main"/>
+              </a:ext>
+            </a:extLst>
+          </a:blip>
+          <a:stretch>
+            <a:fillRect/>
+          </a:stretch>
+        </p:blipFill>
+        <p:spPr>
+          <a:xfrm>
+            <a:off x="0" y="0"/>
+            <a:ext cx="12196763" cy="6858000"/>
+          </a:xfrm>
+          <a:prstGeom prst="rect">
+            <a:avLst/>
+          </a:prstGeom>
+        </p:spPr>
+      </p:pic>
+      <p:sp>
+        <p:nvSpPr>
+          <p:cNvPr id="2" name="TextBox 2">
+            <a:extLst>
+              <a:ext uri="{FF2B5EF4-FFF2-40B4-BE49-F238E27FC236}">
+                <a16:creationId xmlns:a16="http://schemas.microsoft.com/office/drawing/2014/main" id="{F3652C3B-3BDF-C967-C9F7-FC41B185F5A1}"/>
+              </a:ext>
+            </a:extLst>
+          </p:cNvPr>
+          <p:cNvSpPr txBox="1"/>
+          <p:nvPr userDrawn="1"/>
+        </p:nvSpPr>
+        <p:spPr>
+          <a:xfrm>
+            <a:off x="543605" y="6449875"/>
+            <a:ext cx="728026" cy="295466"/>
+          </a:xfrm>
+          <a:prstGeom prst="rect">
+            <a:avLst/>
+          </a:prstGeom>
+          <a:noFill/>
+        </p:spPr>
+        <p:txBody>
+          <a:bodyPr wrap="square" rtlCol="0">
+            <a:spAutoFit/>
+          </a:bodyPr>
+          <a:lstStyle/>
+          <a:p>
+            <a:pPr>
+              <a:lnSpc>
+                <a:spcPct val="120000"/>
+              </a:lnSpc>
+              <a:spcBef>
+                <a:spcPct val="20000"/>
+              </a:spcBef>
+              <a:buClr>
+                <a:srgbClr val="1D1D1A"/>
+              </a:buClr>
+              <a:buSzPct val="50000"/>
+              <a:buFont typeface="Wingdings" pitchFamily="2" charset="2"/>
+              <a:buNone/>
+            </a:pPr>
+            <a:r>
+              <a:rPr lang="en-US" altLang="zh-CN" sz="1200" dirty="0">
+                <a:solidFill>
+                  <a:schemeClr val="tx2"/>
+                </a:solidFill>
+                <a:latin typeface="Futura-Medium" panose="020B0602020204020303" pitchFamily="34" charset="-79"/>
+                <a:ea typeface="微软雅黑" panose="020B0503020204020204" pitchFamily="34" charset="-122"/>
+                <a:cs typeface="Futura-Medium" panose="020B0602020204020303" pitchFamily="34" charset="-79"/>
+              </a:rPr>
+              <a:t>ZOMI</a:t>
+            </a:r>
+            <a:endParaRPr lang="en-US" sz="1200" dirty="0">
+              <a:solidFill>
+                <a:schemeClr val="tx2"/>
+              </a:solidFill>
+              <a:latin typeface="Futura-Medium" panose="020B0602020204020303" pitchFamily="34" charset="-79"/>
+              <a:ea typeface="微软雅黑" panose="020B0503020204020204" pitchFamily="34" charset="-122"/>
+              <a:cs typeface="Futura-Medium" panose="020B0602020204020303" pitchFamily="34" charset="-79"/>
+            </a:endParaRPr>
+          </a:p>
+        </p:txBody>
+      </p:sp>
+      <p:sp>
+        <p:nvSpPr>
+          <p:cNvPr id="3" name="TextBox 3">
+            <a:extLst>
+              <a:ext uri="{FF2B5EF4-FFF2-40B4-BE49-F238E27FC236}">
+                <a16:creationId xmlns:a16="http://schemas.microsoft.com/office/drawing/2014/main" id="{62216C8F-403B-B46A-188F-43EEF71787AB}"/>
+              </a:ext>
+            </a:extLst>
+          </p:cNvPr>
+          <p:cNvSpPr txBox="1"/>
+          <p:nvPr userDrawn="1"/>
+        </p:nvSpPr>
+        <p:spPr>
+          <a:xfrm>
+            <a:off x="8358978" y="6505275"/>
+            <a:ext cx="499730" cy="184666"/>
+          </a:xfrm>
+          <a:prstGeom prst="rect">
+            <a:avLst/>
+          </a:prstGeom>
+          <a:noFill/>
+        </p:spPr>
+        <p:txBody>
+          <a:bodyPr wrap="square" lIns="0" tIns="0" rIns="0" bIns="0" rtlCol="0">
+            <a:spAutoFit/>
+          </a:bodyPr>
+          <a:lstStyle/>
+          <a:p>
+            <a:pPr algn="ctr" defTabSz="890204" fontAlgn="auto">
+              <a:spcBef>
+                <a:spcPts val="0"/>
+              </a:spcBef>
+              <a:spcAft>
+                <a:spcPts val="0"/>
+              </a:spcAft>
+              <a:defRPr/>
+            </a:pPr>
+            <a:fld id="{C3837181-38C6-AD4F-B8BA-B444770388BB}" type="slidenum">
+              <a:rPr lang="en-US" sz="1200" smtClean="0">
+                <a:solidFill>
+                  <a:schemeClr val="tx2"/>
+                </a:solidFill>
+                <a:latin typeface="Arial" panose="020B0604020202020204" pitchFamily="34" charset="0"/>
+                <a:ea typeface="华文细黑" pitchFamily="2" charset="-122"/>
+                <a:cs typeface="Arial" panose="020B0604020202020204" pitchFamily="34" charset="0"/>
+              </a:rPr>
+              <a:pPr algn="ctr" defTabSz="890204" fontAlgn="auto">
+                <a:spcBef>
+                  <a:spcPts val="0"/>
+                </a:spcBef>
+                <a:spcAft>
+                  <a:spcPts val="0"/>
+                </a:spcAft>
+                <a:defRPr/>
+              </a:pPr>
+              <a:t>‹#›</a:t>
+            </a:fld>
+            <a:endParaRPr lang="en-US" sz="1200" dirty="0">
+              <a:solidFill>
+                <a:schemeClr val="tx2"/>
+              </a:solidFill>
+              <a:latin typeface="Arial" panose="020B0604020202020204" pitchFamily="34" charset="0"/>
+              <a:ea typeface="华文细黑" pitchFamily="2" charset="-122"/>
+              <a:cs typeface="Arial" panose="020B0604020202020204" pitchFamily="34" charset="0"/>
+            </a:endParaRPr>
+          </a:p>
+        </p:txBody>
+      </p:sp>
+      <p:pic>
+        <p:nvPicPr>
+          <p:cNvPr id="4" name="图片 3">
+            <a:extLst>
+              <a:ext uri="{FF2B5EF4-FFF2-40B4-BE49-F238E27FC236}">
+                <a16:creationId xmlns:a16="http://schemas.microsoft.com/office/drawing/2014/main" id="{1503A16B-634D-EAB9-B25D-7FC30383ACC6}"/>
+              </a:ext>
+            </a:extLst>
+          </p:cNvPr>
+          <p:cNvPicPr>
+            <a:picLocks noChangeAspect="1"/>
+          </p:cNvPicPr>
+          <p:nvPr userDrawn="1"/>
+        </p:nvPicPr>
+        <p:blipFill>
+          <a:blip r:embed="rId3" cstate="print">
+            <a:alphaModFix amt="70000"/>
+            <a:extLst>
+              <a:ext uri="{28A0092B-C50C-407E-A947-70E740481C1C}">
+                <a14:useLocalDpi xmlns:a14="http://schemas.microsoft.com/office/drawing/2010/main"/>
+              </a:ext>
+            </a:extLst>
+          </a:blip>
+          <a:stretch>
+            <a:fillRect/>
+          </a:stretch>
+        </p:blipFill>
+        <p:spPr>
+          <a:xfrm>
+            <a:off x="266621" y="6471608"/>
+            <a:ext cx="252000" cy="252000"/>
+          </a:xfrm>
+          <a:prstGeom prst="ellipse">
+            <a:avLst/>
+          </a:prstGeom>
+          <a:ln w="28575" cap="rnd">
+            <a:solidFill>
+              <a:schemeClr val="tx2"/>
+            </a:solidFill>
+            <a:prstDash val="solid"/>
+          </a:ln>
+          <a:effectLst/>
+        </p:spPr>
+      </p:pic>
+      <p:sp>
+        <p:nvSpPr>
+          <p:cNvPr id="6" name="TextBox 2">
+            <a:extLst>
+              <a:ext uri="{FF2B5EF4-FFF2-40B4-BE49-F238E27FC236}">
+                <a16:creationId xmlns:a16="http://schemas.microsoft.com/office/drawing/2014/main" id="{1F0AA649-F2A3-8307-89FA-873D519CD422}"/>
+              </a:ext>
+            </a:extLst>
+          </p:cNvPr>
+          <p:cNvSpPr txBox="1"/>
+          <p:nvPr userDrawn="1"/>
+        </p:nvSpPr>
+        <p:spPr>
+          <a:xfrm>
+            <a:off x="8830447" y="6458435"/>
+            <a:ext cx="3237243" cy="278346"/>
+          </a:xfrm>
+          <a:prstGeom prst="rect">
+            <a:avLst/>
+          </a:prstGeom>
+          <a:noFill/>
+        </p:spPr>
+        <p:txBody>
+          <a:bodyPr wrap="square" rtlCol="0">
+            <a:spAutoFit/>
+          </a:bodyPr>
+          <a:lstStyle/>
+          <a:p>
+            <a:pPr algn="r">
+              <a:lnSpc>
+                <a:spcPct val="120000"/>
+              </a:lnSpc>
+              <a:spcBef>
+                <a:spcPct val="20000"/>
+              </a:spcBef>
+              <a:buClr>
+                <a:srgbClr val="1D1D1A"/>
+              </a:buClr>
+              <a:buSzPct val="50000"/>
+              <a:buFont typeface="Wingdings" pitchFamily="2" charset="2"/>
+              <a:buNone/>
+            </a:pPr>
+            <a:r>
+              <a:rPr lang="en-US" altLang="zh-CN" sz="1100" dirty="0">
+                <a:solidFill>
+                  <a:schemeClr val="tx2"/>
+                </a:solidFill>
+                <a:latin typeface="Gill Sans MT" panose="020B0502020104020203" pitchFamily="34" charset="0"/>
+                <a:ea typeface="+mj-ea"/>
+                <a:cs typeface="Futura-Medium" panose="020B0602020204020303" pitchFamily="34" charset="-79"/>
+              </a:rPr>
+              <a:t>GitHub</a:t>
+            </a:r>
+            <a:r>
+              <a:rPr lang="zh-CN" altLang="en-US" sz="1100" dirty="0">
+                <a:solidFill>
+                  <a:schemeClr val="tx2"/>
+                </a:solidFill>
+                <a:latin typeface="Gill Sans MT" panose="020B0502020104020203" pitchFamily="34" charset="0"/>
+                <a:ea typeface="+mj-ea"/>
+                <a:cs typeface="Futura-Medium" panose="020B0602020204020303" pitchFamily="34" charset="-79"/>
+              </a:rPr>
+              <a:t> </a:t>
+            </a:r>
+            <a:r>
+              <a:rPr lang="en-US" altLang="zh-CN" sz="1100" dirty="0">
+                <a:solidFill>
+                  <a:schemeClr val="tx2"/>
+                </a:solidFill>
+                <a:latin typeface="Gill Sans MT" panose="020B0502020104020203" pitchFamily="34" charset="0"/>
+                <a:ea typeface="+mj-ea"/>
+                <a:cs typeface="Futura-Medium" panose="020B0602020204020303" pitchFamily="34" charset="-79"/>
+              </a:rPr>
+              <a:t>https://</a:t>
+            </a:r>
+            <a:r>
+              <a:rPr lang="en-US" altLang="zh-CN" sz="1100" dirty="0" err="1">
+                <a:solidFill>
+                  <a:schemeClr val="tx2"/>
+                </a:solidFill>
+                <a:latin typeface="Gill Sans MT" panose="020B0502020104020203" pitchFamily="34" charset="0"/>
+                <a:ea typeface="+mj-ea"/>
+                <a:cs typeface="Futura-Medium" panose="020B0602020204020303" pitchFamily="34" charset="-79"/>
+              </a:rPr>
+              <a:t>github.com</a:t>
+            </a:r>
+            <a:r>
+              <a:rPr lang="en-US" altLang="zh-CN" sz="1100" dirty="0">
+                <a:solidFill>
+                  <a:schemeClr val="tx2"/>
+                </a:solidFill>
+                <a:latin typeface="Gill Sans MT" panose="020B0502020104020203" pitchFamily="34" charset="0"/>
+                <a:ea typeface="+mj-ea"/>
+                <a:cs typeface="Futura-Medium" panose="020B0602020204020303" pitchFamily="34" charset="-79"/>
+              </a:rPr>
+              <a:t>/chenzomi12/</a:t>
+            </a:r>
+            <a:r>
+              <a:rPr lang="en-US" altLang="zh-CN" sz="1100" dirty="0" err="1">
+                <a:solidFill>
+                  <a:schemeClr val="tx2"/>
+                </a:solidFill>
+                <a:latin typeface="Gill Sans MT" panose="020B0502020104020203" pitchFamily="34" charset="0"/>
+                <a:ea typeface="+mj-ea"/>
+                <a:cs typeface="Futura-Medium" panose="020B0602020204020303" pitchFamily="34" charset="-79"/>
+              </a:rPr>
+              <a:t>AIFoundation</a:t>
+            </a:r>
+            <a:endParaRPr lang="en-US" sz="1100" dirty="0">
+              <a:solidFill>
+                <a:schemeClr val="tx2"/>
+              </a:solidFill>
+              <a:latin typeface="Gill Sans MT" panose="020B0502020104020203" pitchFamily="34" charset="0"/>
+              <a:ea typeface="+mj-ea"/>
+              <a:cs typeface="Futura-Medium" panose="020B0602020204020303" pitchFamily="34" charset="-79"/>
+            </a:endParaRPr>
+          </a:p>
+        </p:txBody>
+      </p:sp>
+      <p:sp>
+        <p:nvSpPr>
+          <p:cNvPr id="7" name="内容占位符 2">
+            <a:extLst>
+              <a:ext uri="{FF2B5EF4-FFF2-40B4-BE49-F238E27FC236}">
+                <a16:creationId xmlns:a16="http://schemas.microsoft.com/office/drawing/2014/main" id="{35A58353-89D2-75E1-4F31-34BFB4BE3291}"/>
+              </a:ext>
+            </a:extLst>
+          </p:cNvPr>
+          <p:cNvSpPr>
+            <a:spLocks noGrp="1"/>
+          </p:cNvSpPr>
+          <p:nvPr>
+            <p:ph sz="half" idx="1"/>
+          </p:nvPr>
+        </p:nvSpPr>
+        <p:spPr>
+          <a:xfrm>
+            <a:off x="481757" y="2406869"/>
+            <a:ext cx="11161240" cy="3603651"/>
+          </a:xfrm>
+          <a:prstGeom prst="rect">
+            <a:avLst/>
+          </a:prstGeom>
+          <a:noFill/>
+        </p:spPr>
+        <p:txBody>
+          <a:bodyPr anchor="ctr">
+            <a:normAutofit/>
+          </a:bodyPr>
+          <a:lstStyle>
+            <a:lvl1pPr marL="0" marR="0" indent="0" algn="ctr" defTabSz="1218804" rtl="0" eaLnBrk="0" fontAlgn="base" latinLnBrk="0" hangingPunct="0">
+              <a:lnSpc>
+                <a:spcPct val="100000"/>
+              </a:lnSpc>
+              <a:spcBef>
+                <a:spcPts val="0"/>
+              </a:spcBef>
+              <a:spcAft>
+                <a:spcPct val="0"/>
+              </a:spcAft>
+              <a:buClr>
+                <a:srgbClr val="71B2FF"/>
+              </a:buClr>
+              <a:buSzPct val="110000"/>
+              <a:buFont typeface="+mj-lt"/>
+              <a:buNone/>
+              <a:tabLst/>
+              <a:defRPr kumimoji="0" lang="zh-CN" altLang="en-US" sz="9600" b="1" i="0" u="none" strike="noStrike" kern="0" cap="none" spc="0" normalizeH="0" baseline="0" dirty="0">
+                <a:ln>
+                  <a:noFill/>
+                </a:ln>
+                <a:solidFill>
+                  <a:schemeClr val="bg1"/>
+                </a:solidFill>
+                <a:effectLst/>
+                <a:uLnTx/>
+                <a:uFillTx/>
+                <a:latin typeface="Futura-Medium" panose="020B0602020204020303" pitchFamily="34" charset="-79"/>
+                <a:ea typeface="微软雅黑" pitchFamily="34" charset="-122"/>
+                <a:cs typeface="Futura-Medium" panose="020B0602020204020303" pitchFamily="34" charset="-79"/>
+              </a:defRPr>
+            </a:lvl1pPr>
+            <a:lvl2pPr marL="476096" marR="0" indent="-236990" algn="l" defTabSz="1218804" rtl="0" eaLnBrk="0" fontAlgn="base" latinLnBrk="0" hangingPunct="0">
+              <a:lnSpc>
+                <a:spcPct val="150000"/>
+              </a:lnSpc>
+              <a:spcBef>
+                <a:spcPts val="0"/>
+              </a:spcBef>
+              <a:spcAft>
+                <a:spcPct val="0"/>
+              </a:spcAft>
+              <a:buClr>
+                <a:srgbClr val="71B2FF"/>
+              </a:buClr>
+              <a:buFont typeface="Arial" panose="020B0604020202020204" pitchFamily="34" charset="0"/>
+              <a:buChar char="◦"/>
+              <a:tabLst/>
+              <a:defRPr kumimoji="0" lang="zh-CN" altLang="en-US" sz="1200" b="0" i="0" u="none" strike="noStrike" kern="0" cap="none" spc="0" normalizeH="0" baseline="0" dirty="0">
+                <a:ln>
+                  <a:noFill/>
+                </a:ln>
+                <a:solidFill>
+                  <a:srgbClr val="374154"/>
+                </a:solidFill>
+                <a:effectLst/>
+                <a:uLnTx/>
+                <a:uFillTx/>
+                <a:latin typeface="微软雅黑" pitchFamily="34" charset="-122"/>
+                <a:ea typeface="微软雅黑" pitchFamily="34" charset="-122"/>
+                <a:cs typeface="+mn-cs"/>
+              </a:defRPr>
+            </a:lvl2pPr>
+            <a:lvl3pPr marL="833696" marR="0" indent="-236990" algn="l" defTabSz="1218804" rtl="0" eaLnBrk="0" fontAlgn="base" latinLnBrk="0" hangingPunct="0">
+              <a:lnSpc>
+                <a:spcPct val="150000"/>
+              </a:lnSpc>
+              <a:spcBef>
+                <a:spcPts val="0"/>
+              </a:spcBef>
+              <a:spcAft>
+                <a:spcPct val="0"/>
+              </a:spcAft>
+              <a:buClr>
+                <a:srgbClr val="71B2FF"/>
+              </a:buClr>
+              <a:buFontTx/>
+              <a:buChar char="-"/>
+              <a:tabLst/>
+              <a:defRPr kumimoji="0" lang="zh-CN" altLang="en-US" sz="1200" b="0" i="0" u="none" strike="noStrike" kern="0" cap="none" spc="0" normalizeH="0" baseline="0" dirty="0">
+                <a:ln>
+                  <a:noFill/>
+                </a:ln>
+                <a:solidFill>
+                  <a:srgbClr val="374154"/>
+                </a:solidFill>
+                <a:effectLst/>
+                <a:uLnTx/>
+                <a:uFillTx/>
+                <a:latin typeface="微软雅黑" pitchFamily="34" charset="-122"/>
+                <a:ea typeface="微软雅黑" pitchFamily="34" charset="-122"/>
+                <a:cs typeface="+mn-cs"/>
+              </a:defRPr>
+            </a:lvl3pPr>
+            <a:lvl4pPr>
+              <a:defRPr sz="1542"/>
+            </a:lvl4pPr>
+            <a:lvl5pPr>
+              <a:defRPr sz="1542"/>
+            </a:lvl5pPr>
+            <a:lvl6pPr>
+              <a:defRPr sz="1542"/>
+            </a:lvl6pPr>
+            <a:lvl7pPr>
+              <a:defRPr sz="1542"/>
+            </a:lvl7pPr>
+            <a:lvl8pPr>
+              <a:defRPr sz="1542"/>
+            </a:lvl8pPr>
+            <a:lvl9pPr>
+              <a:defRPr sz="1542"/>
+            </a:lvl9pPr>
+          </a:lstStyle>
+          <a:p>
+            <a:pPr lvl="0"/>
+            <a:r>
+              <a:rPr lang="zh-CN" altLang="en-US" dirty="0"/>
+              <a:t>单击此处编辑母版文本样式</a:t>
+            </a:r>
+          </a:p>
+        </p:txBody>
+      </p:sp>
+    </p:spTree>
+    <p:extLst>
+      <p:ext uri="{BB962C8B-B14F-4D97-AF65-F5344CB8AC3E}">
+        <p14:creationId xmlns:p14="http://schemas.microsoft.com/office/powerpoint/2010/main" val="2274185119"/>
+      </p:ext>
+    </p:extLst>
+  </p:cSld>
+  <p:clrMapOvr>
+    <a:masterClrMapping/>
+  </p:clrMapOvr>
+</p:sldLayout>
+</file>
+
+<file path=ppt/slideLayouts/slideLayout6.xml><?xml version="1.0" encoding="utf-8"?>
 <p:sldLayout xmlns:a="http://schemas.openxmlformats.org/drawingml/2006/main" xmlns:r="http://schemas.openxmlformats.org/officeDocument/2006/relationships" xmlns:p="http://schemas.openxmlformats.org/presentationml/2006/main" preserve="1" userDrawn="1">
   <p:cSld name="标题幻灯片">
     <p:spTree>
@@ -2038,7 +2977,7 @@
 </p:sldLayout>
 </file>
 
-<file path=ppt/slideLayouts/slideLayout6.xml><?xml version="1.0" encoding="utf-8"?>
+<file path=ppt/slideLayouts/slideLayout7.xml><?xml version="1.0" encoding="utf-8"?>
 <p:sldLayout xmlns:a="http://schemas.openxmlformats.org/drawingml/2006/main" xmlns:r="http://schemas.openxmlformats.org/officeDocument/2006/relationships" xmlns:p="http://schemas.openxmlformats.org/presentationml/2006/main" preserve="1" userDrawn="1">
   <p:cSld name="3_标题幻灯片">
     <p:spTree>
@@ -2237,7 +3176,7 @@
 </p:sldLayout>
 </file>
 
-<file path=ppt/slideLayouts/slideLayout7.xml><?xml version="1.0" encoding="utf-8"?>
+<file path=ppt/slideLayouts/slideLayout8.xml><?xml version="1.0" encoding="utf-8"?>
 <p:sldLayout xmlns:a="http://schemas.openxmlformats.org/drawingml/2006/main" xmlns:r="http://schemas.openxmlformats.org/officeDocument/2006/relationships" xmlns:p="http://schemas.openxmlformats.org/presentationml/2006/main" preserve="1" userDrawn="1">
   <p:cSld name="标题幻灯片">
     <p:spTree>
@@ -2447,7 +3386,7 @@
 </p:sldLayout>
 </file>
 
-<file path=ppt/slideLayouts/slideLayout8.xml><?xml version="1.0" encoding="utf-8"?>
+<file path=ppt/slideLayouts/slideLayout9.xml><?xml version="1.0" encoding="utf-8"?>
 <p:sldLayout xmlns:a="http://schemas.openxmlformats.org/drawingml/2006/main" xmlns:r="http://schemas.openxmlformats.org/officeDocument/2006/relationships" xmlns:p="http://schemas.openxmlformats.org/presentationml/2006/main" preserve="1" userDrawn="1">
   <p:cSld name="结束页">
     <p:bg>
@@ -12988,7 +13927,7 @@
           <p:nvPr userDrawn="1"/>
         </p:nvPicPr>
         <p:blipFill>
-          <a:blip r:embed="rId5" cstate="print">
+          <a:blip r:embed="rId6" cstate="print">
             <a:alphaModFix amt="70000"/>
             <a:extLst>
               <a:ext uri="{28A0092B-C50C-407E-A947-70E740481C1C}">
@@ -13148,6 +14087,7 @@
     <p:sldLayoutId id="2147483906" r:id="rId1"/>
     <p:sldLayoutId id="2147483963" r:id="rId2"/>
     <p:sldLayoutId id="2147483964" r:id="rId3"/>
+    <p:sldLayoutId id="2147483981" r:id="rId4"/>
   </p:sldLayoutIdLst>
   <mc:AlternateContent xmlns:mc="http://schemas.openxmlformats.org/markup-compatibility/2006" xmlns:p159="http://schemas.microsoft.com/office/powerpoint/2015/09/main">
     <mc:Choice Requires="p159">
@@ -30933,36 +31873,6 @@
           <a:chExt cx="0" cy="0"/>
         </a:xfrm>
       </p:grpSpPr>
-      <p:pic>
-        <p:nvPicPr>
-          <p:cNvPr id="3" name="图片 2">
-            <a:extLst>
-              <a:ext uri="{FF2B5EF4-FFF2-40B4-BE49-F238E27FC236}">
-                <a16:creationId xmlns:a16="http://schemas.microsoft.com/office/drawing/2014/main" id="{B5E93E28-0E4E-C1D6-0B6E-5A6B0A90DA07}"/>
-              </a:ext>
-            </a:extLst>
-          </p:cNvPr>
-          <p:cNvPicPr>
-            <a:picLocks noChangeAspect="1"/>
-          </p:cNvPicPr>
-          <p:nvPr/>
-        </p:nvPicPr>
-        <p:blipFill>
-          <a:blip r:embed="rId3"/>
-          <a:stretch>
-            <a:fillRect/>
-          </a:stretch>
-        </p:blipFill>
-        <p:spPr>
-          <a:xfrm>
-            <a:off x="-25824" y="0"/>
-            <a:ext cx="12248410" cy="6858000"/>
-          </a:xfrm>
-          <a:prstGeom prst="rect">
-            <a:avLst/>
-          </a:prstGeom>
-        </p:spPr>
-      </p:pic>
       <p:sp>
         <p:nvSpPr>
           <p:cNvPr id="7" name="矩形 6">
@@ -31249,7 +32159,7 @@
           <p:nvPr/>
         </p:nvPicPr>
         <p:blipFill>
-          <a:blip r:embed="rId4" cstate="print">
+          <a:blip r:embed="rId3" cstate="print">
             <a:extLst>
               <a:ext uri="{28A0092B-C50C-407E-A947-70E740481C1C}">
                 <a14:useLocalDpi xmlns:a14="http://schemas.microsoft.com/office/drawing/2010/main"/>
@@ -31477,23 +32387,26 @@
             <a:r>
               <a:rPr lang="en-US" altLang="zh-CN" sz="8800" dirty="0">
                 <a:solidFill>
-                  <a:schemeClr val="tx2"/>
-                </a:solidFill>
+                  <a:schemeClr val="bg1"/>
+                </a:solidFill>
+                <a:latin typeface="Lexend" pitchFamily="2" charset="0"/>
               </a:rPr>
               <a:t>2016 </a:t>
             </a:r>
             <a:r>
               <a:rPr lang="zh-CN" altLang="en-US" sz="8800" dirty="0">
                 <a:solidFill>
-                  <a:schemeClr val="tx2"/>
-                </a:solidFill>
+                  <a:schemeClr val="bg1"/>
+                </a:solidFill>
+                <a:latin typeface="Lexend" pitchFamily="2" charset="0"/>
               </a:rPr>
               <a:t>年</a:t>
             </a:r>
             <a:endParaRPr lang="en-US" altLang="zh-CN" sz="8800" dirty="0">
               <a:solidFill>
-                <a:schemeClr val="tx2"/>
+                <a:schemeClr val="bg1"/>
               </a:solidFill>
+              <a:latin typeface="Lexend" pitchFamily="2" charset="0"/>
             </a:endParaRPr>
           </a:p>
           <a:p>
@@ -31505,16 +32418,18 @@
             <a:r>
               <a:rPr lang="en-US" altLang="zh-CN" sz="8800" dirty="0">
                 <a:solidFill>
-                  <a:schemeClr val="tx2"/>
-                </a:solidFill>
+                  <a:schemeClr val="bg1"/>
+                </a:solidFill>
+                <a:latin typeface="Lexend" pitchFamily="2" charset="0"/>
               </a:rPr>
               <a:t> AI </a:t>
             </a:r>
             <a:r>
               <a:rPr lang="zh-CN" altLang="en-US" sz="8800" dirty="0">
                 <a:solidFill>
-                  <a:schemeClr val="tx2"/>
-                </a:solidFill>
+                  <a:schemeClr val="bg1"/>
+                </a:solidFill>
+                <a:latin typeface="Lexend" pitchFamily="2" charset="0"/>
               </a:rPr>
               <a:t>重大事件</a:t>
             </a:r>
@@ -31568,6 +32483,1091 @@
           <p:cNvPr id="4" name="标题 3">
             <a:extLst>
               <a:ext uri="{FF2B5EF4-FFF2-40B4-BE49-F238E27FC236}">
+                <a16:creationId xmlns:a16="http://schemas.microsoft.com/office/drawing/2014/main" id="{E10BA8A3-BB0F-5A14-A68C-B2D7C565A316}"/>
+              </a:ext>
+            </a:extLst>
+          </p:cNvPr>
+          <p:cNvSpPr>
+            <a:spLocks noGrp="1"/>
+          </p:cNvSpPr>
+          <p:nvPr>
+            <p:ph type="title"/>
+          </p:nvPr>
+        </p:nvSpPr>
+        <p:spPr>
+          <a:xfrm>
+            <a:off x="623635" y="522789"/>
+            <a:ext cx="10963473" cy="589190"/>
+          </a:xfrm>
+        </p:spPr>
+        <p:txBody>
+          <a:bodyPr/>
+          <a:lstStyle/>
+          <a:p>
+            <a:r>
+              <a:rPr lang="zh-CN" altLang="en-US" dirty="0"/>
+              <a:t>无人驾驶技术的发展</a:t>
+            </a:r>
+          </a:p>
+        </p:txBody>
+      </p:sp>
+      <p:sp>
+        <p:nvSpPr>
+          <p:cNvPr id="5" name="内容占位符 4">
+            <a:extLst>
+              <a:ext uri="{FF2B5EF4-FFF2-40B4-BE49-F238E27FC236}">
+                <a16:creationId xmlns:a16="http://schemas.microsoft.com/office/drawing/2014/main" id="{1C998817-F5ED-092F-C628-081A904A24B6}"/>
+              </a:ext>
+            </a:extLst>
+          </p:cNvPr>
+          <p:cNvSpPr>
+            <a:spLocks noGrp="1"/>
+          </p:cNvSpPr>
+          <p:nvPr>
+            <p:ph sz="half" idx="1"/>
+          </p:nvPr>
+        </p:nvSpPr>
+        <p:spPr>
+          <a:xfrm>
+            <a:off x="623635" y="1246909"/>
+            <a:ext cx="10963473" cy="5108171"/>
+          </a:xfrm>
+        </p:spPr>
+        <p:txBody>
+          <a:bodyPr/>
+          <a:lstStyle/>
+          <a:p>
+            <a:r>
+              <a:rPr lang="zh-CN" altLang="en-US" dirty="0"/>
+              <a:t>特斯拉自动驾驶系统：</a:t>
+            </a:r>
+            <a:endParaRPr lang="en-US" altLang="zh-CN" dirty="0"/>
+          </a:p>
+          <a:p>
+            <a:pPr lvl="1"/>
+            <a:r>
+              <a:rPr lang="zh-CN" altLang="en-US" dirty="0"/>
+              <a:t>特斯拉的自动驾驶系统在 </a:t>
+            </a:r>
+            <a:r>
+              <a:rPr lang="en-US" altLang="zh-CN" dirty="0"/>
+              <a:t>2016</a:t>
+            </a:r>
+            <a:r>
+              <a:rPr lang="zh-CN" altLang="en-US" dirty="0"/>
+              <a:t> 年取得了显著进展，尽管发生了一些事故，但其自动驾驶功能在某些情况下已经能够帮助司机避免危险。</a:t>
+            </a:r>
+          </a:p>
+          <a:p>
+            <a:r>
+              <a:rPr lang="zh-CN" altLang="en-US" dirty="0"/>
+              <a:t>无人驾驶出租车：</a:t>
+            </a:r>
+            <a:endParaRPr lang="en-US" altLang="zh-CN" dirty="0"/>
+          </a:p>
+          <a:p>
+            <a:pPr lvl="1"/>
+            <a:r>
+              <a:rPr lang="en-US" altLang="zh-CN" dirty="0"/>
+              <a:t>2016</a:t>
+            </a:r>
+            <a:r>
+              <a:rPr lang="zh-CN" altLang="en-US" dirty="0"/>
+              <a:t>年</a:t>
+            </a:r>
+            <a:r>
+              <a:rPr lang="en-US" altLang="zh-CN" dirty="0"/>
+              <a:t>8</a:t>
+            </a:r>
+            <a:r>
+              <a:rPr lang="zh-CN" altLang="en-US" dirty="0"/>
+              <a:t>月，新加坡的 </a:t>
+            </a:r>
+            <a:r>
+              <a:rPr lang="en" altLang="zh-CN" dirty="0" err="1"/>
+              <a:t>nuTonomy</a:t>
+            </a:r>
+            <a:r>
+              <a:rPr lang="zh-CN" altLang="en-US" dirty="0"/>
+              <a:t> 公司开始测试无人驾驶出租车，成为第一家向公众开放自动驾驶汽车的公司。</a:t>
+            </a:r>
+          </a:p>
+          <a:p>
+            <a:r>
+              <a:rPr lang="zh-CN" altLang="en-US" dirty="0"/>
+              <a:t>谷歌</a:t>
+            </a:r>
+            <a:r>
+              <a:rPr lang="en" altLang="zh-CN" dirty="0"/>
+              <a:t>Waymo</a:t>
+            </a:r>
+            <a:r>
+              <a:rPr lang="zh-CN" altLang="en" dirty="0"/>
+              <a:t>：</a:t>
+            </a:r>
+            <a:endParaRPr lang="en-US" altLang="zh-CN" dirty="0"/>
+          </a:p>
+          <a:p>
+            <a:pPr lvl="1"/>
+            <a:r>
+              <a:rPr lang="zh-CN" altLang="en-US" dirty="0"/>
+              <a:t>谷歌的无人驾驶项目在</a:t>
+            </a:r>
+            <a:r>
+              <a:rPr lang="en-US" altLang="zh-CN" dirty="0"/>
+              <a:t>2016</a:t>
+            </a:r>
+            <a:r>
+              <a:rPr lang="zh-CN" altLang="en-US" dirty="0"/>
+              <a:t>年底正式以独立公司</a:t>
+            </a:r>
+            <a:r>
+              <a:rPr lang="en" altLang="zh-CN" dirty="0"/>
+              <a:t>Waymo</a:t>
+            </a:r>
+            <a:r>
+              <a:rPr lang="zh-CN" altLang="en-US" dirty="0"/>
+              <a:t>的形式运营。</a:t>
+            </a:r>
+          </a:p>
+          <a:p>
+            <a:endParaRPr lang="zh-CN" altLang="en-US" dirty="0"/>
+          </a:p>
+        </p:txBody>
+      </p:sp>
+      <p:sp>
+        <p:nvSpPr>
+          <p:cNvPr id="3" name="文本框 2">
+            <a:extLst>
+              <a:ext uri="{FF2B5EF4-FFF2-40B4-BE49-F238E27FC236}">
+                <a16:creationId xmlns:a16="http://schemas.microsoft.com/office/drawing/2014/main" id="{850C148E-9A47-3FF2-2C6F-25C09318C14E}"/>
+              </a:ext>
+            </a:extLst>
+          </p:cNvPr>
+          <p:cNvSpPr txBox="1"/>
+          <p:nvPr/>
+        </p:nvSpPr>
+        <p:spPr>
+          <a:xfrm>
+            <a:off x="3505200" y="1500379"/>
+            <a:ext cx="8271640" cy="276999"/>
+          </a:xfrm>
+          <a:prstGeom prst="rect">
+            <a:avLst/>
+          </a:prstGeom>
+          <a:noFill/>
+        </p:spPr>
+        <p:txBody>
+          <a:bodyPr wrap="square">
+            <a:spAutoFit/>
+          </a:bodyPr>
+          <a:lstStyle/>
+          <a:p>
+            <a:r>
+              <a:rPr lang="zh-CN" altLang="en-US" sz="1200" dirty="0">
+                <a:solidFill>
+                  <a:srgbClr val="0432FF"/>
+                </a:solidFill>
+              </a:rPr>
+              <a:t>https://www.youtube.com/watch?v=TUDiG7PcLBs&amp;pp=ygUPdGVzbGEgYXV0b3BpbG90</a:t>
+            </a:r>
+          </a:p>
+        </p:txBody>
+      </p:sp>
+      <p:sp>
+        <p:nvSpPr>
+          <p:cNvPr id="7" name="文本框 6">
+            <a:extLst>
+              <a:ext uri="{FF2B5EF4-FFF2-40B4-BE49-F238E27FC236}">
+                <a16:creationId xmlns:a16="http://schemas.microsoft.com/office/drawing/2014/main" id="{2CFB8B5F-69CF-BF0F-C578-ACD70EE4071D}"/>
+              </a:ext>
+            </a:extLst>
+          </p:cNvPr>
+          <p:cNvSpPr txBox="1"/>
+          <p:nvPr/>
+        </p:nvSpPr>
+        <p:spPr>
+          <a:xfrm>
+            <a:off x="2969172" y="2908765"/>
+            <a:ext cx="8271640" cy="276999"/>
+          </a:xfrm>
+          <a:prstGeom prst="rect">
+            <a:avLst/>
+          </a:prstGeom>
+          <a:noFill/>
+        </p:spPr>
+        <p:txBody>
+          <a:bodyPr wrap="square">
+            <a:spAutoFit/>
+          </a:bodyPr>
+          <a:lstStyle/>
+          <a:p>
+            <a:r>
+              <a:rPr lang="zh-CN" altLang="en-US" sz="1200" dirty="0">
+                <a:solidFill>
+                  <a:srgbClr val="0432FF"/>
+                </a:solidFill>
+              </a:rPr>
+              <a:t>https://www.youtube.com/watch?v=NCuqygpwTUA&amp;pp=ygUIbnVUb25vbXk%3D</a:t>
+            </a:r>
+          </a:p>
+        </p:txBody>
+      </p:sp>
+      <p:sp>
+        <p:nvSpPr>
+          <p:cNvPr id="9" name="文本框 8">
+            <a:extLst>
+              <a:ext uri="{FF2B5EF4-FFF2-40B4-BE49-F238E27FC236}">
+                <a16:creationId xmlns:a16="http://schemas.microsoft.com/office/drawing/2014/main" id="{C91E723B-01EF-AE31-9C08-746CD5D929E5}"/>
+              </a:ext>
+            </a:extLst>
+          </p:cNvPr>
+          <p:cNvSpPr txBox="1"/>
+          <p:nvPr/>
+        </p:nvSpPr>
+        <p:spPr>
+          <a:xfrm>
+            <a:off x="2727435" y="4354923"/>
+            <a:ext cx="8271640" cy="276999"/>
+          </a:xfrm>
+          <a:prstGeom prst="rect">
+            <a:avLst/>
+          </a:prstGeom>
+          <a:noFill/>
+        </p:spPr>
+        <p:txBody>
+          <a:bodyPr wrap="square">
+            <a:spAutoFit/>
+          </a:bodyPr>
+          <a:lstStyle/>
+          <a:p>
+            <a:r>
+              <a:rPr lang="zh-CN" altLang="en-US" sz="1200" dirty="0">
+                <a:solidFill>
+                  <a:srgbClr val="0432FF"/>
+                </a:solidFill>
+              </a:rPr>
+              <a:t>https://www.youtube.com/watch?v=kDv3dvBEkwk&amp;pp=ygUMZ29vZ2xlIFdheW1v</a:t>
+            </a:r>
+          </a:p>
+        </p:txBody>
+      </p:sp>
+    </p:spTree>
+    <p:extLst>
+      <p:ext uri="{BB962C8B-B14F-4D97-AF65-F5344CB8AC3E}">
+        <p14:creationId xmlns:p14="http://schemas.microsoft.com/office/powerpoint/2010/main" val="2871253187"/>
+      </p:ext>
+    </p:extLst>
+  </p:cSld>
+  <p:clrMapOvr>
+    <a:masterClrMapping/>
+  </p:clrMapOvr>
+  <mc:AlternateContent xmlns:mc="http://schemas.openxmlformats.org/markup-compatibility/2006" xmlns:p159="http://schemas.microsoft.com/office/powerpoint/2015/09/main">
+    <mc:Choice Requires="p159">
+      <p:transition xmlns:p14="http://schemas.microsoft.com/office/powerpoint/2010/main" spd="slow" p14:dur="2000">
+        <p159:morph option="byObject"/>
+      </p:transition>
+    </mc:Choice>
+    <mc:Fallback xmlns="">
+      <p:transition spd="slow">
+        <p:fade/>
+      </p:transition>
+    </mc:Fallback>
+  </mc:AlternateContent>
+</p:sld>
+</file>
+
+<file path=ppt/slides/slide11.xml><?xml version="1.0" encoding="utf-8"?>
+<p:sld xmlns:a="http://schemas.openxmlformats.org/drawingml/2006/main" xmlns:r="http://schemas.openxmlformats.org/officeDocument/2006/relationships" xmlns:p="http://schemas.openxmlformats.org/presentationml/2006/main">
+  <p:cSld>
+    <p:spTree>
+      <p:nvGrpSpPr>
+        <p:cNvPr id="1" name=""/>
+        <p:cNvGrpSpPr/>
+        <p:nvPr/>
+      </p:nvGrpSpPr>
+      <p:grpSpPr>
+        <a:xfrm>
+          <a:off x="0" y="0"/>
+          <a:ext cx="0" cy="0"/>
+          <a:chOff x="0" y="0"/>
+          <a:chExt cx="0" cy="0"/>
+        </a:xfrm>
+      </p:grpSpPr>
+      <p:sp>
+        <p:nvSpPr>
+          <p:cNvPr id="4" name="标题 3">
+            <a:extLst>
+              <a:ext uri="{FF2B5EF4-FFF2-40B4-BE49-F238E27FC236}">
+                <a16:creationId xmlns:a16="http://schemas.microsoft.com/office/drawing/2014/main" id="{A0A4B7F7-0450-5561-9B54-E7E9CDE139EE}"/>
+              </a:ext>
+            </a:extLst>
+          </p:cNvPr>
+          <p:cNvSpPr>
+            <a:spLocks noGrp="1"/>
+          </p:cNvSpPr>
+          <p:nvPr>
+            <p:ph type="title"/>
+          </p:nvPr>
+        </p:nvSpPr>
+        <p:spPr>
+          <a:xfrm>
+            <a:off x="623635" y="522789"/>
+            <a:ext cx="10963473" cy="589190"/>
+          </a:xfrm>
+        </p:spPr>
+        <p:txBody>
+          <a:bodyPr/>
+          <a:lstStyle/>
+          <a:p>
+            <a:r>
+              <a:rPr lang="zh-CN" altLang="en-US" dirty="0"/>
+              <a:t>语音识别技术的突破</a:t>
+            </a:r>
+          </a:p>
+        </p:txBody>
+      </p:sp>
+      <p:sp>
+        <p:nvSpPr>
+          <p:cNvPr id="5" name="内容占位符 4">
+            <a:extLst>
+              <a:ext uri="{FF2B5EF4-FFF2-40B4-BE49-F238E27FC236}">
+                <a16:creationId xmlns:a16="http://schemas.microsoft.com/office/drawing/2014/main" id="{042C1E1E-6969-909B-0303-FF6E6F05F893}"/>
+              </a:ext>
+            </a:extLst>
+          </p:cNvPr>
+          <p:cNvSpPr>
+            <a:spLocks noGrp="1"/>
+          </p:cNvSpPr>
+          <p:nvPr>
+            <p:ph sz="half" idx="1"/>
+          </p:nvPr>
+        </p:nvSpPr>
+        <p:spPr>
+          <a:xfrm>
+            <a:off x="623635" y="1246909"/>
+            <a:ext cx="10963473" cy="5108171"/>
+          </a:xfrm>
+        </p:spPr>
+        <p:txBody>
+          <a:bodyPr/>
+          <a:lstStyle/>
+          <a:p>
+            <a:r>
+              <a:rPr lang="en-US" altLang="zh-CN" dirty="0"/>
+              <a:t>2016</a:t>
+            </a:r>
+            <a:r>
+              <a:rPr lang="zh-CN" altLang="en-US" dirty="0"/>
+              <a:t>年</a:t>
+            </a:r>
+            <a:r>
+              <a:rPr lang="en-US" altLang="zh-CN" dirty="0"/>
+              <a:t>10</a:t>
+            </a:r>
+            <a:r>
+              <a:rPr lang="zh-CN" altLang="en-US" dirty="0"/>
+              <a:t>月，微软宣布其语音识别系统的错误率降至</a:t>
+            </a:r>
+            <a:r>
+              <a:rPr lang="en-US" altLang="zh-CN" dirty="0"/>
+              <a:t>5.9%</a:t>
+            </a:r>
+            <a:r>
+              <a:rPr lang="zh-CN" altLang="en-US" dirty="0"/>
+              <a:t>，首次达到人类专业转录员的水平，这是语音识别技术的一个重要里程碑。这一突破推动了语音助手（如 </a:t>
+            </a:r>
+            <a:r>
+              <a:rPr lang="en" altLang="zh-CN" dirty="0"/>
+              <a:t>Cortana</a:t>
+            </a:r>
+            <a:r>
+              <a:rPr lang="zh-CN" altLang="en" dirty="0"/>
+              <a:t>、</a:t>
+            </a:r>
+            <a:r>
+              <a:rPr lang="en" altLang="zh-CN" dirty="0"/>
+              <a:t>Alexa</a:t>
+            </a:r>
+            <a:r>
+              <a:rPr lang="zh-CN" altLang="en" dirty="0"/>
+              <a:t>）</a:t>
+            </a:r>
+            <a:r>
+              <a:rPr lang="zh-CN" altLang="en-US" dirty="0"/>
+              <a:t>的普及，并为自然语言处理技术的发展奠定了基础。</a:t>
+            </a:r>
+          </a:p>
+          <a:p>
+            <a:endParaRPr lang="en-US" altLang="zh-CN" dirty="0"/>
+          </a:p>
+          <a:p>
+            <a:r>
+              <a:rPr lang="en-US" altLang="zh-CN" dirty="0"/>
+              <a:t>2016</a:t>
+            </a:r>
+            <a:r>
+              <a:rPr lang="zh-CN" altLang="en-US" dirty="0"/>
+              <a:t>年</a:t>
+            </a:r>
+            <a:r>
+              <a:rPr lang="en-US" altLang="zh-CN" dirty="0"/>
+              <a:t>9</a:t>
+            </a:r>
+            <a:r>
+              <a:rPr lang="zh-CN" altLang="en-US" dirty="0"/>
+              <a:t>月，谷歌推出了</a:t>
+            </a:r>
+            <a:r>
+              <a:rPr lang="en" altLang="zh-CN" dirty="0"/>
+              <a:t>Google Neural Machine Translation</a:t>
+            </a:r>
+            <a:r>
+              <a:rPr lang="zh-CN" altLang="en" dirty="0"/>
+              <a:t>（</a:t>
+            </a:r>
+            <a:r>
+              <a:rPr lang="en" altLang="zh-CN" dirty="0"/>
+              <a:t>GNMT</a:t>
+            </a:r>
+            <a:r>
+              <a:rPr lang="zh-CN" altLang="en" dirty="0"/>
+              <a:t>），</a:t>
+            </a:r>
+            <a:r>
+              <a:rPr lang="zh-CN" altLang="en-US" dirty="0"/>
+              <a:t>这是一个完全基于神经网络的机器翻译系统。降低了传统翻译错误率，提升了翻译质量。微软也在同年推出了基于神经网络的 </a:t>
+            </a:r>
+            <a:r>
+              <a:rPr lang="en" altLang="zh-CN" dirty="0"/>
+              <a:t>Microsoft Translator</a:t>
+            </a:r>
+            <a:r>
+              <a:rPr lang="zh-CN" altLang="en-US" dirty="0"/>
+              <a:t> 应用，支持九种语言的即时对话。</a:t>
+            </a:r>
+            <a:br>
+              <a:rPr lang="zh-CN" altLang="en-US" dirty="0"/>
+            </a:br>
+            <a:endParaRPr lang="zh-CN" altLang="en-US" dirty="0"/>
+          </a:p>
+        </p:txBody>
+      </p:sp>
+      <p:sp>
+        <p:nvSpPr>
+          <p:cNvPr id="3" name="文本框 2">
+            <a:extLst>
+              <a:ext uri="{FF2B5EF4-FFF2-40B4-BE49-F238E27FC236}">
+                <a16:creationId xmlns:a16="http://schemas.microsoft.com/office/drawing/2014/main" id="{8D1E5047-1968-A87B-714A-2E55FD340BED}"/>
+              </a:ext>
+            </a:extLst>
+          </p:cNvPr>
+          <p:cNvSpPr txBox="1"/>
+          <p:nvPr/>
+        </p:nvSpPr>
+        <p:spPr>
+          <a:xfrm>
+            <a:off x="1056290" y="3076931"/>
+            <a:ext cx="8271640" cy="276999"/>
+          </a:xfrm>
+          <a:prstGeom prst="rect">
+            <a:avLst/>
+          </a:prstGeom>
+          <a:noFill/>
+        </p:spPr>
+        <p:txBody>
+          <a:bodyPr wrap="square">
+            <a:spAutoFit/>
+          </a:bodyPr>
+          <a:lstStyle/>
+          <a:p>
+            <a:r>
+              <a:rPr lang="zh-CN" altLang="en-US" sz="1200" dirty="0">
+                <a:solidFill>
+                  <a:srgbClr val="0432FF"/>
+                </a:solidFill>
+              </a:rPr>
+              <a:t>https://www.youtube.com/watch?v=OPTKlycwIkM&amp;pp=ygUhR29vZ2xlIE5ldXJhbCBNYWNoaW5lIFRyYW5zbGF0aW9u</a:t>
+            </a:r>
+          </a:p>
+        </p:txBody>
+      </p:sp>
+    </p:spTree>
+    <p:extLst>
+      <p:ext uri="{BB962C8B-B14F-4D97-AF65-F5344CB8AC3E}">
+        <p14:creationId xmlns:p14="http://schemas.microsoft.com/office/powerpoint/2010/main" val="2965616039"/>
+      </p:ext>
+    </p:extLst>
+  </p:cSld>
+  <p:clrMapOvr>
+    <a:masterClrMapping/>
+  </p:clrMapOvr>
+  <mc:AlternateContent xmlns:mc="http://schemas.openxmlformats.org/markup-compatibility/2006" xmlns:p159="http://schemas.microsoft.com/office/powerpoint/2015/09/main">
+    <mc:Choice Requires="p159">
+      <p:transition xmlns:p14="http://schemas.microsoft.com/office/powerpoint/2010/main" spd="slow" p14:dur="2000">
+        <p159:morph option="byObject"/>
+      </p:transition>
+    </mc:Choice>
+    <mc:Fallback xmlns="">
+      <p:transition spd="slow">
+        <p:fade/>
+      </p:transition>
+    </mc:Fallback>
+  </mc:AlternateContent>
+</p:sld>
+</file>
+
+<file path=ppt/slides/slide12.xml><?xml version="1.0" encoding="utf-8"?>
+<p:sld xmlns:a="http://schemas.openxmlformats.org/drawingml/2006/main" xmlns:r="http://schemas.openxmlformats.org/officeDocument/2006/relationships" xmlns:p="http://schemas.openxmlformats.org/presentationml/2006/main">
+  <p:cSld>
+    <p:spTree>
+      <p:nvGrpSpPr>
+        <p:cNvPr id="1" name=""/>
+        <p:cNvGrpSpPr/>
+        <p:nvPr/>
+      </p:nvGrpSpPr>
+      <p:grpSpPr>
+        <a:xfrm>
+          <a:off x="0" y="0"/>
+          <a:ext cx="0" cy="0"/>
+          <a:chOff x="0" y="0"/>
+          <a:chExt cx="0" cy="0"/>
+        </a:xfrm>
+      </p:grpSpPr>
+      <p:sp>
+        <p:nvSpPr>
+          <p:cNvPr id="4" name="文本框 3">
+            <a:extLst>
+              <a:ext uri="{FF2B5EF4-FFF2-40B4-BE49-F238E27FC236}">
+                <a16:creationId xmlns:a16="http://schemas.microsoft.com/office/drawing/2014/main" id="{11B95A44-CCF2-9448-AD90-014C7B1CC7EC}"/>
+              </a:ext>
+            </a:extLst>
+          </p:cNvPr>
+          <p:cNvSpPr txBox="1"/>
+          <p:nvPr/>
+        </p:nvSpPr>
+        <p:spPr>
+          <a:xfrm>
+            <a:off x="4728456" y="1046095"/>
+            <a:ext cx="2739853" cy="2646878"/>
+          </a:xfrm>
+          <a:prstGeom prst="rect">
+            <a:avLst/>
+          </a:prstGeom>
+          <a:noFill/>
+        </p:spPr>
+        <p:txBody>
+          <a:bodyPr wrap="none" rtlCol="0">
+            <a:spAutoFit/>
+          </a:bodyPr>
+          <a:lstStyle/>
+          <a:p>
+            <a:pPr algn="ctr"/>
+            <a:r>
+              <a:rPr kumimoji="1" lang="en-US" altLang="zh-CN" sz="16600" b="1" dirty="0">
+                <a:gradFill>
+                  <a:gsLst>
+                    <a:gs pos="4000">
+                      <a:srgbClr val="126FFC"/>
+                    </a:gs>
+                    <a:gs pos="73000">
+                      <a:srgbClr val="126FFC">
+                        <a:alpha val="0"/>
+                      </a:srgbClr>
+                    </a:gs>
+                  </a:gsLst>
+                  <a:lin ang="5400000" scaled="1"/>
+                </a:gradFill>
+                <a:latin typeface="PingFang SC Semibold" panose="020B0400000000000000" pitchFamily="34" charset="-122"/>
+                <a:ea typeface="PingFang SC Semibold" panose="020B0400000000000000" pitchFamily="34" charset="-122"/>
+              </a:rPr>
+              <a:t>04</a:t>
+            </a:r>
+            <a:endParaRPr kumimoji="1" lang="zh-CN" altLang="en-US" sz="16600" b="1" dirty="0">
+              <a:gradFill>
+                <a:gsLst>
+                  <a:gs pos="4000">
+                    <a:srgbClr val="126FFC"/>
+                  </a:gs>
+                  <a:gs pos="73000">
+                    <a:srgbClr val="126FFC">
+                      <a:alpha val="0"/>
+                    </a:srgbClr>
+                  </a:gs>
+                </a:gsLst>
+                <a:lin ang="5400000" scaled="1"/>
+              </a:gradFill>
+              <a:latin typeface="PingFang SC Semibold" panose="020B0400000000000000" pitchFamily="34" charset="-122"/>
+              <a:ea typeface="PingFang SC Semibold" panose="020B0400000000000000" pitchFamily="34" charset="-122"/>
+            </a:endParaRPr>
+          </a:p>
+        </p:txBody>
+      </p:sp>
+      <p:sp>
+        <p:nvSpPr>
+          <p:cNvPr id="5" name="内容占位符 4">
+            <a:extLst>
+              <a:ext uri="{FF2B5EF4-FFF2-40B4-BE49-F238E27FC236}">
+                <a16:creationId xmlns:a16="http://schemas.microsoft.com/office/drawing/2014/main" id="{D04938AF-B47A-1764-AB7F-5185CDB78730}"/>
+              </a:ext>
+            </a:extLst>
+          </p:cNvPr>
+          <p:cNvSpPr>
+            <a:spLocks noGrp="1"/>
+          </p:cNvSpPr>
+          <p:nvPr>
+            <p:ph sz="half" idx="1"/>
+          </p:nvPr>
+        </p:nvSpPr>
+        <p:spPr>
+          <a:xfrm>
+            <a:off x="481757" y="2406869"/>
+            <a:ext cx="11161240" cy="3603651"/>
+          </a:xfrm>
+        </p:spPr>
+        <p:txBody>
+          <a:bodyPr>
+            <a:normAutofit/>
+          </a:bodyPr>
+          <a:lstStyle/>
+          <a:p>
+            <a:pPr algn="ctr" rtl="0">
+              <a:spcBef>
+                <a:spcPts val="1800"/>
+              </a:spcBef>
+              <a:spcAft>
+                <a:spcPts val="600"/>
+              </a:spcAft>
+            </a:pPr>
+            <a:r>
+              <a:rPr lang="en-US" altLang="zh-CN" dirty="0">
+                <a:latin typeface="Lexend" pitchFamily="2" charset="0"/>
+                <a:ea typeface="+mj-ea"/>
+              </a:rPr>
+              <a:t>AI </a:t>
+            </a:r>
+            <a:r>
+              <a:rPr lang="zh-CN" altLang="en-US" dirty="0">
+                <a:latin typeface="Lexend" pitchFamily="2" charset="0"/>
+                <a:ea typeface="+mj-ea"/>
+              </a:rPr>
+              <a:t>产业政策</a:t>
+            </a:r>
+            <a:endParaRPr lang="en-US" altLang="zh-CN" dirty="0">
+              <a:latin typeface="Lexend" pitchFamily="2" charset="0"/>
+              <a:ea typeface="+mj-ea"/>
+            </a:endParaRPr>
+          </a:p>
+        </p:txBody>
+      </p:sp>
+    </p:spTree>
+    <p:extLst>
+      <p:ext uri="{BB962C8B-B14F-4D97-AF65-F5344CB8AC3E}">
+        <p14:creationId xmlns:p14="http://schemas.microsoft.com/office/powerpoint/2010/main" val="2016024877"/>
+      </p:ext>
+    </p:extLst>
+  </p:cSld>
+  <p:clrMapOvr>
+    <a:masterClrMapping/>
+  </p:clrMapOvr>
+</p:sld>
+</file>
+
+<file path=ppt/slides/slide13.xml><?xml version="1.0" encoding="utf-8"?>
+<p:sld xmlns:a="http://schemas.openxmlformats.org/drawingml/2006/main" xmlns:r="http://schemas.openxmlformats.org/officeDocument/2006/relationships" xmlns:p="http://schemas.openxmlformats.org/presentationml/2006/main">
+  <p:cSld>
+    <p:spTree>
+      <p:nvGrpSpPr>
+        <p:cNvPr id="1" name=""/>
+        <p:cNvGrpSpPr/>
+        <p:nvPr/>
+      </p:nvGrpSpPr>
+      <p:grpSpPr>
+        <a:xfrm>
+          <a:off x="0" y="0"/>
+          <a:ext cx="0" cy="0"/>
+          <a:chOff x="0" y="0"/>
+          <a:chExt cx="0" cy="0"/>
+        </a:xfrm>
+      </p:grpSpPr>
+      <p:sp>
+        <p:nvSpPr>
+          <p:cNvPr id="4" name="标题 3">
+            <a:extLst>
+              <a:ext uri="{FF2B5EF4-FFF2-40B4-BE49-F238E27FC236}">
+                <a16:creationId xmlns:a16="http://schemas.microsoft.com/office/drawing/2014/main" id="{962482E6-1263-9E00-95FC-D08192308FC5}"/>
+              </a:ext>
+            </a:extLst>
+          </p:cNvPr>
+          <p:cNvSpPr>
+            <a:spLocks noGrp="1"/>
+          </p:cNvSpPr>
+          <p:nvPr>
+            <p:ph type="title"/>
+          </p:nvPr>
+        </p:nvSpPr>
+        <p:spPr>
+          <a:xfrm>
+            <a:off x="623635" y="522789"/>
+            <a:ext cx="10963473" cy="589190"/>
+          </a:xfrm>
+        </p:spPr>
+        <p:txBody>
+          <a:bodyPr/>
+          <a:lstStyle/>
+          <a:p>
+            <a:r>
+              <a:rPr lang="zh-CN" altLang="en-US" dirty="0"/>
+              <a:t>白宫发布</a:t>
+            </a:r>
+            <a:r>
+              <a:rPr lang="en" altLang="zh-CN" dirty="0"/>
+              <a:t>AI</a:t>
+            </a:r>
+            <a:r>
+              <a:rPr lang="zh-CN" altLang="en-US" dirty="0"/>
+              <a:t>战略报告</a:t>
+            </a:r>
+          </a:p>
+        </p:txBody>
+      </p:sp>
+      <p:sp>
+        <p:nvSpPr>
+          <p:cNvPr id="5" name="内容占位符 4">
+            <a:extLst>
+              <a:ext uri="{FF2B5EF4-FFF2-40B4-BE49-F238E27FC236}">
+                <a16:creationId xmlns:a16="http://schemas.microsoft.com/office/drawing/2014/main" id="{9498AA40-1E7E-E892-D90B-2CD654BCA475}"/>
+              </a:ext>
+            </a:extLst>
+          </p:cNvPr>
+          <p:cNvSpPr>
+            <a:spLocks noGrp="1"/>
+          </p:cNvSpPr>
+          <p:nvPr>
+            <p:ph sz="half" idx="1"/>
+          </p:nvPr>
+        </p:nvSpPr>
+        <p:spPr>
+          <a:xfrm>
+            <a:off x="623635" y="1246909"/>
+            <a:ext cx="10963473" cy="5108171"/>
+          </a:xfrm>
+        </p:spPr>
+        <p:txBody>
+          <a:bodyPr/>
+          <a:lstStyle/>
+          <a:p>
+            <a:r>
+              <a:rPr lang="zh-CN" altLang="en-US" dirty="0"/>
+              <a:t>事件：</a:t>
+            </a:r>
+            <a:endParaRPr lang="en-US" altLang="zh-CN" dirty="0"/>
+          </a:p>
+          <a:p>
+            <a:pPr lvl="1"/>
+            <a:r>
+              <a:rPr lang="en-US" altLang="zh-CN" dirty="0"/>
+              <a:t>2016</a:t>
+            </a:r>
+            <a:r>
+              <a:rPr lang="zh-CN" altLang="en-US" dirty="0"/>
+              <a:t>年</a:t>
+            </a:r>
+            <a:r>
+              <a:rPr lang="en-US" altLang="zh-CN" dirty="0"/>
+              <a:t>10</a:t>
+            </a:r>
+            <a:r>
+              <a:rPr lang="zh-CN" altLang="en-US" dirty="0"/>
+              <a:t>月，美国白宫发布了</a:t>
+            </a:r>
+            <a:r>
+              <a:rPr lang="en-US" altLang="zh-CN" dirty="0"/>
+              <a:t>《</a:t>
+            </a:r>
+            <a:r>
+              <a:rPr lang="zh-CN" altLang="en-US" dirty="0"/>
+              <a:t>为人工智能的未来做好准备</a:t>
+            </a:r>
+            <a:r>
+              <a:rPr lang="en-US" altLang="zh-CN" dirty="0"/>
+              <a:t>》</a:t>
+            </a:r>
+            <a:r>
+              <a:rPr lang="zh-CN" altLang="en-US" dirty="0"/>
+              <a:t>和</a:t>
+            </a:r>
+            <a:r>
+              <a:rPr lang="en-US" altLang="zh-CN" dirty="0"/>
+              <a:t>《</a:t>
+            </a:r>
+            <a:r>
+              <a:rPr lang="zh-CN" altLang="en-US" dirty="0"/>
+              <a:t>国家人工智能研究与发展战略计划</a:t>
+            </a:r>
+            <a:r>
+              <a:rPr lang="en-US" altLang="zh-CN" dirty="0"/>
+              <a:t>》</a:t>
+            </a:r>
+            <a:r>
+              <a:rPr lang="zh-CN" altLang="en-US" dirty="0"/>
+              <a:t>，探讨了</a:t>
+            </a:r>
+            <a:r>
+              <a:rPr lang="en" altLang="zh-CN" dirty="0"/>
+              <a:t>AI</a:t>
+            </a:r>
+            <a:r>
+              <a:rPr lang="zh-CN" altLang="en-US" dirty="0"/>
+              <a:t>的发展规划及其对社会的影响，将</a:t>
+            </a:r>
+            <a:r>
+              <a:rPr lang="en" altLang="zh-CN" dirty="0"/>
+              <a:t>AI</a:t>
+            </a:r>
+            <a:r>
+              <a:rPr lang="zh-CN" altLang="en-US" dirty="0"/>
+              <a:t>发展提升为国家战略。</a:t>
+            </a:r>
+          </a:p>
+          <a:p>
+            <a:r>
+              <a:rPr lang="zh-CN" altLang="en-US" dirty="0"/>
+              <a:t>意义：</a:t>
+            </a:r>
+            <a:endParaRPr lang="en-US" altLang="zh-CN" dirty="0"/>
+          </a:p>
+          <a:p>
+            <a:pPr lvl="1"/>
+            <a:r>
+              <a:rPr lang="zh-CN" altLang="en-US" dirty="0"/>
+              <a:t>报告为 </a:t>
+            </a:r>
+            <a:r>
+              <a:rPr lang="en" altLang="zh-CN" dirty="0"/>
+              <a:t>AI</a:t>
+            </a:r>
+            <a:r>
+              <a:rPr lang="zh-CN" altLang="en-US" dirty="0"/>
+              <a:t> 的研究、应用和监管提供了政策框架，推动了全球对 </a:t>
+            </a:r>
+            <a:r>
+              <a:rPr lang="en" altLang="zh-CN" dirty="0"/>
+              <a:t>AI</a:t>
+            </a:r>
+            <a:r>
+              <a:rPr lang="zh-CN" altLang="en-US" dirty="0"/>
+              <a:t> 的重视。</a:t>
+            </a:r>
+          </a:p>
+          <a:p>
+            <a:endParaRPr lang="zh-CN" altLang="en-US" dirty="0"/>
+          </a:p>
+        </p:txBody>
+      </p:sp>
+      <p:sp>
+        <p:nvSpPr>
+          <p:cNvPr id="3" name="文本框 2">
+            <a:extLst>
+              <a:ext uri="{FF2B5EF4-FFF2-40B4-BE49-F238E27FC236}">
+                <a16:creationId xmlns:a16="http://schemas.microsoft.com/office/drawing/2014/main" id="{BA57C240-3FA6-6736-0622-7DE3D7499B94}"/>
+              </a:ext>
+            </a:extLst>
+          </p:cNvPr>
+          <p:cNvSpPr txBox="1"/>
+          <p:nvPr/>
+        </p:nvSpPr>
+        <p:spPr>
+          <a:xfrm>
+            <a:off x="1855077" y="1436095"/>
+            <a:ext cx="8271640" cy="276999"/>
+          </a:xfrm>
+          <a:prstGeom prst="rect">
+            <a:avLst/>
+          </a:prstGeom>
+          <a:noFill/>
+        </p:spPr>
+        <p:txBody>
+          <a:bodyPr wrap="square">
+            <a:spAutoFit/>
+          </a:bodyPr>
+          <a:lstStyle/>
+          <a:p>
+            <a:r>
+              <a:rPr lang="en" altLang="zh-CN" sz="1200" dirty="0">
+                <a:solidFill>
+                  <a:srgbClr val="0432FF"/>
+                </a:solidFill>
+              </a:rPr>
+              <a:t>https://</a:t>
+            </a:r>
+            <a:r>
+              <a:rPr lang="en" altLang="zh-CN" sz="1200" dirty="0" err="1">
+                <a:solidFill>
+                  <a:srgbClr val="0432FF"/>
+                </a:solidFill>
+              </a:rPr>
+              <a:t>www.youtube.com</a:t>
+            </a:r>
+            <a:r>
+              <a:rPr lang="en" altLang="zh-CN" sz="1200" dirty="0">
+                <a:solidFill>
+                  <a:srgbClr val="0432FF"/>
+                </a:solidFill>
+              </a:rPr>
+              <a:t>/</a:t>
+            </a:r>
+            <a:r>
+              <a:rPr lang="en" altLang="zh-CN" sz="1200" dirty="0" err="1">
+                <a:solidFill>
+                  <a:srgbClr val="0432FF"/>
+                </a:solidFill>
+              </a:rPr>
+              <a:t>watch?v</a:t>
+            </a:r>
+            <a:r>
+              <a:rPr lang="en" altLang="zh-CN" sz="1200" dirty="0">
+                <a:solidFill>
+                  <a:srgbClr val="0432FF"/>
+                </a:solidFill>
+              </a:rPr>
+              <a:t>=1lclXyLPLPg</a:t>
+            </a:r>
+            <a:endParaRPr lang="zh-CN" altLang="en-US" sz="1200" dirty="0">
+              <a:solidFill>
+                <a:srgbClr val="0432FF"/>
+              </a:solidFill>
+            </a:endParaRPr>
+          </a:p>
+        </p:txBody>
+      </p:sp>
+    </p:spTree>
+    <p:extLst>
+      <p:ext uri="{BB962C8B-B14F-4D97-AF65-F5344CB8AC3E}">
+        <p14:creationId xmlns:p14="http://schemas.microsoft.com/office/powerpoint/2010/main" val="3189172848"/>
+      </p:ext>
+    </p:extLst>
+  </p:cSld>
+  <p:clrMapOvr>
+    <a:masterClrMapping/>
+  </p:clrMapOvr>
+  <mc:AlternateContent xmlns:mc="http://schemas.openxmlformats.org/markup-compatibility/2006" xmlns:p159="http://schemas.microsoft.com/office/powerpoint/2015/09/main">
+    <mc:Choice Requires="p159">
+      <p:transition xmlns:p14="http://schemas.microsoft.com/office/powerpoint/2010/main" spd="slow" p14:dur="2000">
+        <p159:morph option="byObject"/>
+      </p:transition>
+    </mc:Choice>
+    <mc:Fallback xmlns="">
+      <p:transition spd="slow">
+        <p:fade/>
+      </p:transition>
+    </mc:Fallback>
+  </mc:AlternateContent>
+</p:sld>
+</file>
+
+<file path=ppt/slides/slide14.xml><?xml version="1.0" encoding="utf-8"?>
+<p:sld xmlns:a="http://schemas.openxmlformats.org/drawingml/2006/main" xmlns:r="http://schemas.openxmlformats.org/officeDocument/2006/relationships" xmlns:p="http://schemas.openxmlformats.org/presentationml/2006/main">
+  <p:cSld>
+    <p:spTree>
+      <p:nvGrpSpPr>
+        <p:cNvPr id="1" name=""/>
+        <p:cNvGrpSpPr/>
+        <p:nvPr/>
+      </p:nvGrpSpPr>
+      <p:grpSpPr>
+        <a:xfrm>
+          <a:off x="0" y="0"/>
+          <a:ext cx="0" cy="0"/>
+          <a:chOff x="0" y="0"/>
+          <a:chExt cx="0" cy="0"/>
+        </a:xfrm>
+      </p:grpSpPr>
+      <p:sp>
+        <p:nvSpPr>
+          <p:cNvPr id="5" name="内容占位符 4">
+            <a:extLst>
+              <a:ext uri="{FF2B5EF4-FFF2-40B4-BE49-F238E27FC236}">
+                <a16:creationId xmlns:a16="http://schemas.microsoft.com/office/drawing/2014/main" id="{D04938AF-B47A-1764-AB7F-5185CDB78730}"/>
+              </a:ext>
+            </a:extLst>
+          </p:cNvPr>
+          <p:cNvSpPr>
+            <a:spLocks noGrp="1"/>
+          </p:cNvSpPr>
+          <p:nvPr>
+            <p:ph sz="half" idx="1"/>
+          </p:nvPr>
+        </p:nvSpPr>
+        <p:spPr>
+          <a:xfrm>
+            <a:off x="481757" y="2406869"/>
+            <a:ext cx="11161240" cy="3603651"/>
+          </a:xfrm>
+        </p:spPr>
+        <p:txBody>
+          <a:bodyPr>
+            <a:normAutofit/>
+          </a:bodyPr>
+          <a:lstStyle/>
+          <a:p>
+            <a:pPr algn="ctr" rtl="0">
+              <a:spcBef>
+                <a:spcPts val="1800"/>
+              </a:spcBef>
+              <a:spcAft>
+                <a:spcPts val="600"/>
+              </a:spcAft>
+            </a:pPr>
+            <a:r>
+              <a:rPr lang="zh-CN" altLang="en-US" dirty="0">
+                <a:latin typeface="Lexend" pitchFamily="2" charset="0"/>
+                <a:ea typeface="+mj-ea"/>
+              </a:rPr>
+              <a:t>总结</a:t>
+            </a:r>
+            <a:endParaRPr lang="en-US" altLang="zh-CN" dirty="0">
+              <a:latin typeface="Lexend" pitchFamily="2" charset="0"/>
+              <a:ea typeface="+mj-ea"/>
+            </a:endParaRPr>
+          </a:p>
+        </p:txBody>
+      </p:sp>
+    </p:spTree>
+    <p:extLst>
+      <p:ext uri="{BB962C8B-B14F-4D97-AF65-F5344CB8AC3E}">
+        <p14:creationId xmlns:p14="http://schemas.microsoft.com/office/powerpoint/2010/main" val="2262625582"/>
+      </p:ext>
+    </p:extLst>
+  </p:cSld>
+  <p:clrMapOvr>
+    <a:masterClrMapping/>
+  </p:clrMapOvr>
+</p:sld>
+</file>
+
+<file path=ppt/slides/slide15.xml><?xml version="1.0" encoding="utf-8"?>
+<p:sld xmlns:a="http://schemas.openxmlformats.org/drawingml/2006/main" xmlns:r="http://schemas.openxmlformats.org/officeDocument/2006/relationships" xmlns:p="http://schemas.openxmlformats.org/presentationml/2006/main">
+  <p:cSld>
+    <p:spTree>
+      <p:nvGrpSpPr>
+        <p:cNvPr id="1" name=""/>
+        <p:cNvGrpSpPr/>
+        <p:nvPr/>
+      </p:nvGrpSpPr>
+      <p:grpSpPr>
+        <a:xfrm>
+          <a:off x="0" y="0"/>
+          <a:ext cx="0" cy="0"/>
+          <a:chOff x="0" y="0"/>
+          <a:chExt cx="0" cy="0"/>
+        </a:xfrm>
+      </p:grpSpPr>
+      <p:sp>
+        <p:nvSpPr>
+          <p:cNvPr id="4" name="标题 3">
+            <a:extLst>
+              <a:ext uri="{FF2B5EF4-FFF2-40B4-BE49-F238E27FC236}">
                 <a16:creationId xmlns:a16="http://schemas.microsoft.com/office/drawing/2014/main" id="{FF73186F-EDD3-89C1-9476-2A0A77B306A2}"/>
               </a:ext>
             </a:extLst>
@@ -31690,7 +33690,7 @@
 </p:sld>
 </file>
 
-<file path=ppt/slides/slide11.xml><?xml version="1.0" encoding="utf-8"?>
+<file path=ppt/slides/slide16.xml><?xml version="1.0" encoding="utf-8"?>
 <p:sld xmlns:a="http://schemas.openxmlformats.org/drawingml/2006/main" xmlns:r="http://schemas.openxmlformats.org/officeDocument/2006/relationships" xmlns:p="http://schemas.openxmlformats.org/presentationml/2006/main">
   <p:cSld>
     <p:spTree>
@@ -31751,10 +33751,166 @@
       </p:grpSpPr>
       <p:sp>
         <p:nvSpPr>
-          <p:cNvPr id="4" name="标题 3">
+          <p:cNvPr id="4" name="文本框 3">
             <a:extLst>
               <a:ext uri="{FF2B5EF4-FFF2-40B4-BE49-F238E27FC236}">
-                <a16:creationId xmlns:a16="http://schemas.microsoft.com/office/drawing/2014/main" id="{E9CDC1D4-CAE9-7A48-BFA3-3C4CE8ED1D6F}"/>
+                <a16:creationId xmlns:a16="http://schemas.microsoft.com/office/drawing/2014/main" id="{11B95A44-CCF2-9448-AD90-014C7B1CC7EC}"/>
+              </a:ext>
+            </a:extLst>
+          </p:cNvPr>
+          <p:cNvSpPr txBox="1"/>
+          <p:nvPr/>
+        </p:nvSpPr>
+        <p:spPr>
+          <a:xfrm>
+            <a:off x="4931236" y="1046095"/>
+            <a:ext cx="2334293" cy="2646878"/>
+          </a:xfrm>
+          <a:prstGeom prst="rect">
+            <a:avLst/>
+          </a:prstGeom>
+          <a:noFill/>
+        </p:spPr>
+        <p:txBody>
+          <a:bodyPr wrap="none" rtlCol="0">
+            <a:spAutoFit/>
+          </a:bodyPr>
+          <a:lstStyle/>
+          <a:p>
+            <a:pPr algn="ctr"/>
+            <a:r>
+              <a:rPr kumimoji="1" lang="en-US" altLang="zh-CN" sz="16600" b="1" dirty="0">
+                <a:gradFill>
+                  <a:gsLst>
+                    <a:gs pos="4000">
+                      <a:srgbClr val="126FFC"/>
+                    </a:gs>
+                    <a:gs pos="73000">
+                      <a:srgbClr val="126FFC">
+                        <a:alpha val="0"/>
+                      </a:srgbClr>
+                    </a:gs>
+                  </a:gsLst>
+                  <a:lin ang="5400000" scaled="1"/>
+                </a:gradFill>
+                <a:latin typeface="PingFang SC Semibold" panose="020B0400000000000000" pitchFamily="34" charset="-122"/>
+                <a:ea typeface="PingFang SC Semibold" panose="020B0400000000000000" pitchFamily="34" charset="-122"/>
+              </a:rPr>
+              <a:t>01</a:t>
+            </a:r>
+            <a:endParaRPr kumimoji="1" lang="zh-CN" altLang="en-US" sz="16600" b="1" dirty="0">
+              <a:gradFill>
+                <a:gsLst>
+                  <a:gs pos="4000">
+                    <a:srgbClr val="126FFC"/>
+                  </a:gs>
+                  <a:gs pos="73000">
+                    <a:srgbClr val="126FFC">
+                      <a:alpha val="0"/>
+                    </a:srgbClr>
+                  </a:gs>
+                </a:gsLst>
+                <a:lin ang="5400000" scaled="1"/>
+              </a:gradFill>
+              <a:latin typeface="PingFang SC Semibold" panose="020B0400000000000000" pitchFamily="34" charset="-122"/>
+              <a:ea typeface="PingFang SC Semibold" panose="020B0400000000000000" pitchFamily="34" charset="-122"/>
+            </a:endParaRPr>
+          </a:p>
+        </p:txBody>
+      </p:sp>
+      <p:sp>
+        <p:nvSpPr>
+          <p:cNvPr id="5" name="内容占位符 4">
+            <a:extLst>
+              <a:ext uri="{FF2B5EF4-FFF2-40B4-BE49-F238E27FC236}">
+                <a16:creationId xmlns:a16="http://schemas.microsoft.com/office/drawing/2014/main" id="{D04938AF-B47A-1764-AB7F-5185CDB78730}"/>
+              </a:ext>
+            </a:extLst>
+          </p:cNvPr>
+          <p:cNvSpPr>
+            <a:spLocks noGrp="1"/>
+          </p:cNvSpPr>
+          <p:nvPr>
+            <p:ph sz="half" idx="1"/>
+          </p:nvPr>
+        </p:nvSpPr>
+        <p:spPr>
+          <a:xfrm>
+            <a:off x="481757" y="2406869"/>
+            <a:ext cx="11161240" cy="3603651"/>
+          </a:xfrm>
+        </p:spPr>
+        <p:txBody>
+          <a:bodyPr>
+            <a:normAutofit/>
+          </a:bodyPr>
+          <a:lstStyle/>
+          <a:p>
+            <a:pPr algn="ctr" rtl="0">
+              <a:spcBef>
+                <a:spcPts val="1800"/>
+              </a:spcBef>
+              <a:spcAft>
+                <a:spcPts val="600"/>
+              </a:spcAft>
+            </a:pPr>
+            <a:r>
+              <a:rPr lang="en-US" altLang="zh-CN" dirty="0">
+                <a:latin typeface="Lexend" pitchFamily="2" charset="0"/>
+                <a:ea typeface="+mj-ea"/>
+              </a:rPr>
+              <a:t>AI </a:t>
+            </a:r>
+            <a:r>
+              <a:rPr lang="zh-CN" altLang="en-US" dirty="0">
+                <a:latin typeface="Lexend" pitchFamily="2" charset="0"/>
+                <a:ea typeface="+mj-ea"/>
+              </a:rPr>
+              <a:t>模型与算法进步</a:t>
+            </a:r>
+            <a:endParaRPr lang="en-US" altLang="zh-CN" dirty="0">
+              <a:latin typeface="Lexend" pitchFamily="2" charset="0"/>
+              <a:ea typeface="+mj-ea"/>
+            </a:endParaRPr>
+          </a:p>
+        </p:txBody>
+      </p:sp>
+    </p:spTree>
+    <p:extLst>
+      <p:ext uri="{BB962C8B-B14F-4D97-AF65-F5344CB8AC3E}">
+        <p14:creationId xmlns:p14="http://schemas.microsoft.com/office/powerpoint/2010/main" val="3762533939"/>
+      </p:ext>
+    </p:extLst>
+  </p:cSld>
+  <p:clrMapOvr>
+    <a:masterClrMapping/>
+  </p:clrMapOvr>
+</p:sld>
+</file>
+
+<file path=ppt/slides/slide3.xml><?xml version="1.0" encoding="utf-8"?>
+<p:sld xmlns:a="http://schemas.openxmlformats.org/drawingml/2006/main" xmlns:r="http://schemas.openxmlformats.org/officeDocument/2006/relationships" xmlns:p="http://schemas.openxmlformats.org/presentationml/2006/main">
+  <p:cSld>
+    <p:spTree>
+      <p:nvGrpSpPr>
+        <p:cNvPr id="1" name=""/>
+        <p:cNvGrpSpPr/>
+        <p:nvPr/>
+      </p:nvGrpSpPr>
+      <p:grpSpPr>
+        <a:xfrm>
+          <a:off x="0" y="0"/>
+          <a:ext cx="0" cy="0"/>
+          <a:chOff x="0" y="0"/>
+          <a:chExt cx="0" cy="0"/>
+        </a:xfrm>
+      </p:grpSpPr>
+      <p:sp>
+        <p:nvSpPr>
+          <p:cNvPr id="3" name="标题 2">
+            <a:extLst>
+              <a:ext uri="{FF2B5EF4-FFF2-40B4-BE49-F238E27FC236}">
+                <a16:creationId xmlns:a16="http://schemas.microsoft.com/office/drawing/2014/main" id="{69AEA055-67C8-0AFC-274E-C1C28266C7FF}"/>
               </a:ext>
             </a:extLst>
           </p:cNvPr>
@@ -31777,21 +33933,21 @@
           <a:p>
             <a:r>
               <a:rPr lang="en" altLang="zh-CN" dirty="0"/>
-              <a:t>AI</a:t>
+              <a:t>AlphaGo</a:t>
             </a:r>
             <a:r>
               <a:rPr lang="zh-CN" altLang="en-US" dirty="0"/>
-              <a:t>硬件与芯片的突破</a:t>
+              <a:t>击败世界围棋冠军</a:t>
             </a:r>
           </a:p>
         </p:txBody>
       </p:sp>
       <p:sp>
         <p:nvSpPr>
-          <p:cNvPr id="5" name="内容占位符 4">
+          <p:cNvPr id="4" name="内容占位符 3">
             <a:extLst>
               <a:ext uri="{FF2B5EF4-FFF2-40B4-BE49-F238E27FC236}">
-                <a16:creationId xmlns:a16="http://schemas.microsoft.com/office/drawing/2014/main" id="{45F402E0-4DB4-38C1-BA0F-2962679DE860}"/>
+                <a16:creationId xmlns:a16="http://schemas.microsoft.com/office/drawing/2014/main" id="{7A72B731-5E75-DC61-AAB4-49D785AA4103}"/>
               </a:ext>
             </a:extLst>
           </p:cNvPr>
@@ -31813,339 +33969,75 @@
           <a:lstStyle/>
           <a:p>
             <a:r>
-              <a:rPr lang="en" altLang="zh-CN" dirty="0"/>
-              <a:t>1. Google TPU</a:t>
-            </a:r>
-            <a:r>
               <a:rPr lang="zh-CN" altLang="en-US" dirty="0"/>
-              <a:t>发布</a:t>
-            </a:r>
-          </a:p>
-          <a:p>
-            <a:r>
-              <a:rPr lang="en-US" altLang="zh-CN" dirty="0"/>
-              <a:t>2016</a:t>
-            </a:r>
-            <a:r>
-              <a:rPr lang="zh-CN" altLang="en-US" dirty="0"/>
-              <a:t>年</a:t>
-            </a:r>
-            <a:r>
-              <a:rPr lang="en-US" altLang="zh-CN" dirty="0"/>
-              <a:t>5</a:t>
-            </a:r>
-            <a:r>
-              <a:rPr lang="zh-CN" altLang="en-US" dirty="0"/>
-              <a:t>月，谷歌在</a:t>
-            </a:r>
-            <a:r>
-              <a:rPr lang="en" altLang="zh-CN" dirty="0"/>
-              <a:t>I/O</a:t>
-            </a:r>
-            <a:r>
-              <a:rPr lang="zh-CN" altLang="en-US" dirty="0"/>
-              <a:t>大会上宣布了其定制的张量处理单元（</a:t>
-            </a:r>
-            <a:r>
-              <a:rPr lang="en" altLang="zh-CN" dirty="0"/>
-              <a:t>TPU</a:t>
-            </a:r>
-            <a:r>
-              <a:rPr lang="zh-CN" altLang="en" dirty="0"/>
-              <a:t>），</a:t>
-            </a:r>
-            <a:r>
-              <a:rPr lang="zh-CN" altLang="en-US" dirty="0"/>
-              <a:t>这是一款专为机器学习设计的</a:t>
-            </a:r>
-            <a:r>
-              <a:rPr lang="en" altLang="zh-CN" dirty="0"/>
-              <a:t>ASIC</a:t>
-            </a:r>
-            <a:r>
-              <a:rPr lang="zh-CN" altLang="en-US" dirty="0"/>
-              <a:t>芯片。</a:t>
-            </a:r>
-            <a:r>
-              <a:rPr lang="en" altLang="zh-CN" dirty="0"/>
-              <a:t>TPU</a:t>
-            </a:r>
-            <a:r>
-              <a:rPr lang="zh-CN" altLang="en-US" dirty="0"/>
-              <a:t>在性能和能效方面显著优于传统的</a:t>
-            </a:r>
-            <a:r>
-              <a:rPr lang="en" altLang="zh-CN" dirty="0"/>
-              <a:t>GPU</a:t>
-            </a:r>
-            <a:r>
-              <a:rPr lang="zh-CN" altLang="en-US" dirty="0"/>
-              <a:t>和</a:t>
-            </a:r>
-            <a:r>
-              <a:rPr lang="en" altLang="zh-CN" dirty="0"/>
-              <a:t>FPGA</a:t>
-            </a:r>
-            <a:r>
-              <a:rPr lang="zh-CN" altLang="en" dirty="0"/>
-              <a:t>，</a:t>
-            </a:r>
-            <a:r>
-              <a:rPr lang="zh-CN" altLang="en-US" dirty="0"/>
-              <a:t>已经在</a:t>
-            </a:r>
-            <a:r>
-              <a:rPr lang="en" altLang="zh-CN" dirty="0"/>
-              <a:t>Google</a:t>
-            </a:r>
-            <a:r>
-              <a:rPr lang="zh-CN" altLang="en-US" dirty="0"/>
-              <a:t>云语音、</a:t>
-            </a:r>
-            <a:r>
-              <a:rPr lang="en" altLang="zh-CN" dirty="0"/>
-              <a:t>Gmail</a:t>
-            </a:r>
-            <a:r>
-              <a:rPr lang="zh-CN" altLang="en" dirty="0"/>
-              <a:t>、</a:t>
-            </a:r>
-            <a:r>
-              <a:rPr lang="en" altLang="zh-CN" dirty="0"/>
-              <a:t>Google Photos</a:t>
-            </a:r>
-            <a:r>
-              <a:rPr lang="zh-CN" altLang="en-US" dirty="0"/>
-              <a:t>和搜索业务中大规模部署。</a:t>
+              <a:t>事件：</a:t>
             </a:r>
             <a:endParaRPr lang="en-US" altLang="zh-CN" dirty="0"/>
           </a:p>
           <a:p>
+            <a:pPr lvl="1"/>
             <a:r>
               <a:rPr lang="en-US" altLang="zh-CN" dirty="0"/>
               <a:t>2016</a:t>
             </a:r>
             <a:r>
               <a:rPr lang="zh-CN" altLang="en-US" dirty="0"/>
-              <a:t>年：谷歌推出</a:t>
+              <a:t>年</a:t>
+            </a:r>
+            <a:r>
+              <a:rPr lang="en-US" altLang="zh-CN" dirty="0"/>
+              <a:t>3</a:t>
+            </a:r>
+            <a:r>
+              <a:rPr lang="zh-CN" altLang="en-US" dirty="0"/>
+              <a:t>月，谷歌</a:t>
             </a:r>
             <a:r>
               <a:rPr lang="en" altLang="zh-CN" dirty="0"/>
-              <a:t>TPU</a:t>
-            </a:r>
-            <a:r>
-              <a:rPr lang="zh-CN" altLang="en" dirty="0"/>
-              <a:t>（</a:t>
+              <a:t>DeepMind</a:t>
+            </a:r>
+            <a:r>
+              <a:rPr lang="zh-CN" altLang="en-US" dirty="0"/>
+              <a:t>开发的人工智能程序</a:t>
             </a:r>
             <a:r>
               <a:rPr lang="en" altLang="zh-CN" dirty="0"/>
-              <a:t>Tensor Processing Unit</a:t>
-            </a:r>
-            <a:r>
-              <a:rPr lang="zh-CN" altLang="en" dirty="0"/>
-              <a:t>），</a:t>
+              <a:t>AlphaGo</a:t>
             </a:r>
             <a:r>
               <a:rPr lang="zh-CN" altLang="en-US" dirty="0"/>
-              <a:t>专为</a:t>
+              <a:t>在韩国首尔以</a:t>
+            </a:r>
+            <a:r>
+              <a:rPr lang="en-US" altLang="zh-CN" dirty="0"/>
+              <a:t>4:1</a:t>
+            </a:r>
+            <a:r>
+              <a:rPr lang="zh-CN" altLang="en-US" dirty="0"/>
+              <a:t>的成绩战胜了世界围棋大师李世石。围棋因其复杂性长期被视为“人类智慧的最后堡垒”，</a:t>
             </a:r>
             <a:r>
               <a:rPr lang="en" altLang="zh-CN" dirty="0"/>
-              <a:t>TensorFlow</a:t>
+              <a:t>AlphaGo</a:t>
             </a:r>
             <a:r>
               <a:rPr lang="zh-CN" altLang="en-US" dirty="0"/>
-              <a:t>框架优化，显著提升了</a:t>
-            </a:r>
-            <a:r>
-              <a:rPr lang="en" altLang="zh-CN" dirty="0"/>
-              <a:t>AI</a:t>
-            </a:r>
-            <a:r>
-              <a:rPr lang="zh-CN" altLang="en-US"/>
-              <a:t>推理效率。</a:t>
+              <a:t>的胜利展示了深度学习与强化学习的强大能力。</a:t>
             </a:r>
             <a:endParaRPr lang="en-US" altLang="zh-CN" dirty="0"/>
           </a:p>
           <a:p>
             <a:r>
-              <a:rPr lang="en" altLang="zh-CN" dirty="0"/>
-              <a:t>TPU</a:t>
-            </a:r>
-            <a:r>
               <a:rPr lang="zh-CN" altLang="en-US" dirty="0"/>
-              <a:t>首次亮相：谷歌在</a:t>
-            </a:r>
-            <a:r>
-              <a:rPr lang="en-US" altLang="zh-CN" dirty="0"/>
-              <a:t>2016</a:t>
-            </a:r>
-            <a:r>
-              <a:rPr lang="zh-CN" altLang="en-US" dirty="0"/>
-              <a:t>年公布了其自主研发的</a:t>
-            </a:r>
-            <a:r>
-              <a:rPr lang="en" altLang="zh-CN" dirty="0"/>
-              <a:t>TPU</a:t>
-            </a:r>
-            <a:r>
-              <a:rPr lang="zh-CN" altLang="en" dirty="0"/>
-              <a:t>（</a:t>
-            </a:r>
-            <a:r>
-              <a:rPr lang="en" altLang="zh-CN" dirty="0"/>
-              <a:t>Tensor Processing Unit</a:t>
-            </a:r>
-            <a:r>
-              <a:rPr lang="zh-CN" altLang="en" dirty="0"/>
-              <a:t>），</a:t>
-            </a:r>
-            <a:r>
-              <a:rPr lang="zh-CN" altLang="en-US" dirty="0"/>
-              <a:t>这是一种专为机器学习任务设计的</a:t>
-            </a:r>
-            <a:r>
-              <a:rPr lang="en" altLang="zh-CN" dirty="0"/>
-              <a:t>ASIC</a:t>
-            </a:r>
-            <a:r>
-              <a:rPr lang="zh-CN" altLang="en-US" dirty="0"/>
-              <a:t>芯片。</a:t>
-            </a:r>
-            <a:r>
-              <a:rPr lang="en" altLang="zh-CN" dirty="0"/>
-              <a:t>TPU</a:t>
-            </a:r>
-            <a:r>
-              <a:rPr lang="zh-CN" altLang="en-US" dirty="0"/>
-              <a:t>在</a:t>
-            </a:r>
-            <a:r>
-              <a:rPr lang="en" altLang="zh-CN" dirty="0"/>
-              <a:t>AlphaGo</a:t>
-            </a:r>
-            <a:r>
-              <a:rPr lang="zh-CN" altLang="en-US" dirty="0"/>
-              <a:t>与李世石的围棋对弈中发挥了关键作用，展示了其在</a:t>
-            </a:r>
-            <a:r>
-              <a:rPr lang="en" altLang="zh-CN" dirty="0"/>
-              <a:t>AI</a:t>
-            </a:r>
-            <a:r>
-              <a:rPr lang="zh-CN" altLang="en-US" dirty="0"/>
-              <a:t>计算中的高效能</a:t>
-            </a:r>
-          </a:p>
-          <a:p>
-            <a:r>
-              <a:rPr lang="en-US" altLang="zh-CN" dirty="0"/>
-              <a:t>2. </a:t>
-            </a:r>
-            <a:r>
-              <a:rPr lang="en" altLang="zh-CN" dirty="0"/>
-              <a:t>NVIDIA Pascal</a:t>
-            </a:r>
-            <a:r>
-              <a:rPr lang="zh-CN" altLang="en-US" dirty="0"/>
-              <a:t>架构发布</a:t>
-            </a:r>
-          </a:p>
-          <a:p>
-            <a:r>
-              <a:rPr lang="en-US" altLang="zh-CN" dirty="0"/>
-              <a:t>2016</a:t>
-            </a:r>
-            <a:r>
-              <a:rPr lang="zh-CN" altLang="en-US" dirty="0"/>
-              <a:t>年</a:t>
-            </a:r>
-            <a:r>
-              <a:rPr lang="en-US" altLang="zh-CN" dirty="0"/>
-              <a:t>4</a:t>
-            </a:r>
-            <a:r>
-              <a:rPr lang="zh-CN" altLang="en-US" dirty="0"/>
-              <a:t>月，</a:t>
-            </a:r>
-            <a:r>
-              <a:rPr lang="en" altLang="zh-CN" dirty="0"/>
-              <a:t>NVIDIA</a:t>
-            </a:r>
-            <a:r>
-              <a:rPr lang="zh-CN" altLang="en-US" dirty="0"/>
-              <a:t>发布了基于</a:t>
-            </a:r>
-            <a:r>
-              <a:rPr lang="en-US" altLang="zh-CN" dirty="0"/>
-              <a:t>16</a:t>
-            </a:r>
-            <a:r>
-              <a:rPr lang="en" altLang="zh-CN" dirty="0"/>
-              <a:t>nm </a:t>
-            </a:r>
-            <a:r>
-              <a:rPr lang="en" altLang="zh-CN" dirty="0" err="1"/>
-              <a:t>FinFET</a:t>
-            </a:r>
-            <a:r>
-              <a:rPr lang="zh-CN" altLang="en-US" dirty="0"/>
-              <a:t>制程的</a:t>
-            </a:r>
-            <a:r>
-              <a:rPr lang="en" altLang="zh-CN" dirty="0"/>
-              <a:t>Pascal</a:t>
-            </a:r>
-            <a:r>
-              <a:rPr lang="zh-CN" altLang="en-US" dirty="0"/>
-              <a:t>架构显卡，显著提升了深度学习任务的性能。其中，</a:t>
-            </a:r>
-            <a:r>
-              <a:rPr lang="en" altLang="zh-CN" dirty="0"/>
-              <a:t>DGX-1</a:t>
-            </a:r>
-            <a:r>
-              <a:rPr lang="zh-CN" altLang="en-US" dirty="0"/>
-              <a:t>超级计算机配备了</a:t>
-            </a:r>
-            <a:r>
-              <a:rPr lang="en-US" altLang="zh-CN" dirty="0"/>
-              <a:t>8</a:t>
-            </a:r>
-            <a:r>
-              <a:rPr lang="zh-CN" altLang="en-US" dirty="0"/>
-              <a:t>颗</a:t>
-            </a:r>
-            <a:r>
-              <a:rPr lang="en" altLang="zh-CN" dirty="0"/>
-              <a:t>Pascal</a:t>
-            </a:r>
-            <a:r>
-              <a:rPr lang="zh-CN" altLang="en-US" dirty="0"/>
-              <a:t>架构的</a:t>
-            </a:r>
-            <a:r>
-              <a:rPr lang="en" altLang="zh-CN" dirty="0"/>
-              <a:t>Tesla P100 GPU</a:t>
-            </a:r>
-            <a:r>
-              <a:rPr lang="zh-CN" altLang="en" dirty="0"/>
-              <a:t>，</a:t>
-            </a:r>
-            <a:r>
-              <a:rPr lang="zh-CN" altLang="en-US" dirty="0"/>
-              <a:t>成为深度学习领域的强大工具。</a:t>
+              <a:t>意义：</a:t>
             </a:r>
             <a:endParaRPr lang="en-US" altLang="zh-CN" dirty="0"/>
           </a:p>
           <a:p>
-            <a:r>
-              <a:rPr lang="en" altLang="zh-CN" dirty="0"/>
-              <a:t>GPU</a:t>
-            </a:r>
+            <a:pPr lvl="1"/>
             <a:r>
               <a:rPr lang="zh-CN" altLang="en-US" dirty="0"/>
-              <a:t>成为</a:t>
+              <a:t>这一胜利不仅推动了公众对</a:t>
             </a:r>
             <a:r>
               <a:rPr lang="en" altLang="zh-CN" dirty="0"/>
@@ -32153,23 +34045,7 @@
             </a:r>
             <a:r>
               <a:rPr lang="zh-CN" altLang="en-US" dirty="0"/>
-              <a:t>计算的标配：英伟达的</a:t>
-            </a:r>
-            <a:r>
-              <a:rPr lang="en" altLang="zh-CN" dirty="0"/>
-              <a:t>GPU</a:t>
-            </a:r>
-            <a:r>
-              <a:rPr lang="zh-CN" altLang="en-US" dirty="0"/>
-              <a:t>在</a:t>
-            </a:r>
-            <a:r>
-              <a:rPr lang="en-US" altLang="zh-CN" dirty="0"/>
-              <a:t>2016</a:t>
-            </a:r>
-            <a:r>
-              <a:rPr lang="zh-CN" altLang="en-US" dirty="0"/>
-              <a:t>年成为深度学习和</a:t>
+              <a:t>的关注，也加速了深度学习技术在各领域的应用。这一事件标志着</a:t>
             </a:r>
             <a:r>
               <a:rPr lang="en" altLang="zh-CN" dirty="0"/>
@@ -32177,365 +34053,46 @@
             </a:r>
             <a:r>
               <a:rPr lang="zh-CN" altLang="en-US" dirty="0"/>
-              <a:t>训练的核心硬件。其</a:t>
-            </a:r>
-            <a:r>
-              <a:rPr lang="en" altLang="zh-CN" dirty="0"/>
-              <a:t>Pascal</a:t>
-            </a:r>
-            <a:r>
-              <a:rPr lang="zh-CN" altLang="en-US" dirty="0"/>
-              <a:t>架构的</a:t>
-            </a:r>
-            <a:r>
-              <a:rPr lang="en" altLang="zh-CN" dirty="0"/>
-              <a:t>GPU</a:t>
-            </a:r>
-            <a:r>
-              <a:rPr lang="zh-CN" altLang="en" dirty="0"/>
-              <a:t>（</a:t>
-            </a:r>
-            <a:r>
-              <a:rPr lang="zh-CN" altLang="en-US" dirty="0"/>
-              <a:t>如</a:t>
-            </a:r>
-            <a:r>
-              <a:rPr lang="en" altLang="zh-CN" dirty="0"/>
-              <a:t>Tesla P100</a:t>
-            </a:r>
-            <a:r>
-              <a:rPr lang="zh-CN" altLang="en" dirty="0"/>
-              <a:t>）</a:t>
-            </a:r>
-            <a:r>
-              <a:rPr lang="zh-CN" altLang="en-US" dirty="0"/>
-              <a:t>在</a:t>
-            </a:r>
-            <a:r>
-              <a:rPr lang="en" altLang="zh-CN" dirty="0"/>
-              <a:t>AI</a:t>
-            </a:r>
-            <a:r>
-              <a:rPr lang="zh-CN" altLang="en-US" dirty="0"/>
-              <a:t>计算中表现出色，广泛应用于数据中心和</a:t>
-            </a:r>
-            <a:r>
-              <a:rPr lang="en" altLang="zh-CN" dirty="0"/>
-              <a:t>AI</a:t>
-            </a:r>
-            <a:r>
-              <a:rPr lang="zh-CN" altLang="en-US" dirty="0"/>
-              <a:t>研究</a:t>
-            </a:r>
-            <a:r>
-              <a:rPr lang="en-US" altLang="zh-CN" dirty="0"/>
-              <a:t>14</a:t>
-            </a:r>
-            <a:r>
-              <a:rPr lang="zh-CN" altLang="en-US" dirty="0"/>
-              <a:t>。</a:t>
+              <a:t>在复杂策略游戏中的巨大进步，引起了全球广泛关注。</a:t>
             </a:r>
           </a:p>
+        </p:txBody>
+      </p:sp>
+      <p:sp>
+        <p:nvSpPr>
+          <p:cNvPr id="5" name="文本框 4">
+            <a:extLst>
+              <a:ext uri="{FF2B5EF4-FFF2-40B4-BE49-F238E27FC236}">
+                <a16:creationId xmlns:a16="http://schemas.microsoft.com/office/drawing/2014/main" id="{F58F0435-F28C-0DE8-2347-A0F6368E056C}"/>
+              </a:ext>
+            </a:extLst>
+          </p:cNvPr>
+          <p:cNvSpPr txBox="1"/>
+          <p:nvPr/>
+        </p:nvSpPr>
+        <p:spPr>
+          <a:xfrm>
+            <a:off x="1834056" y="1468848"/>
+            <a:ext cx="8271640" cy="276999"/>
+          </a:xfrm>
+          <a:prstGeom prst="rect">
+            <a:avLst/>
+          </a:prstGeom>
+          <a:noFill/>
+        </p:spPr>
+        <p:txBody>
+          <a:bodyPr wrap="square">
+            <a:spAutoFit/>
+          </a:bodyPr>
+          <a:lstStyle/>
           <a:p>
             <a:r>
-              <a:rPr lang="en" altLang="zh-CN" dirty="0"/>
-              <a:t>DGX-1</a:t>
-            </a:r>
-            <a:r>
-              <a:rPr lang="zh-CN" altLang="en-US" dirty="0"/>
-              <a:t>超级计算机发布：英伟达推出了全球首款深度学习超级计算机</a:t>
-            </a:r>
-            <a:r>
-              <a:rPr lang="en" altLang="zh-CN" dirty="0"/>
-              <a:t>DGX-1</a:t>
-            </a:r>
-            <a:r>
-              <a:rPr lang="zh-CN" altLang="en" dirty="0"/>
-              <a:t>，</a:t>
-            </a:r>
-            <a:r>
-              <a:rPr lang="zh-CN" altLang="en-US" dirty="0"/>
-              <a:t>专为</a:t>
-            </a:r>
-            <a:r>
-              <a:rPr lang="en" altLang="zh-CN" dirty="0"/>
-              <a:t>AI</a:t>
-            </a:r>
-            <a:r>
-              <a:rPr lang="zh-CN" altLang="en-US" dirty="0"/>
-              <a:t>训练设计，搭载</a:t>
-            </a:r>
-            <a:r>
-              <a:rPr lang="en-US" altLang="zh-CN" dirty="0"/>
-              <a:t>8</a:t>
-            </a:r>
-            <a:r>
-              <a:rPr lang="zh-CN" altLang="en-US" dirty="0"/>
-              <a:t>块</a:t>
-            </a:r>
-            <a:r>
-              <a:rPr lang="en" altLang="zh-CN" dirty="0"/>
-              <a:t>Tesla P100 GPU</a:t>
-            </a:r>
-            <a:r>
-              <a:rPr lang="zh-CN" altLang="en" dirty="0"/>
-              <a:t>，</a:t>
-            </a:r>
-            <a:r>
-              <a:rPr lang="zh-CN" altLang="en-US" dirty="0"/>
-              <a:t>性能相当于</a:t>
-            </a:r>
-            <a:r>
-              <a:rPr lang="en-US" altLang="zh-CN" dirty="0"/>
-              <a:t>250</a:t>
-            </a:r>
-            <a:r>
-              <a:rPr lang="zh-CN" altLang="en-US" dirty="0"/>
-              <a:t>台传统服务器</a:t>
-            </a:r>
-          </a:p>
-          <a:p>
-            <a:endParaRPr lang="zh-CN" altLang="en-US" dirty="0"/>
-          </a:p>
-          <a:p>
-            <a:r>
-              <a:rPr lang="en-US" altLang="zh-CN" dirty="0"/>
-              <a:t>3. </a:t>
-            </a:r>
-            <a:r>
-              <a:rPr lang="en" altLang="zh-CN" dirty="0"/>
-              <a:t>Intel</a:t>
-            </a:r>
-            <a:r>
-              <a:rPr lang="zh-CN" altLang="en-US" dirty="0"/>
-              <a:t>收购</a:t>
-            </a:r>
-            <a:r>
-              <a:rPr lang="en" altLang="zh-CN" dirty="0" err="1"/>
-              <a:t>Nervana</a:t>
-            </a:r>
-            <a:r>
-              <a:rPr lang="en" altLang="zh-CN" dirty="0"/>
-              <a:t> Systems</a:t>
-            </a:r>
-          </a:p>
-          <a:p>
-            <a:r>
-              <a:rPr lang="en" altLang="zh-CN" dirty="0"/>
-              <a:t>2016</a:t>
-            </a:r>
-            <a:r>
-              <a:rPr lang="zh-CN" altLang="en-US" dirty="0"/>
-              <a:t>年</a:t>
-            </a:r>
-            <a:r>
-              <a:rPr lang="en-US" altLang="zh-CN" dirty="0"/>
-              <a:t>8</a:t>
-            </a:r>
-            <a:r>
-              <a:rPr lang="zh-CN" altLang="en-US" dirty="0"/>
-              <a:t>月，</a:t>
-            </a:r>
-            <a:r>
-              <a:rPr lang="en" altLang="zh-CN" dirty="0"/>
-              <a:t>Intel</a:t>
-            </a:r>
-            <a:r>
-              <a:rPr lang="zh-CN" altLang="en-US" dirty="0"/>
-              <a:t>宣布收购深度学习创业公司</a:t>
-            </a:r>
-            <a:r>
-              <a:rPr lang="en" altLang="zh-CN" dirty="0" err="1"/>
-              <a:t>Nervana</a:t>
-            </a:r>
-            <a:r>
-              <a:rPr lang="en" altLang="zh-CN" dirty="0"/>
-              <a:t> Systems</a:t>
-            </a:r>
-            <a:r>
-              <a:rPr lang="zh-CN" altLang="en" dirty="0"/>
-              <a:t>，</a:t>
-            </a:r>
-            <a:r>
-              <a:rPr lang="zh-CN" altLang="en-US" dirty="0"/>
-              <a:t>旨在提升其在</a:t>
-            </a:r>
-            <a:r>
-              <a:rPr lang="en" altLang="zh-CN" dirty="0"/>
-              <a:t>AI</a:t>
-            </a:r>
-            <a:r>
-              <a:rPr lang="zh-CN" altLang="en-US" dirty="0"/>
-              <a:t>硬件领域的竞争力。</a:t>
-            </a:r>
-            <a:r>
-              <a:rPr lang="en" altLang="zh-CN" dirty="0" err="1"/>
-              <a:t>Nervana</a:t>
-            </a:r>
-            <a:r>
-              <a:rPr lang="zh-CN" altLang="en-US" dirty="0"/>
-              <a:t>计划推出深度学习定制芯片</a:t>
-            </a:r>
-            <a:r>
-              <a:rPr lang="en" altLang="zh-CN" dirty="0" err="1"/>
-              <a:t>Nervana</a:t>
-            </a:r>
-            <a:r>
-              <a:rPr lang="en" altLang="zh-CN" dirty="0"/>
-              <a:t> Engine</a:t>
-            </a:r>
-            <a:r>
-              <a:rPr lang="zh-CN" altLang="en" dirty="0"/>
-              <a:t>，</a:t>
-            </a:r>
-            <a:r>
-              <a:rPr lang="zh-CN" altLang="en-US" dirty="0"/>
-              <a:t>相比</a:t>
-            </a:r>
-            <a:r>
-              <a:rPr lang="en" altLang="zh-CN" dirty="0"/>
-              <a:t>GPU</a:t>
-            </a:r>
-            <a:r>
-              <a:rPr lang="zh-CN" altLang="en-US" dirty="0"/>
-              <a:t>在训练方面可提升</a:t>
-            </a:r>
-            <a:r>
-              <a:rPr lang="en-US" altLang="zh-CN" dirty="0"/>
-              <a:t>10</a:t>
-            </a:r>
-            <a:r>
-              <a:rPr lang="zh-CN" altLang="en-US" dirty="0"/>
-              <a:t>倍性能。</a:t>
-            </a:r>
-            <a:endParaRPr lang="en-US" altLang="zh-CN" dirty="0"/>
-          </a:p>
-          <a:p>
-            <a:r>
-              <a:rPr lang="zh-CN" altLang="en-US" dirty="0"/>
-              <a:t>收购</a:t>
-            </a:r>
-            <a:r>
-              <a:rPr lang="en" altLang="zh-CN" dirty="0" err="1"/>
-              <a:t>Nervana</a:t>
-            </a:r>
-            <a:r>
-              <a:rPr lang="en" altLang="zh-CN" dirty="0"/>
-              <a:t> Systems</a:t>
-            </a:r>
-            <a:r>
-              <a:rPr lang="zh-CN" altLang="en" dirty="0"/>
-              <a:t>：</a:t>
-            </a:r>
-            <a:r>
-              <a:rPr lang="en" altLang="zh-CN" dirty="0"/>
-              <a:t>2016</a:t>
-            </a:r>
-            <a:r>
-              <a:rPr lang="zh-CN" altLang="en-US" dirty="0"/>
-              <a:t>年，英特尔收购了深度学习芯片初创公司</a:t>
-            </a:r>
-            <a:r>
-              <a:rPr lang="en" altLang="zh-CN" dirty="0" err="1"/>
-              <a:t>Nervana</a:t>
-            </a:r>
-            <a:r>
-              <a:rPr lang="en" altLang="zh-CN" dirty="0"/>
-              <a:t> Systems</a:t>
-            </a:r>
-            <a:r>
-              <a:rPr lang="zh-CN" altLang="en" dirty="0"/>
-              <a:t>，</a:t>
-            </a:r>
-            <a:r>
-              <a:rPr lang="zh-CN" altLang="en-US" dirty="0"/>
-              <a:t>旨在开发专为</a:t>
-            </a:r>
-            <a:r>
-              <a:rPr lang="en" altLang="zh-CN" dirty="0"/>
-              <a:t>AI</a:t>
-            </a:r>
-            <a:r>
-              <a:rPr lang="zh-CN" altLang="en-US" dirty="0"/>
-              <a:t>优化的硬件。</a:t>
-            </a:r>
-            <a:r>
-              <a:rPr lang="en" altLang="zh-CN" dirty="0" err="1"/>
-              <a:t>Nervana</a:t>
-            </a:r>
-            <a:r>
-              <a:rPr lang="zh-CN" altLang="en-US" dirty="0"/>
-              <a:t>的芯片设计专注于高效能</a:t>
-            </a:r>
-            <a:r>
-              <a:rPr lang="en" altLang="zh-CN" dirty="0"/>
-              <a:t>AI</a:t>
-            </a:r>
-            <a:r>
-              <a:rPr lang="zh-CN" altLang="en-US" dirty="0"/>
-              <a:t>计算，为英特尔在</a:t>
-            </a:r>
-            <a:r>
-              <a:rPr lang="en" altLang="zh-CN" dirty="0"/>
-              <a:t>AI</a:t>
-            </a:r>
-            <a:r>
-              <a:rPr lang="zh-CN" altLang="en-US" dirty="0"/>
-              <a:t>领域的竞争提供了技术支持</a:t>
-            </a:r>
-            <a:r>
-              <a:rPr lang="en-US" altLang="zh-CN" dirty="0"/>
-              <a:t>46</a:t>
-            </a:r>
-            <a:r>
-              <a:rPr lang="zh-CN" altLang="en-US" dirty="0"/>
-              <a:t>。</a:t>
-            </a:r>
-          </a:p>
-          <a:p>
-            <a:r>
-              <a:rPr lang="en" altLang="zh-CN" dirty="0"/>
-              <a:t>FPGA</a:t>
-            </a:r>
-            <a:r>
-              <a:rPr lang="zh-CN" altLang="en-US" dirty="0"/>
-              <a:t>与</a:t>
-            </a:r>
-            <a:r>
-              <a:rPr lang="en" altLang="zh-CN" dirty="0"/>
-              <a:t>AI</a:t>
-            </a:r>
-            <a:r>
-              <a:rPr lang="zh-CN" altLang="en-US" dirty="0"/>
-              <a:t>结合：英特尔还通过其</a:t>
-            </a:r>
-            <a:r>
-              <a:rPr lang="en" altLang="zh-CN" dirty="0"/>
-              <a:t>FPGA</a:t>
-            </a:r>
-            <a:r>
-              <a:rPr lang="zh-CN" altLang="en" dirty="0"/>
-              <a:t>（</a:t>
-            </a:r>
-            <a:r>
-              <a:rPr lang="zh-CN" altLang="en-US" dirty="0"/>
-              <a:t>现场可编程门阵列）技术推动</a:t>
-            </a:r>
-            <a:r>
-              <a:rPr lang="en" altLang="zh-CN" dirty="0"/>
-              <a:t>AI</a:t>
-            </a:r>
-            <a:r>
-              <a:rPr lang="zh-CN" altLang="en-US" dirty="0"/>
-              <a:t>硬件创新，特别是在低功耗和高效率的</a:t>
-            </a:r>
-            <a:r>
-              <a:rPr lang="en" altLang="zh-CN" dirty="0"/>
-              <a:t>AI</a:t>
-            </a:r>
-            <a:r>
-              <a:rPr lang="zh-CN" altLang="en-US" dirty="0"/>
-              <a:t>推理任务中</a:t>
+              <a:rPr lang="zh-CN" altLang="en-US" sz="1200" dirty="0">
+                <a:solidFill>
+                  <a:srgbClr val="0432FF"/>
+                </a:solidFill>
+              </a:rPr>
+              <a:t>https://www.youtube.com/watch?v=SUbqykXVx0A&amp;pp=ygUQRGVlcE1pbmQgYWxwaGFHTw%3D%3D</a:t>
             </a:r>
           </a:p>
         </p:txBody>
@@ -32543,7 +34100,7 @@
     </p:spTree>
     <p:extLst>
       <p:ext uri="{BB962C8B-B14F-4D97-AF65-F5344CB8AC3E}">
-        <p14:creationId xmlns:p14="http://schemas.microsoft.com/office/powerpoint/2010/main" val="4168410020"/>
+        <p14:creationId xmlns:p14="http://schemas.microsoft.com/office/powerpoint/2010/main" val="358487902"/>
       </p:ext>
     </p:extLst>
   </p:cSld>
@@ -32565,7 +34122,163 @@
 </p:sld>
 </file>
 
-<file path=ppt/slides/slide3.xml><?xml version="1.0" encoding="utf-8"?>
+<file path=ppt/slides/slide4.xml><?xml version="1.0" encoding="utf-8"?>
+<p:sld xmlns:a="http://schemas.openxmlformats.org/drawingml/2006/main" xmlns:r="http://schemas.openxmlformats.org/officeDocument/2006/relationships" xmlns:p="http://schemas.openxmlformats.org/presentationml/2006/main">
+  <p:cSld>
+    <p:spTree>
+      <p:nvGrpSpPr>
+        <p:cNvPr id="1" name=""/>
+        <p:cNvGrpSpPr/>
+        <p:nvPr/>
+      </p:nvGrpSpPr>
+      <p:grpSpPr>
+        <a:xfrm>
+          <a:off x="0" y="0"/>
+          <a:ext cx="0" cy="0"/>
+          <a:chOff x="0" y="0"/>
+          <a:chExt cx="0" cy="0"/>
+        </a:xfrm>
+      </p:grpSpPr>
+      <p:sp>
+        <p:nvSpPr>
+          <p:cNvPr id="4" name="文本框 3">
+            <a:extLst>
+              <a:ext uri="{FF2B5EF4-FFF2-40B4-BE49-F238E27FC236}">
+                <a16:creationId xmlns:a16="http://schemas.microsoft.com/office/drawing/2014/main" id="{11B95A44-CCF2-9448-AD90-014C7B1CC7EC}"/>
+              </a:ext>
+            </a:extLst>
+          </p:cNvPr>
+          <p:cNvSpPr txBox="1"/>
+          <p:nvPr/>
+        </p:nvSpPr>
+        <p:spPr>
+          <a:xfrm>
+            <a:off x="4728456" y="1046095"/>
+            <a:ext cx="2739853" cy="2646878"/>
+          </a:xfrm>
+          <a:prstGeom prst="rect">
+            <a:avLst/>
+          </a:prstGeom>
+          <a:noFill/>
+        </p:spPr>
+        <p:txBody>
+          <a:bodyPr wrap="none" rtlCol="0">
+            <a:spAutoFit/>
+          </a:bodyPr>
+          <a:lstStyle/>
+          <a:p>
+            <a:pPr algn="ctr"/>
+            <a:r>
+              <a:rPr kumimoji="1" lang="en-US" altLang="zh-CN" sz="16600" b="1" dirty="0">
+                <a:gradFill>
+                  <a:gsLst>
+                    <a:gs pos="4000">
+                      <a:srgbClr val="126FFC"/>
+                    </a:gs>
+                    <a:gs pos="73000">
+                      <a:srgbClr val="126FFC">
+                        <a:alpha val="0"/>
+                      </a:srgbClr>
+                    </a:gs>
+                  </a:gsLst>
+                  <a:lin ang="5400000" scaled="1"/>
+                </a:gradFill>
+                <a:latin typeface="PingFang SC Semibold" panose="020B0400000000000000" pitchFamily="34" charset="-122"/>
+                <a:ea typeface="PingFang SC Semibold" panose="020B0400000000000000" pitchFamily="34" charset="-122"/>
+              </a:rPr>
+              <a:t>02</a:t>
+            </a:r>
+            <a:endParaRPr kumimoji="1" lang="zh-CN" altLang="en-US" sz="16600" b="1" dirty="0">
+              <a:gradFill>
+                <a:gsLst>
+                  <a:gs pos="4000">
+                    <a:srgbClr val="126FFC"/>
+                  </a:gs>
+                  <a:gs pos="73000">
+                    <a:srgbClr val="126FFC">
+                      <a:alpha val="0"/>
+                    </a:srgbClr>
+                  </a:gs>
+                </a:gsLst>
+                <a:lin ang="5400000" scaled="1"/>
+              </a:gradFill>
+              <a:latin typeface="PingFang SC Semibold" panose="020B0400000000000000" pitchFamily="34" charset="-122"/>
+              <a:ea typeface="PingFang SC Semibold" panose="020B0400000000000000" pitchFamily="34" charset="-122"/>
+            </a:endParaRPr>
+          </a:p>
+        </p:txBody>
+      </p:sp>
+      <p:sp>
+        <p:nvSpPr>
+          <p:cNvPr id="5" name="内容占位符 4">
+            <a:extLst>
+              <a:ext uri="{FF2B5EF4-FFF2-40B4-BE49-F238E27FC236}">
+                <a16:creationId xmlns:a16="http://schemas.microsoft.com/office/drawing/2014/main" id="{D04938AF-B47A-1764-AB7F-5185CDB78730}"/>
+              </a:ext>
+            </a:extLst>
+          </p:cNvPr>
+          <p:cNvSpPr>
+            <a:spLocks noGrp="1"/>
+          </p:cNvSpPr>
+          <p:nvPr>
+            <p:ph sz="half" idx="1"/>
+          </p:nvPr>
+        </p:nvSpPr>
+        <p:spPr>
+          <a:xfrm>
+            <a:off x="481757" y="2406869"/>
+            <a:ext cx="11161240" cy="3603651"/>
+          </a:xfrm>
+        </p:spPr>
+        <p:txBody>
+          <a:bodyPr>
+            <a:normAutofit/>
+          </a:bodyPr>
+          <a:lstStyle/>
+          <a:p>
+            <a:pPr algn="ctr" rtl="0">
+              <a:spcBef>
+                <a:spcPts val="1800"/>
+              </a:spcBef>
+              <a:spcAft>
+                <a:spcPts val="600"/>
+              </a:spcAft>
+            </a:pPr>
+            <a:r>
+              <a:rPr lang="en-US" altLang="zh-CN" dirty="0">
+                <a:latin typeface="Lexend" pitchFamily="2" charset="0"/>
+                <a:ea typeface="+mj-ea"/>
+              </a:rPr>
+              <a:t>AI </a:t>
+            </a:r>
+            <a:r>
+              <a:rPr lang="zh-CN" altLang="en-US" dirty="0">
+                <a:latin typeface="Lexend" pitchFamily="2" charset="0"/>
+                <a:ea typeface="+mj-ea"/>
+              </a:rPr>
+              <a:t>芯片和硬件突破</a:t>
+            </a:r>
+            <a:endParaRPr lang="en-US" altLang="zh-CN" dirty="0">
+              <a:latin typeface="Lexend" pitchFamily="2" charset="0"/>
+              <a:ea typeface="+mj-ea"/>
+            </a:endParaRPr>
+          </a:p>
+        </p:txBody>
+      </p:sp>
+    </p:spTree>
+    <p:extLst>
+      <p:ext uri="{BB962C8B-B14F-4D97-AF65-F5344CB8AC3E}">
+        <p14:creationId xmlns:p14="http://schemas.microsoft.com/office/powerpoint/2010/main" val="2332351375"/>
+      </p:ext>
+    </p:extLst>
+  </p:cSld>
+  <p:clrMapOvr>
+    <a:masterClrMapping/>
+  </p:clrMapOvr>
+</p:sld>
+</file>
+
+<file path=ppt/slides/slide5.xml><?xml version="1.0" encoding="utf-8"?>
 <p:sld xmlns:a="http://schemas.openxmlformats.org/drawingml/2006/main" xmlns:r="http://schemas.openxmlformats.org/officeDocument/2006/relationships" xmlns:p="http://schemas.openxmlformats.org/presentationml/2006/main">
   <p:cSld>
     <p:spTree>
@@ -32646,38 +34359,118 @@
           <a:lstStyle/>
           <a:p>
             <a:r>
-              <a:rPr lang="en-US" altLang="zh-CN" dirty="0"/>
-              <a:t>4. </a:t>
+              <a:rPr lang="en" altLang="zh-CN" dirty="0"/>
+              <a:t>NVIDIA Pascal</a:t>
             </a:r>
             <a:r>
               <a:rPr lang="zh-CN" altLang="en-US" dirty="0"/>
-              <a:t>寒武纪深度神经网络处理器发布</a:t>
+              <a:t> 架构发布：</a:t>
             </a:r>
           </a:p>
           <a:p>
+            <a:pPr lvl="1"/>
             <a:r>
               <a:rPr lang="en-US" altLang="zh-CN" dirty="0"/>
               <a:t>2016</a:t>
             </a:r>
             <a:r>
               <a:rPr lang="zh-CN" altLang="en-US" dirty="0"/>
-              <a:t>年，寒武纪推出了商用智能处理器</a:t>
+              <a:t> 年 </a:t>
+            </a:r>
+            <a:r>
+              <a:rPr lang="en-US" altLang="zh-CN" dirty="0"/>
+              <a:t>4</a:t>
+            </a:r>
+            <a:r>
+              <a:rPr lang="zh-CN" altLang="en-US" dirty="0"/>
+              <a:t> 月，</a:t>
             </a:r>
             <a:r>
               <a:rPr lang="en" altLang="zh-CN" dirty="0"/>
-              <a:t>IP</a:t>
+              <a:t>NVIDIA</a:t>
             </a:r>
             <a:r>
               <a:rPr lang="zh-CN" altLang="en-US" dirty="0"/>
-              <a:t>产品寒武纪</a:t>
+              <a:t> 发布了基于 </a:t>
             </a:r>
             <a:r>
               <a:rPr lang="en-US" altLang="zh-CN" dirty="0"/>
-              <a:t>-1</a:t>
+              <a:t>16</a:t>
             </a:r>
             <a:r>
               <a:rPr lang="en" altLang="zh-CN" dirty="0"/>
-              <a:t>A</a:t>
+              <a:t>nm </a:t>
+            </a:r>
+            <a:r>
+              <a:rPr lang="en" altLang="zh-CN" dirty="0" err="1"/>
+              <a:t>FinFET</a:t>
+            </a:r>
+            <a:r>
+              <a:rPr lang="zh-CN" altLang="en-US" dirty="0"/>
+              <a:t> 制程的 </a:t>
+            </a:r>
+            <a:r>
+              <a:rPr lang="en" altLang="zh-CN" dirty="0"/>
+              <a:t>Pascal</a:t>
+            </a:r>
+            <a:r>
+              <a:rPr lang="zh-CN" altLang="en-US" dirty="0"/>
+              <a:t> 架构显卡，英伟达的 </a:t>
+            </a:r>
+            <a:r>
+              <a:rPr lang="en" altLang="zh-CN" dirty="0"/>
+              <a:t>GPU</a:t>
+            </a:r>
+            <a:r>
+              <a:rPr lang="zh-CN" altLang="en-US" dirty="0"/>
+              <a:t> 也是在 </a:t>
+            </a:r>
+            <a:r>
+              <a:rPr lang="en-US" altLang="zh-CN" dirty="0"/>
+              <a:t>2016</a:t>
+            </a:r>
+            <a:r>
+              <a:rPr lang="zh-CN" altLang="en-US" dirty="0"/>
+              <a:t> 年成为深度学习和</a:t>
+            </a:r>
+            <a:r>
+              <a:rPr lang="en" altLang="zh-CN" dirty="0"/>
+              <a:t>AI</a:t>
+            </a:r>
+            <a:r>
+              <a:rPr lang="zh-CN" altLang="en-US" dirty="0"/>
+              <a:t>训练的核心硬件，</a:t>
+            </a:r>
+            <a:r>
+              <a:rPr lang="en" altLang="zh-CN" dirty="0"/>
+              <a:t> GPU</a:t>
+            </a:r>
+            <a:r>
+              <a:rPr lang="zh-CN" altLang="en-US" dirty="0"/>
+              <a:t> 成为 </a:t>
+            </a:r>
+            <a:r>
+              <a:rPr lang="en" altLang="zh-CN" dirty="0"/>
+              <a:t>AI</a:t>
+            </a:r>
+            <a:r>
+              <a:rPr lang="zh-CN" altLang="en-US" dirty="0"/>
+              <a:t> 计算的标配。</a:t>
+            </a:r>
+          </a:p>
+          <a:p>
+            <a:pPr lvl="1"/>
+            <a:r>
+              <a:rPr lang="en" altLang="zh-CN" dirty="0"/>
+              <a:t>DGX-1</a:t>
+            </a:r>
+            <a:r>
+              <a:rPr lang="zh-CN" altLang="en-US" dirty="0"/>
+              <a:t> 超级计算机发布：英伟达推出了全球首款深度学习超级计算机 </a:t>
+            </a:r>
+            <a:r>
+              <a:rPr lang="en" altLang="zh-CN" dirty="0"/>
+              <a:t>DGX-1</a:t>
             </a:r>
             <a:r>
               <a:rPr lang="zh-CN" altLang="en" dirty="0"/>
@@ -32685,37 +34478,7 @@
             </a:r>
             <a:r>
               <a:rPr lang="zh-CN" altLang="en-US" dirty="0"/>
-              <a:t>每秒可处理</a:t>
-            </a:r>
-            <a:r>
-              <a:rPr lang="en-US" altLang="zh-CN" dirty="0"/>
-              <a:t>160</a:t>
-            </a:r>
-            <a:r>
-              <a:rPr lang="zh-CN" altLang="en-US" dirty="0"/>
-              <a:t>亿个虚拟神经元，峰值运算能力达</a:t>
-            </a:r>
-            <a:r>
-              <a:rPr lang="en-US" altLang="zh-CN" dirty="0"/>
-              <a:t>2</a:t>
-            </a:r>
-            <a:r>
-              <a:rPr lang="zh-CN" altLang="en-US" dirty="0"/>
-              <a:t>万亿虚拟突触。该处理器在功耗和性能方面均优于通用处理器，获得了世界互联网大会“世界互联网领先科技成果”奖项。</a:t>
-            </a:r>
-          </a:p>
-          <a:p>
-            <a:r>
-              <a:rPr lang="en-US" altLang="zh-CN" dirty="0"/>
-              <a:t>5. </a:t>
-            </a:r>
-            <a:r>
-              <a:rPr lang="en" altLang="zh-CN" dirty="0"/>
-              <a:t>FPGA</a:t>
-            </a:r>
-            <a:r>
-              <a:rPr lang="zh-CN" altLang="en-US" dirty="0"/>
-              <a:t>在</a:t>
+              <a:t>专为 </a:t>
             </a:r>
             <a:r>
               <a:rPr lang="en" altLang="zh-CN" dirty="0"/>
@@ -32723,73 +34486,83 @@
             </a:r>
             <a:r>
               <a:rPr lang="zh-CN" altLang="en-US" dirty="0"/>
-              <a:t>中的应用</a:t>
-            </a:r>
+              <a:t> 训练设计，搭载 </a:t>
+            </a:r>
+            <a:r>
+              <a:rPr lang="en-US" altLang="zh-CN" dirty="0"/>
+              <a:t>8</a:t>
+            </a:r>
+            <a:r>
+              <a:rPr lang="zh-CN" altLang="en-US" dirty="0"/>
+              <a:t> 块 </a:t>
+            </a:r>
+            <a:r>
+              <a:rPr lang="en" altLang="zh-CN" dirty="0"/>
+              <a:t>Tesla P100 GPU</a:t>
+            </a:r>
+            <a:r>
+              <a:rPr lang="zh-CN" altLang="en" dirty="0"/>
+              <a:t>，</a:t>
+            </a:r>
+            <a:r>
+              <a:rPr lang="zh-CN" altLang="en-US" dirty="0"/>
+              <a:t>性能相当于 </a:t>
+            </a:r>
+            <a:r>
+              <a:rPr lang="en-US" altLang="zh-CN" dirty="0"/>
+              <a:t>250</a:t>
+            </a:r>
+            <a:r>
+              <a:rPr lang="zh-CN" altLang="en-US" dirty="0"/>
+              <a:t> 台传统 </a:t>
+            </a:r>
+            <a:r>
+              <a:rPr lang="en-US" altLang="zh-CN" dirty="0"/>
+              <a:t>CPU</a:t>
+            </a:r>
+            <a:r>
+              <a:rPr lang="zh-CN" altLang="en-US" dirty="0"/>
+              <a:t> 服务器。</a:t>
+            </a:r>
+            <a:endParaRPr lang="en-US" altLang="zh-CN" dirty="0"/>
           </a:p>
+        </p:txBody>
+      </p:sp>
+      <p:sp>
+        <p:nvSpPr>
+          <p:cNvPr id="3" name="文本框 2">
+            <a:extLst>
+              <a:ext uri="{FF2B5EF4-FFF2-40B4-BE49-F238E27FC236}">
+                <a16:creationId xmlns:a16="http://schemas.microsoft.com/office/drawing/2014/main" id="{FEE50B50-B244-9B73-94A5-0BEA1EE06EC8}"/>
+              </a:ext>
+            </a:extLst>
+          </p:cNvPr>
+          <p:cNvSpPr txBox="1"/>
+          <p:nvPr/>
+        </p:nvSpPr>
+        <p:spPr>
+          <a:xfrm>
+            <a:off x="4251435" y="1468848"/>
+            <a:ext cx="8271640" cy="276999"/>
+          </a:xfrm>
+          <a:prstGeom prst="rect">
+            <a:avLst/>
+          </a:prstGeom>
+          <a:noFill/>
+        </p:spPr>
+        <p:txBody>
+          <a:bodyPr wrap="square">
+            <a:spAutoFit/>
+          </a:bodyPr>
+          <a:lstStyle/>
           <a:p>
             <a:r>
-              <a:rPr lang="en-US" altLang="zh-CN" dirty="0"/>
-              <a:t>2016</a:t>
-            </a:r>
-            <a:r>
-              <a:rPr lang="zh-CN" altLang="en-US" dirty="0"/>
-              <a:t>年，微软在</a:t>
-            </a:r>
-            <a:r>
-              <a:rPr lang="en" altLang="zh-CN" dirty="0"/>
-              <a:t>Azure</a:t>
-            </a:r>
-            <a:r>
-              <a:rPr lang="zh-CN" altLang="en-US" dirty="0"/>
-              <a:t>云服务中采用</a:t>
-            </a:r>
-            <a:r>
-              <a:rPr lang="en" altLang="zh-CN" dirty="0"/>
-              <a:t>FPGA</a:t>
-            </a:r>
-            <a:r>
-              <a:rPr lang="zh-CN" altLang="en-US" dirty="0"/>
-              <a:t>加速机器学习应用，显著提升了吞吐量并降低了功耗。</a:t>
-            </a:r>
-            <a:r>
-              <a:rPr lang="en" altLang="zh-CN" dirty="0"/>
-              <a:t>Intel</a:t>
-            </a:r>
-            <a:r>
-              <a:rPr lang="zh-CN" altLang="en-US" dirty="0"/>
-              <a:t>也宣布了</a:t>
-            </a:r>
-            <a:r>
-              <a:rPr lang="en" altLang="zh-CN" dirty="0"/>
-              <a:t>Xeon-FPGA</a:t>
-            </a:r>
-            <a:r>
-              <a:rPr lang="zh-CN" altLang="en-US" dirty="0"/>
-              <a:t>集成芯片项目，计划于</a:t>
-            </a:r>
-            <a:r>
-              <a:rPr lang="en-US" altLang="zh-CN" dirty="0"/>
-              <a:t>2017</a:t>
-            </a:r>
-            <a:r>
-              <a:rPr lang="zh-CN" altLang="en-US" dirty="0"/>
-              <a:t>年量产，将</a:t>
-            </a:r>
-            <a:r>
-              <a:rPr lang="en" altLang="zh-CN" dirty="0"/>
-              <a:t>CPU</a:t>
-            </a:r>
-            <a:r>
-              <a:rPr lang="zh-CN" altLang="en-US" dirty="0"/>
-              <a:t>与</a:t>
-            </a:r>
-            <a:r>
-              <a:rPr lang="en" altLang="zh-CN" dirty="0"/>
-              <a:t>FPGA</a:t>
-            </a:r>
-            <a:r>
-              <a:rPr lang="zh-CN" altLang="en-US" dirty="0"/>
-              <a:t>集成，用于加速机器学习等任务。</a:t>
+              <a:rPr lang="zh-CN" altLang="en-US" sz="1200" dirty="0">
+                <a:solidFill>
+                  <a:srgbClr val="0432FF"/>
+                </a:solidFill>
+              </a:rPr>
+              <a:t>https://www.youtube.com/watch?v=EY8rAvf45j4&amp;pp=ygUOTlZJRElBIFBhc2NhbCA%3D</a:t>
             </a:r>
           </a:p>
         </p:txBody>
@@ -32797,424 +34570,7 @@
     </p:spTree>
     <p:extLst>
       <p:ext uri="{BB962C8B-B14F-4D97-AF65-F5344CB8AC3E}">
-        <p14:creationId xmlns:p14="http://schemas.microsoft.com/office/powerpoint/2010/main" val="178994472"/>
-      </p:ext>
-    </p:extLst>
-  </p:cSld>
-  <p:clrMapOvr>
-    <a:masterClrMapping/>
-  </p:clrMapOvr>
-  <mc:AlternateContent xmlns:mc="http://schemas.openxmlformats.org/markup-compatibility/2006" xmlns:p159="http://schemas.microsoft.com/office/powerpoint/2015/09/main">
-    <mc:Choice Requires="p159">
-      <p:transition xmlns:p14="http://schemas.microsoft.com/office/powerpoint/2010/main" spd="slow" p14:dur="2000">
-        <p159:morph option="byObject"/>
-      </p:transition>
-    </mc:Choice>
-    <mc:Fallback xmlns="">
-      <p:transition spd="slow">
-        <p:fade/>
-      </p:transition>
-    </mc:Fallback>
-  </mc:AlternateContent>
-</p:sld>
-</file>
-
-<file path=ppt/slides/slide4.xml><?xml version="1.0" encoding="utf-8"?>
-<p:sld xmlns:a="http://schemas.openxmlformats.org/drawingml/2006/main" xmlns:r="http://schemas.openxmlformats.org/officeDocument/2006/relationships" xmlns:p="http://schemas.openxmlformats.org/presentationml/2006/main">
-  <p:cSld>
-    <p:spTree>
-      <p:nvGrpSpPr>
-        <p:cNvPr id="1" name=""/>
-        <p:cNvGrpSpPr/>
-        <p:nvPr/>
-      </p:nvGrpSpPr>
-      <p:grpSpPr>
-        <a:xfrm>
-          <a:off x="0" y="0"/>
-          <a:ext cx="0" cy="0"/>
-          <a:chOff x="0" y="0"/>
-          <a:chExt cx="0" cy="0"/>
-        </a:xfrm>
-      </p:grpSpPr>
-      <p:sp>
-        <p:nvSpPr>
-          <p:cNvPr id="3" name="标题 2">
-            <a:extLst>
-              <a:ext uri="{FF2B5EF4-FFF2-40B4-BE49-F238E27FC236}">
-                <a16:creationId xmlns:a16="http://schemas.microsoft.com/office/drawing/2014/main" id="{69AEA055-67C8-0AFC-274E-C1C28266C7FF}"/>
-              </a:ext>
-            </a:extLst>
-          </p:cNvPr>
-          <p:cNvSpPr>
-            <a:spLocks noGrp="1"/>
-          </p:cNvSpPr>
-          <p:nvPr>
-            <p:ph type="title"/>
-          </p:nvPr>
-        </p:nvSpPr>
-        <p:spPr>
-          <a:xfrm>
-            <a:off x="623635" y="522789"/>
-            <a:ext cx="10963473" cy="589190"/>
-          </a:xfrm>
-        </p:spPr>
-        <p:txBody>
-          <a:bodyPr/>
-          <a:lstStyle/>
-          <a:p>
-            <a:r>
-              <a:rPr lang="en" altLang="zh-CN" dirty="0"/>
-              <a:t>AlphaGo</a:t>
-            </a:r>
-            <a:r>
-              <a:rPr lang="zh-CN" altLang="en-US" dirty="0"/>
-              <a:t>击败世界围棋冠军</a:t>
-            </a:r>
-          </a:p>
-        </p:txBody>
-      </p:sp>
-      <p:sp>
-        <p:nvSpPr>
-          <p:cNvPr id="4" name="内容占位符 3">
-            <a:extLst>
-              <a:ext uri="{FF2B5EF4-FFF2-40B4-BE49-F238E27FC236}">
-                <a16:creationId xmlns:a16="http://schemas.microsoft.com/office/drawing/2014/main" id="{7A72B731-5E75-DC61-AAB4-49D785AA4103}"/>
-              </a:ext>
-            </a:extLst>
-          </p:cNvPr>
-          <p:cNvSpPr>
-            <a:spLocks noGrp="1"/>
-          </p:cNvSpPr>
-          <p:nvPr>
-            <p:ph sz="half" idx="1"/>
-          </p:nvPr>
-        </p:nvSpPr>
-        <p:spPr>
-          <a:xfrm>
-            <a:off x="623635" y="1246909"/>
-            <a:ext cx="10963473" cy="5108171"/>
-          </a:xfrm>
-        </p:spPr>
-        <p:txBody>
-          <a:bodyPr/>
-          <a:lstStyle/>
-          <a:p>
-            <a:r>
-              <a:rPr lang="en-US" altLang="zh-CN" dirty="0"/>
-              <a:t>2016</a:t>
-            </a:r>
-            <a:r>
-              <a:rPr lang="zh-CN" altLang="en-US" dirty="0"/>
-              <a:t>年</a:t>
-            </a:r>
-            <a:r>
-              <a:rPr lang="en-US" altLang="zh-CN" dirty="0"/>
-              <a:t>3</a:t>
-            </a:r>
-            <a:r>
-              <a:rPr lang="zh-CN" altLang="en-US" dirty="0"/>
-              <a:t>月，谷歌</a:t>
-            </a:r>
-            <a:r>
-              <a:rPr lang="en" altLang="zh-CN" dirty="0"/>
-              <a:t>DeepMind</a:t>
-            </a:r>
-            <a:r>
-              <a:rPr lang="zh-CN" altLang="en-US" dirty="0"/>
-              <a:t>开发的人工智能程序</a:t>
-            </a:r>
-            <a:r>
-              <a:rPr lang="en" altLang="zh-CN" dirty="0"/>
-              <a:t>AlphaGo</a:t>
-            </a:r>
-            <a:r>
-              <a:rPr lang="zh-CN" altLang="en-US" dirty="0"/>
-              <a:t>在韩国首尔以</a:t>
-            </a:r>
-            <a:r>
-              <a:rPr lang="en-US" altLang="zh-CN" dirty="0"/>
-              <a:t>4:1</a:t>
-            </a:r>
-            <a:r>
-              <a:rPr lang="zh-CN" altLang="en-US" dirty="0"/>
-              <a:t>的成绩战胜了世界围棋大师李世石。。围棋因其复杂性长期被视为“人类智慧的最后堡垒”，</a:t>
-            </a:r>
-            <a:r>
-              <a:rPr lang="en" altLang="zh-CN" dirty="0"/>
-              <a:t>AlphaGo</a:t>
-            </a:r>
-            <a:r>
-              <a:rPr lang="zh-CN" altLang="en-US" dirty="0"/>
-              <a:t>的胜利展示了深度学习与强化学习的强大能力</a:t>
-            </a:r>
-            <a:endParaRPr lang="en-US" altLang="zh-CN" dirty="0"/>
-          </a:p>
-          <a:p>
-            <a:r>
-              <a:rPr lang="zh-CN" altLang="en-US" dirty="0"/>
-              <a:t>意义：这一胜利不仅推动了公众对</a:t>
-            </a:r>
-            <a:r>
-              <a:rPr lang="en" altLang="zh-CN" dirty="0"/>
-              <a:t>AI</a:t>
-            </a:r>
-            <a:r>
-              <a:rPr lang="zh-CN" altLang="en-US" dirty="0"/>
-              <a:t>的关注，也加速了深度学习技术在各领域的应用。这一事件标志着</a:t>
-            </a:r>
-            <a:r>
-              <a:rPr lang="en" altLang="zh-CN" dirty="0"/>
-              <a:t>AI</a:t>
-            </a:r>
-            <a:r>
-              <a:rPr lang="zh-CN" altLang="en-US" dirty="0"/>
-              <a:t>在复杂策略游戏中的巨大进步，引起了全球广泛关注</a:t>
-            </a:r>
-          </a:p>
-        </p:txBody>
-      </p:sp>
-    </p:spTree>
-    <p:extLst>
-      <p:ext uri="{BB962C8B-B14F-4D97-AF65-F5344CB8AC3E}">
-        <p14:creationId xmlns:p14="http://schemas.microsoft.com/office/powerpoint/2010/main" val="358487902"/>
-      </p:ext>
-    </p:extLst>
-  </p:cSld>
-  <p:clrMapOvr>
-    <a:masterClrMapping/>
-  </p:clrMapOvr>
-  <mc:AlternateContent xmlns:mc="http://schemas.openxmlformats.org/markup-compatibility/2006" xmlns:p159="http://schemas.microsoft.com/office/powerpoint/2015/09/main">
-    <mc:Choice Requires="p159">
-      <p:transition xmlns:p14="http://schemas.microsoft.com/office/powerpoint/2010/main" spd="slow" p14:dur="2000">
-        <p159:morph option="byObject"/>
-      </p:transition>
-    </mc:Choice>
-    <mc:Fallback xmlns="">
-      <p:transition spd="slow">
-        <p:fade/>
-      </p:transition>
-    </mc:Fallback>
-  </mc:AlternateContent>
-</p:sld>
-</file>
-
-<file path=ppt/slides/slide5.xml><?xml version="1.0" encoding="utf-8"?>
-<p:sld xmlns:a="http://schemas.openxmlformats.org/drawingml/2006/main" xmlns:r="http://schemas.openxmlformats.org/officeDocument/2006/relationships" xmlns:p="http://schemas.openxmlformats.org/presentationml/2006/main">
-  <p:cSld>
-    <p:spTree>
-      <p:nvGrpSpPr>
-        <p:cNvPr id="1" name=""/>
-        <p:cNvGrpSpPr/>
-        <p:nvPr/>
-      </p:nvGrpSpPr>
-      <p:grpSpPr>
-        <a:xfrm>
-          <a:off x="0" y="0"/>
-          <a:ext cx="0" cy="0"/>
-          <a:chOff x="0" y="0"/>
-          <a:chExt cx="0" cy="0"/>
-        </a:xfrm>
-      </p:grpSpPr>
-      <p:sp>
-        <p:nvSpPr>
-          <p:cNvPr id="4" name="标题 3">
-            <a:extLst>
-              <a:ext uri="{FF2B5EF4-FFF2-40B4-BE49-F238E27FC236}">
-                <a16:creationId xmlns:a16="http://schemas.microsoft.com/office/drawing/2014/main" id="{E10BA8A3-BB0F-5A14-A68C-B2D7C565A316}"/>
-              </a:ext>
-            </a:extLst>
-          </p:cNvPr>
-          <p:cNvSpPr>
-            <a:spLocks noGrp="1"/>
-          </p:cNvSpPr>
-          <p:nvPr>
-            <p:ph type="title"/>
-          </p:nvPr>
-        </p:nvSpPr>
-        <p:spPr>
-          <a:xfrm>
-            <a:off x="623635" y="522789"/>
-            <a:ext cx="10963473" cy="589190"/>
-          </a:xfrm>
-        </p:spPr>
-        <p:txBody>
-          <a:bodyPr/>
-          <a:lstStyle/>
-          <a:p>
-            <a:r>
-              <a:rPr lang="zh-CN" altLang="en-US" dirty="0"/>
-              <a:t>无人驾驶技术的发展</a:t>
-            </a:r>
-          </a:p>
-        </p:txBody>
-      </p:sp>
-      <p:sp>
-        <p:nvSpPr>
-          <p:cNvPr id="5" name="内容占位符 4">
-            <a:extLst>
-              <a:ext uri="{FF2B5EF4-FFF2-40B4-BE49-F238E27FC236}">
-                <a16:creationId xmlns:a16="http://schemas.microsoft.com/office/drawing/2014/main" id="{1C998817-F5ED-092F-C628-081A904A24B6}"/>
-              </a:ext>
-            </a:extLst>
-          </p:cNvPr>
-          <p:cNvSpPr>
-            <a:spLocks noGrp="1"/>
-          </p:cNvSpPr>
-          <p:nvPr>
-            <p:ph sz="half" idx="1"/>
-          </p:nvPr>
-        </p:nvSpPr>
-        <p:spPr>
-          <a:xfrm>
-            <a:off x="623635" y="1246909"/>
-            <a:ext cx="10963473" cy="5108171"/>
-          </a:xfrm>
-        </p:spPr>
-        <p:txBody>
-          <a:bodyPr/>
-          <a:lstStyle/>
-          <a:p>
-            <a:r>
-              <a:rPr lang="zh-CN" altLang="en-US" dirty="0"/>
-              <a:t>特斯拉自动驾驶系统：特斯拉的自动驾驶系统在</a:t>
-            </a:r>
-            <a:r>
-              <a:rPr lang="en-US" altLang="zh-CN" dirty="0"/>
-              <a:t>2016</a:t>
-            </a:r>
-            <a:r>
-              <a:rPr lang="zh-CN" altLang="en-US" dirty="0"/>
-              <a:t>年取得了显著进展，尽管发生了一些事故，但其自动驾驶功能在某些情况下已经能够帮助司机避免危险。</a:t>
-            </a:r>
-            <a:r>
-              <a:rPr lang="en-US" altLang="zh-CN" dirty="0"/>
-              <a:t>2016</a:t>
-            </a:r>
-            <a:r>
-              <a:rPr lang="zh-CN" altLang="en-US" dirty="0"/>
-              <a:t>年</a:t>
-            </a:r>
-            <a:r>
-              <a:rPr lang="en-US" altLang="zh-CN" dirty="0"/>
-              <a:t>5</a:t>
-            </a:r>
-            <a:r>
-              <a:rPr lang="zh-CN" altLang="en-US" dirty="0"/>
-              <a:t>月，一辆特斯拉</a:t>
-            </a:r>
-            <a:r>
-              <a:rPr lang="en" altLang="zh-CN" dirty="0"/>
-              <a:t>Model S</a:t>
-            </a:r>
-            <a:r>
-              <a:rPr lang="zh-CN" altLang="en-US" dirty="0"/>
-              <a:t>在启用</a:t>
-            </a:r>
-            <a:r>
-              <a:rPr lang="en" altLang="zh-CN" dirty="0"/>
-              <a:t>Autopilot</a:t>
-            </a:r>
-            <a:r>
-              <a:rPr lang="zh-CN" altLang="en-US" dirty="0"/>
-              <a:t>自动驾驶模式时发生致命事故，驾驶员</a:t>
-            </a:r>
-            <a:r>
-              <a:rPr lang="en" altLang="zh-CN" dirty="0"/>
-              <a:t>Joshua Brown</a:t>
-            </a:r>
-            <a:r>
-              <a:rPr lang="zh-CN" altLang="en-US" dirty="0"/>
-              <a:t>不幸身亡。这是首例与自动驾驶相关的死亡事件</a:t>
-            </a:r>
-            <a:endParaRPr lang="en-US" altLang="zh-CN" dirty="0"/>
-          </a:p>
-          <a:p>
-            <a:r>
-              <a:rPr lang="zh-CN" altLang="en-US" dirty="0"/>
-              <a:t>意义：事故引发了对自动驾驶技术安全性和伦理问题的广泛讨论，促使特斯拉升级了</a:t>
-            </a:r>
-            <a:r>
-              <a:rPr lang="en" altLang="zh-CN" dirty="0"/>
-              <a:t>Autopilot</a:t>
-            </a:r>
-            <a:r>
-              <a:rPr lang="zh-CN" altLang="en-US" dirty="0"/>
-              <a:t>系统，并强调驾驶员需保持警惕。</a:t>
-            </a:r>
-          </a:p>
-          <a:p>
-            <a:r>
-              <a:rPr lang="zh-CN" altLang="en-US" dirty="0"/>
-              <a:t>无人驾驶出租车：</a:t>
-            </a:r>
-            <a:r>
-              <a:rPr lang="en-US" altLang="zh-CN" dirty="0"/>
-              <a:t>2016</a:t>
-            </a:r>
-            <a:r>
-              <a:rPr lang="zh-CN" altLang="en-US" dirty="0"/>
-              <a:t>年</a:t>
-            </a:r>
-            <a:r>
-              <a:rPr lang="en-US" altLang="zh-CN" dirty="0"/>
-              <a:t>8</a:t>
-            </a:r>
-            <a:r>
-              <a:rPr lang="zh-CN" altLang="en-US" dirty="0"/>
-              <a:t>月，新加坡的</a:t>
-            </a:r>
-            <a:r>
-              <a:rPr lang="en" altLang="zh-CN" dirty="0" err="1"/>
-              <a:t>nuTonomy</a:t>
-            </a:r>
-            <a:r>
-              <a:rPr lang="zh-CN" altLang="en-US" dirty="0"/>
-              <a:t>公司开始测试无人驾驶出租车，成为第一家向公众开放自动驾驶汽车的公司。</a:t>
-            </a:r>
-          </a:p>
-          <a:p>
-            <a:r>
-              <a:rPr lang="zh-CN" altLang="en-US" dirty="0"/>
-              <a:t>谷歌</a:t>
-            </a:r>
-            <a:r>
-              <a:rPr lang="en" altLang="zh-CN" dirty="0"/>
-              <a:t>Waymo</a:t>
-            </a:r>
-            <a:r>
-              <a:rPr lang="zh-CN" altLang="en" dirty="0"/>
-              <a:t>：</a:t>
-            </a:r>
-            <a:r>
-              <a:rPr lang="zh-CN" altLang="en-US" dirty="0"/>
-              <a:t>谷歌的无人驾驶项目在</a:t>
-            </a:r>
-            <a:r>
-              <a:rPr lang="en-US" altLang="zh-CN" dirty="0"/>
-              <a:t>2016</a:t>
-            </a:r>
-            <a:r>
-              <a:rPr lang="zh-CN" altLang="en-US" dirty="0"/>
-              <a:t>年底正式以独立公司</a:t>
-            </a:r>
-            <a:r>
-              <a:rPr lang="en" altLang="zh-CN" dirty="0"/>
-              <a:t>Waymo</a:t>
-            </a:r>
-            <a:r>
-              <a:rPr lang="zh-CN" altLang="en-US" dirty="0"/>
-              <a:t>的形式运营</a:t>
-            </a:r>
-          </a:p>
-          <a:p>
-            <a:endParaRPr lang="zh-CN" altLang="en-US" dirty="0"/>
-          </a:p>
-        </p:txBody>
-      </p:sp>
-    </p:spTree>
-    <p:extLst>
-      <p:ext uri="{BB962C8B-B14F-4D97-AF65-F5344CB8AC3E}">
-        <p14:creationId xmlns:p14="http://schemas.microsoft.com/office/powerpoint/2010/main" val="2871253187"/>
+        <p14:creationId xmlns:p14="http://schemas.microsoft.com/office/powerpoint/2010/main" val="791834133"/>
       </p:ext>
     </p:extLst>
   </p:cSld>
@@ -33258,7 +34614,7 @@
           <p:cNvPr id="4" name="标题 3">
             <a:extLst>
               <a:ext uri="{FF2B5EF4-FFF2-40B4-BE49-F238E27FC236}">
-                <a16:creationId xmlns:a16="http://schemas.microsoft.com/office/drawing/2014/main" id="{A0A4B7F7-0450-5561-9B54-E7E9CDE139EE}"/>
+                <a16:creationId xmlns:a16="http://schemas.microsoft.com/office/drawing/2014/main" id="{E9CDC1D4-CAE9-7A48-BFA3-3C4CE8ED1D6F}"/>
               </a:ext>
             </a:extLst>
           </p:cNvPr>
@@ -33280,8 +34636,12 @@
           <a:lstStyle/>
           <a:p>
             <a:r>
+              <a:rPr lang="en" altLang="zh-CN" dirty="0"/>
+              <a:t>AI</a:t>
+            </a:r>
+            <a:r>
               <a:rPr lang="zh-CN" altLang="en-US" dirty="0"/>
-              <a:t>语音识别技术的突破</a:t>
+              <a:t>硬件与芯片的突破</a:t>
             </a:r>
           </a:p>
         </p:txBody>
@@ -33291,7 +34651,7 @@
           <p:cNvPr id="5" name="内容占位符 4">
             <a:extLst>
               <a:ext uri="{FF2B5EF4-FFF2-40B4-BE49-F238E27FC236}">
-                <a16:creationId xmlns:a16="http://schemas.microsoft.com/office/drawing/2014/main" id="{042C1E1E-6969-909B-0303-FF6E6F05F893}"/>
+                <a16:creationId xmlns:a16="http://schemas.microsoft.com/office/drawing/2014/main" id="{45F402E0-4DB4-38C1-BA0F-2962679DE860}"/>
               </a:ext>
             </a:extLst>
           </p:cNvPr>
@@ -33313,72 +34673,131 @@
           <a:lstStyle/>
           <a:p>
             <a:r>
+              <a:rPr lang="en" altLang="zh-CN" dirty="0"/>
+              <a:t>Google TPU</a:t>
+            </a:r>
+            <a:r>
+              <a:rPr lang="zh-CN" altLang="en-US" dirty="0"/>
+              <a:t> 发布</a:t>
+            </a:r>
+          </a:p>
+          <a:p>
+            <a:pPr lvl="1"/>
+            <a:r>
               <a:rPr lang="en-US" altLang="zh-CN" dirty="0"/>
               <a:t>2016</a:t>
             </a:r>
             <a:r>
               <a:rPr lang="zh-CN" altLang="en-US" dirty="0"/>
-              <a:t>年</a:t>
+              <a:t> 年 </a:t>
             </a:r>
             <a:r>
               <a:rPr lang="en-US" altLang="zh-CN" dirty="0"/>
-              <a:t>10</a:t>
+              <a:t>5</a:t>
             </a:r>
             <a:r>
               <a:rPr lang="zh-CN" altLang="en-US" dirty="0"/>
-              <a:t>月，微软宣布其语音识别系统在转录人类对话时达到了与专业速录员相当的水平，这是语音识别技术的一个重要里程碑</a:t>
-            </a:r>
-            <a:r>
-              <a:rPr lang="en-US" altLang="zh-CN" dirty="0"/>
-              <a:t>.</a:t>
-            </a:r>
+              <a:t> 月，谷歌在 </a:t>
+            </a:r>
+            <a:r>
+              <a:rPr lang="en" altLang="zh-CN" dirty="0"/>
+              <a:t>I/O</a:t>
+            </a:r>
+            <a:r>
+              <a:rPr lang="zh-CN" altLang="en-US" dirty="0"/>
+              <a:t> 大会上宣布了其定制的张量处理单元（</a:t>
+            </a:r>
+            <a:r>
+              <a:rPr lang="en" altLang="zh-CN" dirty="0"/>
+              <a:t>TPU</a:t>
+            </a:r>
+            <a:r>
+              <a:rPr lang="zh-CN" altLang="en" dirty="0"/>
+              <a:t>），</a:t>
+            </a:r>
+            <a:r>
+              <a:rPr lang="zh-CN" altLang="en-US" dirty="0"/>
+              <a:t>这是一款专为机器学习设计的 </a:t>
+            </a:r>
+            <a:r>
+              <a:rPr lang="en" altLang="zh-CN" dirty="0"/>
+              <a:t>ASIC</a:t>
+            </a:r>
+            <a:r>
+              <a:rPr lang="zh-CN" altLang="en-US" dirty="0"/>
+              <a:t> 芯片。</a:t>
+            </a:r>
+            <a:endParaRPr lang="en-US" altLang="zh-CN" dirty="0"/>
           </a:p>
           <a:p>
+            <a:pPr lvl="1"/>
+            <a:r>
+              <a:rPr lang="en" altLang="zh-CN" dirty="0"/>
+              <a:t>TPU</a:t>
+            </a:r>
             <a:r>
               <a:rPr lang="zh-CN" altLang="en-US" dirty="0"/>
-              <a:t>事件：</a:t>
-            </a:r>
-            <a:r>
-              <a:rPr lang="en-US" altLang="zh-CN" dirty="0"/>
-              <a:t>2016</a:t>
+              <a:t> 在 </a:t>
+            </a:r>
+            <a:r>
+              <a:rPr lang="en" altLang="zh-CN" dirty="0"/>
+              <a:t>AlphaGo</a:t>
             </a:r>
             <a:r>
               <a:rPr lang="zh-CN" altLang="en-US" dirty="0"/>
-              <a:t>年</a:t>
-            </a:r>
-            <a:r>
-              <a:rPr lang="en-US" altLang="zh-CN" dirty="0"/>
-              <a:t>10</a:t>
+              <a:t>与李世石的围棋对弈中发挥了关键作用，展示了其在</a:t>
+            </a:r>
+            <a:r>
+              <a:rPr lang="en" altLang="zh-CN" dirty="0"/>
+              <a:t>AI</a:t>
             </a:r>
             <a:r>
               <a:rPr lang="zh-CN" altLang="en-US" dirty="0"/>
-              <a:t>月，微软宣布其语音识别系统的错误率降至</a:t>
-            </a:r>
-            <a:r>
-              <a:rPr lang="en-US" altLang="zh-CN" dirty="0"/>
-              <a:t>5.9%</a:t>
+              <a:t>计算中的高效能。</a:t>
+            </a:r>
+            <a:r>
+              <a:rPr lang="en" altLang="zh-CN" dirty="0"/>
+              <a:t> TPU</a:t>
             </a:r>
             <a:r>
               <a:rPr lang="zh-CN" altLang="en-US" dirty="0"/>
-              <a:t>，首次达到人类专业转录员的水平</a:t>
-            </a:r>
-            <a:r>
-              <a:rPr lang="en-US" altLang="zh-CN" dirty="0"/>
-              <a:t>159</a:t>
+              <a:t> 也专为 </a:t>
+            </a:r>
+            <a:r>
+              <a:rPr lang="en" altLang="zh-CN" dirty="0"/>
+              <a:t>TensorFlow</a:t>
             </a:r>
             <a:r>
               <a:rPr lang="zh-CN" altLang="en-US" dirty="0"/>
-              <a:t>。</a:t>
-            </a:r>
-          </a:p>
-          <a:p>
+              <a:t> 框架进行优化，所以推出了计算图优化能力，提升了 </a:t>
+            </a:r>
+            <a:r>
+              <a:rPr lang="en" altLang="zh-CN" dirty="0"/>
+              <a:t>AI</a:t>
+            </a:r>
             <a:r>
               <a:rPr lang="zh-CN" altLang="en-US" dirty="0"/>
-              <a:t>意义：这一突破推动了语音助手（如</a:t>
+              <a:t> 推理效率。</a:t>
             </a:r>
             <a:r>
               <a:rPr lang="en" altLang="zh-CN" dirty="0"/>
-              <a:t>Cortana</a:t>
+              <a:t>TPU</a:t>
+            </a:r>
+            <a:r>
+              <a:rPr lang="zh-CN" altLang="en-US" dirty="0"/>
+              <a:t> 在 </a:t>
+            </a:r>
+            <a:r>
+              <a:rPr lang="en" altLang="zh-CN" dirty="0"/>
+              <a:t>Google</a:t>
+            </a:r>
+            <a:r>
+              <a:rPr lang="zh-CN" altLang="en-US" dirty="0"/>
+              <a:t> 云语音、</a:t>
+            </a:r>
+            <a:r>
+              <a:rPr lang="en" altLang="zh-CN" dirty="0"/>
+              <a:t>Gmail</a:t>
             </a:r>
             <a:r>
               <a:rPr lang="zh-CN" altLang="en" dirty="0"/>
@@ -33386,73 +34805,58 @@
             </a:r>
             <a:r>
               <a:rPr lang="en" altLang="zh-CN" dirty="0"/>
-              <a:t>Alexa</a:t>
-            </a:r>
-            <a:r>
-              <a:rPr lang="zh-CN" altLang="en" dirty="0"/>
-              <a:t>）</a:t>
+              <a:t>Google Photos</a:t>
             </a:r>
             <a:r>
               <a:rPr lang="zh-CN" altLang="en-US" dirty="0"/>
-              <a:t>的普及，并为自然语言处理技术的发展奠定了基础。</a:t>
+              <a:t> 和搜索业务中大规模部署。</a:t>
             </a:r>
           </a:p>
+        </p:txBody>
+      </p:sp>
+      <p:sp>
+        <p:nvSpPr>
+          <p:cNvPr id="3" name="文本框 2">
+            <a:extLst>
+              <a:ext uri="{FF2B5EF4-FFF2-40B4-BE49-F238E27FC236}">
+                <a16:creationId xmlns:a16="http://schemas.microsoft.com/office/drawing/2014/main" id="{37CFC013-8BC3-958F-EE08-D12EB3257BC7}"/>
+              </a:ext>
+            </a:extLst>
+          </p:cNvPr>
+          <p:cNvSpPr txBox="1"/>
+          <p:nvPr/>
+        </p:nvSpPr>
+        <p:spPr>
+          <a:xfrm>
+            <a:off x="3210911" y="1510889"/>
+            <a:ext cx="8271640" cy="276999"/>
+          </a:xfrm>
+          <a:prstGeom prst="rect">
+            <a:avLst/>
+          </a:prstGeom>
+          <a:noFill/>
+        </p:spPr>
+        <p:txBody>
+          <a:bodyPr wrap="square">
+            <a:spAutoFit/>
+          </a:bodyPr>
+          <a:lstStyle/>
           <a:p>
             <a:r>
-              <a:rPr lang="en-US" altLang="zh-CN" dirty="0"/>
-              <a:t>2016</a:t>
-            </a:r>
-            <a:r>
-              <a:rPr lang="zh-CN" altLang="en-US" dirty="0"/>
-              <a:t>年</a:t>
-            </a:r>
-            <a:r>
-              <a:rPr lang="en-US" altLang="zh-CN" dirty="0"/>
-              <a:t>9</a:t>
-            </a:r>
-            <a:r>
-              <a:rPr lang="zh-CN" altLang="en-US" dirty="0"/>
-              <a:t>月，谷歌推出了</a:t>
-            </a:r>
-            <a:r>
-              <a:rPr lang="en" altLang="zh-CN" dirty="0"/>
-              <a:t>Google Neural Machine Translation</a:t>
-            </a:r>
-            <a:r>
-              <a:rPr lang="zh-CN" altLang="en" dirty="0"/>
-              <a:t>（</a:t>
-            </a:r>
-            <a:r>
-              <a:rPr lang="en" altLang="zh-CN" dirty="0"/>
-              <a:t>GNMT</a:t>
-            </a:r>
-            <a:r>
-              <a:rPr lang="zh-CN" altLang="en" dirty="0"/>
-              <a:t>），</a:t>
-            </a:r>
-            <a:r>
-              <a:rPr lang="zh-CN" altLang="en-US" dirty="0"/>
-              <a:t>这是一个完全基于神经网络的机器翻译系统。该系统显著降低了翻译错误率，提升了翻译质量。微软也在同年推出了基于神经网络的</a:t>
-            </a:r>
-            <a:r>
-              <a:rPr lang="en" altLang="zh-CN" dirty="0"/>
-              <a:t>Microsoft Translator</a:t>
-            </a:r>
-            <a:r>
-              <a:rPr lang="zh-CN" altLang="en-US"/>
-              <a:t>应用，支持多达九种语言的即时对话。</a:t>
-            </a:r>
-            <a:br>
-              <a:rPr lang="zh-CN" altLang="en-US" dirty="0"/>
-            </a:br>
-            <a:endParaRPr lang="zh-CN" altLang="en-US" dirty="0"/>
+              <a:rPr lang="zh-CN" altLang="en-US" sz="1200" dirty="0">
+                <a:solidFill>
+                  <a:srgbClr val="0432FF"/>
+                </a:solidFill>
+              </a:rPr>
+              <a:t>https://www.youtube.com/watch?v=RjRQ1DYnuJA&amp;pp=ygUQR29vZ2xlIGZpcnN0IFRQVQ%3D%3D</a:t>
+            </a:r>
           </a:p>
         </p:txBody>
       </p:sp>
     </p:spTree>
     <p:extLst>
       <p:ext uri="{BB962C8B-B14F-4D97-AF65-F5344CB8AC3E}">
-        <p14:creationId xmlns:p14="http://schemas.microsoft.com/office/powerpoint/2010/main" val="2965616039"/>
+        <p14:creationId xmlns:p14="http://schemas.microsoft.com/office/powerpoint/2010/main" val="3095901952"/>
       </p:ext>
     </p:extLst>
   </p:cSld>
@@ -33493,10 +34897,10 @@
       </p:grpSpPr>
       <p:sp>
         <p:nvSpPr>
-          <p:cNvPr id="6" name="标题 5">
+          <p:cNvPr id="4" name="标题 3">
             <a:extLst>
               <a:ext uri="{FF2B5EF4-FFF2-40B4-BE49-F238E27FC236}">
-                <a16:creationId xmlns:a16="http://schemas.microsoft.com/office/drawing/2014/main" id="{BFA5BF80-8328-6770-055E-F5797D3B1273}"/>
+                <a16:creationId xmlns:a16="http://schemas.microsoft.com/office/drawing/2014/main" id="{E9CDC1D4-CAE9-7A48-BFA3-3C4CE8ED1D6F}"/>
               </a:ext>
             </a:extLst>
           </p:cNvPr>
@@ -33507,21 +34911,33 @@
             <p:ph type="title"/>
           </p:nvPr>
         </p:nvSpPr>
-        <p:spPr/>
+        <p:spPr>
+          <a:xfrm>
+            <a:off x="623635" y="522789"/>
+            <a:ext cx="10963473" cy="589190"/>
+          </a:xfrm>
+        </p:spPr>
         <p:txBody>
           <a:bodyPr/>
           <a:lstStyle/>
           <a:p>
-            <a:endParaRPr lang="zh-CN" altLang="en-US"/>
+            <a:r>
+              <a:rPr lang="en" altLang="zh-CN" dirty="0"/>
+              <a:t>AI</a:t>
+            </a:r>
+            <a:r>
+              <a:rPr lang="zh-CN" altLang="en-US" dirty="0"/>
+              <a:t>硬件与芯片的突破</a:t>
+            </a:r>
           </a:p>
         </p:txBody>
       </p:sp>
       <p:sp>
         <p:nvSpPr>
-          <p:cNvPr id="3" name="内容占位符 2">
+          <p:cNvPr id="5" name="内容占位符 4">
             <a:extLst>
               <a:ext uri="{FF2B5EF4-FFF2-40B4-BE49-F238E27FC236}">
-                <a16:creationId xmlns:a16="http://schemas.microsoft.com/office/drawing/2014/main" id="{977636CE-3DBD-E210-C874-3C38D49AC27A}"/>
+                <a16:creationId xmlns:a16="http://schemas.microsoft.com/office/drawing/2014/main" id="{45F402E0-4DB4-38C1-BA0F-2962679DE860}"/>
               </a:ext>
             </a:extLst>
           </p:cNvPr>
@@ -33544,15 +34960,115 @@
           <a:p>
             <a:r>
               <a:rPr lang="en" altLang="zh-CN" dirty="0"/>
-              <a:t>PyTorch</a:t>
+              <a:t>Intel</a:t>
             </a:r>
             <a:r>
               <a:rPr lang="zh-CN" altLang="en-US" dirty="0"/>
-              <a:t>诞生：由</a:t>
-            </a:r>
+              <a:t> </a:t>
+            </a:r>
+            <a:r>
+              <a:rPr lang="en-US" altLang="zh-CN" dirty="0"/>
+              <a:t>AI</a:t>
+            </a:r>
+            <a:r>
+              <a:rPr lang="zh-CN" altLang="en-US" dirty="0"/>
+              <a:t> 领域发展</a:t>
+            </a:r>
+            <a:endParaRPr lang="en" altLang="zh-CN" dirty="0"/>
+          </a:p>
+          <a:p>
+            <a:pPr lvl="1"/>
             <a:r>
               <a:rPr lang="en" altLang="zh-CN" dirty="0"/>
-              <a:t>Facebook</a:t>
+              <a:t>2016</a:t>
+            </a:r>
+            <a:r>
+              <a:rPr lang="zh-CN" altLang="en-US" dirty="0"/>
+              <a:t>年</a:t>
+            </a:r>
+            <a:r>
+              <a:rPr lang="en-US" altLang="zh-CN" dirty="0"/>
+              <a:t>8</a:t>
+            </a:r>
+            <a:r>
+              <a:rPr lang="zh-CN" altLang="en-US" dirty="0"/>
+              <a:t>月，</a:t>
+            </a:r>
+            <a:r>
+              <a:rPr lang="en" altLang="zh-CN" dirty="0"/>
+              <a:t>Intel</a:t>
+            </a:r>
+            <a:r>
+              <a:rPr lang="zh-CN" altLang="en-US" dirty="0"/>
+              <a:t> 宣布收购深度学习创业公司 </a:t>
+            </a:r>
+            <a:r>
+              <a:rPr lang="en" altLang="zh-CN" dirty="0"/>
+              <a:t>Nervana Systems</a:t>
+            </a:r>
+            <a:r>
+              <a:rPr lang="zh-CN" altLang="en-US" dirty="0"/>
+              <a:t>。</a:t>
+            </a:r>
+            <a:r>
+              <a:rPr lang="en" altLang="zh-CN" dirty="0"/>
+              <a:t>Nervana</a:t>
+            </a:r>
+            <a:r>
+              <a:rPr lang="zh-CN" altLang="en-US" dirty="0"/>
+              <a:t>计划推出深度学习定制芯片</a:t>
+            </a:r>
+            <a:r>
+              <a:rPr lang="en" altLang="zh-CN" dirty="0"/>
+              <a:t>Nervana Engine</a:t>
+            </a:r>
+            <a:r>
+              <a:rPr lang="zh-CN" altLang="en" dirty="0"/>
+              <a:t>，</a:t>
+            </a:r>
+            <a:r>
+              <a:rPr lang="zh-CN" altLang="en-US" dirty="0"/>
+              <a:t>同期相比 </a:t>
+            </a:r>
+            <a:r>
+              <a:rPr lang="en" altLang="zh-CN" dirty="0"/>
+              <a:t>GPU</a:t>
+            </a:r>
+            <a:r>
+              <a:rPr lang="zh-CN" altLang="en-US" dirty="0"/>
+              <a:t> 型号在训练方面可提升</a:t>
+            </a:r>
+            <a:r>
+              <a:rPr lang="en-US" altLang="zh-CN" dirty="0"/>
+              <a:t>10</a:t>
+            </a:r>
+            <a:r>
+              <a:rPr lang="zh-CN" altLang="en-US" dirty="0"/>
+              <a:t>倍性能。</a:t>
+            </a:r>
+            <a:endParaRPr lang="en-US" altLang="zh-CN" dirty="0"/>
+          </a:p>
+          <a:p>
+            <a:pPr lvl="1"/>
+            <a:r>
+              <a:rPr lang="en" altLang="zh-CN" dirty="0"/>
+              <a:t>FPGA</a:t>
+            </a:r>
+            <a:r>
+              <a:rPr lang="zh-CN" altLang="en-US" dirty="0"/>
+              <a:t> 与 </a:t>
+            </a:r>
+            <a:r>
+              <a:rPr lang="en" altLang="zh-CN" dirty="0"/>
+              <a:t>AI</a:t>
+            </a:r>
+            <a:r>
+              <a:rPr lang="zh-CN" altLang="en-US" dirty="0"/>
+              <a:t> 结合：英特尔还通过 </a:t>
+            </a:r>
+            <a:r>
+              <a:rPr lang="en" altLang="zh-CN" dirty="0"/>
+              <a:t>FPGA</a:t>
             </a:r>
             <a:r>
               <a:rPr lang="zh-CN" altLang="en" dirty="0"/>
@@ -33560,27 +35076,62 @@
             </a:r>
             <a:r>
               <a:rPr lang="zh-CN" altLang="en-US" dirty="0"/>
-              <a:t>现</a:t>
+              <a:t>现场可编程门阵列）技术推动 </a:t>
             </a:r>
             <a:r>
               <a:rPr lang="en" altLang="zh-CN" dirty="0"/>
-              <a:t>Meta</a:t>
-            </a:r>
-            <a:r>
-              <a:rPr lang="zh-CN" altLang="en" dirty="0"/>
-              <a:t>）</a:t>
+              <a:t>AI</a:t>
             </a:r>
             <a:r>
               <a:rPr lang="zh-CN" altLang="en-US" dirty="0"/>
-              <a:t>推出，</a:t>
+              <a:t> 硬件创新，特别是在低功耗和高效率的</a:t>
             </a:r>
             <a:r>
               <a:rPr lang="en" altLang="zh-CN" dirty="0"/>
-              <a:t>PyTorch</a:t>
+              <a:t>AI</a:t>
             </a:r>
             <a:r>
               <a:rPr lang="zh-CN" altLang="en-US" dirty="0"/>
-              <a:t>以其动态计算图和易用性迅速获得研究者的青睐</a:t>
+              <a:t>推理任务中。</a:t>
+            </a:r>
+          </a:p>
+        </p:txBody>
+      </p:sp>
+      <p:sp>
+        <p:nvSpPr>
+          <p:cNvPr id="3" name="文本框 2">
+            <a:extLst>
+              <a:ext uri="{FF2B5EF4-FFF2-40B4-BE49-F238E27FC236}">
+                <a16:creationId xmlns:a16="http://schemas.microsoft.com/office/drawing/2014/main" id="{F050F14B-3B32-93E4-4D2C-6D7488EEE807}"/>
+              </a:ext>
+            </a:extLst>
+          </p:cNvPr>
+          <p:cNvSpPr txBox="1"/>
+          <p:nvPr/>
+        </p:nvSpPr>
+        <p:spPr>
+          <a:xfrm>
+            <a:off x="3210911" y="1500380"/>
+            <a:ext cx="8271640" cy="276999"/>
+          </a:xfrm>
+          <a:prstGeom prst="rect">
+            <a:avLst/>
+          </a:prstGeom>
+          <a:noFill/>
+        </p:spPr>
+        <p:txBody>
+          <a:bodyPr wrap="square">
+            <a:spAutoFit/>
+          </a:bodyPr>
+          <a:lstStyle/>
+          <a:p>
+            <a:r>
+              <a:rPr lang="zh-CN" altLang="en-US" sz="1200" dirty="0">
+                <a:solidFill>
+                  <a:srgbClr val="0432FF"/>
+                </a:solidFill>
+              </a:rPr>
+              <a:t>https://www.youtube.com/watch?v=zEzm-rMwyVo&amp;t=3s&amp;pp=ygUNSW50ZWwgTmVydmFuYQ%3D%3D</a:t>
             </a:r>
           </a:p>
         </p:txBody>
@@ -33588,7 +35139,7 @@
     </p:spTree>
     <p:extLst>
       <p:ext uri="{BB962C8B-B14F-4D97-AF65-F5344CB8AC3E}">
-        <p14:creationId xmlns:p14="http://schemas.microsoft.com/office/powerpoint/2010/main" val="4242184234"/>
+        <p14:creationId xmlns:p14="http://schemas.microsoft.com/office/powerpoint/2010/main" val="4168410020"/>
       </p:ext>
     </p:extLst>
   </p:cSld>
@@ -33629,10 +35180,10 @@
       </p:grpSpPr>
       <p:sp>
         <p:nvSpPr>
-          <p:cNvPr id="6" name="标题 5">
+          <p:cNvPr id="4" name="标题 3">
             <a:extLst>
               <a:ext uri="{FF2B5EF4-FFF2-40B4-BE49-F238E27FC236}">
-                <a16:creationId xmlns:a16="http://schemas.microsoft.com/office/drawing/2014/main" id="{3A303330-C3AF-E403-253B-A303E3F8E537}"/>
+                <a16:creationId xmlns:a16="http://schemas.microsoft.com/office/drawing/2014/main" id="{E9CDC1D4-CAE9-7A48-BFA3-3C4CE8ED1D6F}"/>
               </a:ext>
             </a:extLst>
           </p:cNvPr>
@@ -33659,17 +35210,17 @@
             </a:r>
             <a:r>
               <a:rPr lang="zh-CN" altLang="en-US" dirty="0"/>
-              <a:t>在医疗领域的突破</a:t>
+              <a:t>硬件与芯片的突破</a:t>
             </a:r>
           </a:p>
         </p:txBody>
       </p:sp>
       <p:sp>
         <p:nvSpPr>
-          <p:cNvPr id="7" name="内容占位符 6">
+          <p:cNvPr id="5" name="内容占位符 4">
             <a:extLst>
               <a:ext uri="{FF2B5EF4-FFF2-40B4-BE49-F238E27FC236}">
-                <a16:creationId xmlns:a16="http://schemas.microsoft.com/office/drawing/2014/main" id="{65E6A5E2-AA75-7C2B-6173-87DE3D923B76}"/>
+                <a16:creationId xmlns:a16="http://schemas.microsoft.com/office/drawing/2014/main" id="{45F402E0-4DB4-38C1-BA0F-2962679DE860}"/>
               </a:ext>
             </a:extLst>
           </p:cNvPr>
@@ -33692,88 +35243,66 @@
           <a:p>
             <a:r>
               <a:rPr lang="zh-CN" altLang="en-US" dirty="0"/>
-              <a:t>事件：</a:t>
-            </a:r>
-            <a:r>
-              <a:rPr lang="en" altLang="zh-CN" dirty="0"/>
-              <a:t>IBM</a:t>
-            </a:r>
-            <a:r>
-              <a:rPr lang="zh-CN" altLang="en-US" dirty="0"/>
-              <a:t>的</a:t>
-            </a:r>
-            <a:r>
-              <a:rPr lang="en" altLang="zh-CN" dirty="0"/>
-              <a:t>Watson</a:t>
-            </a:r>
-            <a:r>
-              <a:rPr lang="zh-CN" altLang="en-US" dirty="0"/>
-              <a:t>在癌症诊断中表现出色，成功诊断出被医生漏诊的白血病患者。此外，</a:t>
-            </a:r>
-            <a:r>
-              <a:rPr lang="en" altLang="zh-CN" dirty="0"/>
-              <a:t>AI</a:t>
-            </a:r>
-            <a:r>
-              <a:rPr lang="zh-CN" altLang="en-US" dirty="0"/>
-              <a:t>在癌症研究和治疗方案优化方面也取得了显著进展</a:t>
-            </a:r>
-            <a:r>
-              <a:rPr lang="en-US" altLang="zh-CN" dirty="0"/>
-              <a:t>159</a:t>
-            </a:r>
-            <a:r>
-              <a:rPr lang="zh-CN" altLang="en-US" dirty="0"/>
-              <a:t>。</a:t>
+              <a:t>寒武纪深度神经网络处理器发布：</a:t>
             </a:r>
           </a:p>
           <a:p>
-            <a:r>
-              <a:rPr lang="zh-CN" altLang="en-US" dirty="0"/>
-              <a:t>意义：</a:t>
-            </a:r>
-            <a:r>
-              <a:rPr lang="en" altLang="zh-CN" dirty="0"/>
-              <a:t>AI</a:t>
-            </a:r>
-            <a:r>
-              <a:rPr lang="zh-CN" altLang="en-US" dirty="0"/>
-              <a:t>在医疗领域的应用展示了其改善诊断效率和准确性的潜力。</a:t>
-            </a:r>
-            <a:r>
-              <a:rPr lang="en" altLang="zh-CN" dirty="0"/>
-              <a:t>IBM</a:t>
-            </a:r>
-            <a:r>
-              <a:rPr lang="zh-CN" altLang="en-US" dirty="0"/>
-              <a:t>的</a:t>
-            </a:r>
-            <a:r>
-              <a:rPr lang="en" altLang="zh-CN" dirty="0"/>
-              <a:t>Watson</a:t>
-            </a:r>
-            <a:r>
-              <a:rPr lang="zh-CN" altLang="en-US" dirty="0"/>
-              <a:t>系统在</a:t>
-            </a:r>
+            <a:pPr lvl="1"/>
             <a:r>
               <a:rPr lang="en-US" altLang="zh-CN" dirty="0"/>
               <a:t>2016</a:t>
             </a:r>
             <a:r>
               <a:rPr lang="zh-CN" altLang="en-US" dirty="0"/>
-              <a:t>年展示了其在医疗诊断中的潜力，能够检测出医生未能发现的健康问题</a:t>
-            </a:r>
-          </a:p>
-          <a:p>
-            <a:endParaRPr lang="zh-CN" altLang="en-US" dirty="0"/>
+              <a:t> 年，寒武纪推出了商用智能处理器 </a:t>
+            </a:r>
+            <a:r>
+              <a:rPr lang="en" altLang="zh-CN" dirty="0"/>
+              <a:t>IP</a:t>
+            </a:r>
+            <a:r>
+              <a:rPr lang="zh-CN" altLang="en-US" dirty="0"/>
+              <a:t> 产品寒武纪</a:t>
+            </a:r>
+            <a:r>
+              <a:rPr lang="en-US" altLang="zh-CN" dirty="0"/>
+              <a:t>-1</a:t>
+            </a:r>
+            <a:r>
+              <a:rPr lang="en" altLang="zh-CN" dirty="0"/>
+              <a:t>A</a:t>
+            </a:r>
+            <a:r>
+              <a:rPr lang="zh-CN" altLang="en" dirty="0"/>
+              <a:t>，</a:t>
+            </a:r>
+            <a:r>
+              <a:rPr lang="zh-CN" altLang="en-US" dirty="0"/>
+              <a:t>每秒可处理 </a:t>
+            </a:r>
+            <a:r>
+              <a:rPr lang="en-US" altLang="zh-CN" dirty="0"/>
+              <a:t>160</a:t>
+            </a:r>
+            <a:r>
+              <a:rPr lang="zh-CN" altLang="en-US" dirty="0"/>
+              <a:t> 亿个虚拟神经元，峰值运算能力达 </a:t>
+            </a:r>
+            <a:r>
+              <a:rPr lang="en-US" altLang="zh-CN" dirty="0"/>
+              <a:t>2</a:t>
+            </a:r>
+            <a:r>
+              <a:rPr lang="zh-CN" altLang="en-US" dirty="0"/>
+              <a:t> 万亿虚拟突触。</a:t>
+            </a:r>
           </a:p>
         </p:txBody>
       </p:sp>
     </p:spTree>
     <p:extLst>
       <p:ext uri="{BB962C8B-B14F-4D97-AF65-F5344CB8AC3E}">
-        <p14:creationId xmlns:p14="http://schemas.microsoft.com/office/powerpoint/2010/main" val="2318414133"/>
+        <p14:creationId xmlns:p14="http://schemas.microsoft.com/office/powerpoint/2010/main" val="178994472"/>
       </p:ext>
     </p:extLst>
   </p:cSld>
@@ -33814,42 +35343,70 @@
       </p:grpSpPr>
       <p:sp>
         <p:nvSpPr>
-          <p:cNvPr id="4" name="标题 3">
+          <p:cNvPr id="4" name="文本框 3">
             <a:extLst>
               <a:ext uri="{FF2B5EF4-FFF2-40B4-BE49-F238E27FC236}">
-                <a16:creationId xmlns:a16="http://schemas.microsoft.com/office/drawing/2014/main" id="{962482E6-1263-9E00-95FC-D08192308FC5}"/>
+                <a16:creationId xmlns:a16="http://schemas.microsoft.com/office/drawing/2014/main" id="{11B95A44-CCF2-9448-AD90-014C7B1CC7EC}"/>
               </a:ext>
             </a:extLst>
           </p:cNvPr>
-          <p:cNvSpPr>
-            <a:spLocks noGrp="1"/>
-          </p:cNvSpPr>
-          <p:nvPr>
-            <p:ph type="title"/>
-          </p:nvPr>
+          <p:cNvSpPr txBox="1"/>
+          <p:nvPr/>
         </p:nvSpPr>
         <p:spPr>
           <a:xfrm>
-            <a:off x="623635" y="522789"/>
-            <a:ext cx="10963473" cy="589190"/>
+            <a:off x="4728456" y="1046095"/>
+            <a:ext cx="2739853" cy="2646878"/>
           </a:xfrm>
+          <a:prstGeom prst="rect">
+            <a:avLst/>
+          </a:prstGeom>
+          <a:noFill/>
         </p:spPr>
         <p:txBody>
-          <a:bodyPr/>
+          <a:bodyPr wrap="none" rtlCol="0">
+            <a:spAutoFit/>
+          </a:bodyPr>
           <a:lstStyle/>
           <a:p>
-            <a:r>
-              <a:rPr lang="zh-CN" altLang="en-US" dirty="0"/>
-              <a:t>白宫发布</a:t>
-            </a:r>
-            <a:r>
-              <a:rPr lang="en" altLang="zh-CN" dirty="0"/>
-              <a:t>AI</a:t>
-            </a:r>
-            <a:r>
-              <a:rPr lang="zh-CN" altLang="en-US" dirty="0"/>
-              <a:t>战略报告</a:t>
-            </a:r>
+            <a:pPr algn="ctr"/>
+            <a:r>
+              <a:rPr kumimoji="1" lang="en-US" altLang="zh-CN" sz="16600" b="1" dirty="0">
+                <a:gradFill>
+                  <a:gsLst>
+                    <a:gs pos="4000">
+                      <a:srgbClr val="126FFC"/>
+                    </a:gs>
+                    <a:gs pos="73000">
+                      <a:srgbClr val="126FFC">
+                        <a:alpha val="0"/>
+                      </a:srgbClr>
+                    </a:gs>
+                  </a:gsLst>
+                  <a:lin ang="5400000" scaled="1"/>
+                </a:gradFill>
+                <a:latin typeface="PingFang SC Semibold" panose="020B0400000000000000" pitchFamily="34" charset="-122"/>
+                <a:ea typeface="PingFang SC Semibold" panose="020B0400000000000000" pitchFamily="34" charset="-122"/>
+              </a:rPr>
+              <a:t>03</a:t>
+            </a:r>
+            <a:endParaRPr kumimoji="1" lang="zh-CN" altLang="en-US" sz="16600" b="1" dirty="0">
+              <a:gradFill>
+                <a:gsLst>
+                  <a:gs pos="4000">
+                    <a:srgbClr val="126FFC"/>
+                  </a:gs>
+                  <a:gs pos="73000">
+                    <a:srgbClr val="126FFC">
+                      <a:alpha val="0"/>
+                    </a:srgbClr>
+                  </a:gs>
+                </a:gsLst>
+                <a:lin ang="5400000" scaled="1"/>
+              </a:gradFill>
+              <a:latin typeface="PingFang SC Semibold" panose="020B0400000000000000" pitchFamily="34" charset="-122"/>
+              <a:ea typeface="PingFang SC Semibold" panose="020B0400000000000000" pitchFamily="34" charset="-122"/>
+            </a:endParaRPr>
           </a:p>
         </p:txBody>
       </p:sp>
@@ -33858,7 +35415,7 @@
           <p:cNvPr id="5" name="内容占位符 4">
             <a:extLst>
               <a:ext uri="{FF2B5EF4-FFF2-40B4-BE49-F238E27FC236}">
-                <a16:creationId xmlns:a16="http://schemas.microsoft.com/office/drawing/2014/main" id="{9498AA40-1E7E-E892-D90B-2CD654BCA475}"/>
+                <a16:creationId xmlns:a16="http://schemas.microsoft.com/office/drawing/2014/main" id="{D04938AF-B47A-1764-AB7F-5185CDB78730}"/>
               </a:ext>
             </a:extLst>
           </p:cNvPr>
@@ -33871,156 +35428,55 @@
         </p:nvSpPr>
         <p:spPr>
           <a:xfrm>
-            <a:off x="623635" y="1246909"/>
-            <a:ext cx="10963473" cy="5108171"/>
+            <a:off x="481757" y="2406869"/>
+            <a:ext cx="11161240" cy="3603651"/>
           </a:xfrm>
         </p:spPr>
         <p:txBody>
-          <a:bodyPr/>
+          <a:bodyPr>
+            <a:normAutofit/>
+          </a:bodyPr>
           <a:lstStyle/>
           <a:p>
-            <a:r>
-              <a:rPr lang="zh-CN" altLang="en-US" dirty="0"/>
-              <a:t>事件：</a:t>
-            </a:r>
-            <a:r>
-              <a:rPr lang="en-US" altLang="zh-CN" dirty="0"/>
-              <a:t>2016</a:t>
-            </a:r>
-            <a:r>
-              <a:rPr lang="zh-CN" altLang="en-US" dirty="0"/>
-              <a:t>年</a:t>
-            </a:r>
-            <a:r>
-              <a:rPr lang="en-US" altLang="zh-CN" dirty="0"/>
-              <a:t>10</a:t>
-            </a:r>
-            <a:r>
-              <a:rPr lang="zh-CN" altLang="en-US" dirty="0"/>
-              <a:t>月，美国白宫发布了</a:t>
-            </a:r>
-            <a:r>
-              <a:rPr lang="en-US" altLang="zh-CN" dirty="0"/>
-              <a:t>《</a:t>
-            </a:r>
-            <a:r>
-              <a:rPr lang="zh-CN" altLang="en-US" dirty="0"/>
-              <a:t>为人工智能的未来做好准备</a:t>
-            </a:r>
-            <a:r>
-              <a:rPr lang="en-US" altLang="zh-CN" dirty="0"/>
-              <a:t>》</a:t>
-            </a:r>
-            <a:r>
-              <a:rPr lang="zh-CN" altLang="en-US" dirty="0"/>
-              <a:t>和</a:t>
-            </a:r>
-            <a:r>
-              <a:rPr lang="en-US" altLang="zh-CN" dirty="0"/>
-              <a:t>《</a:t>
-            </a:r>
-            <a:r>
-              <a:rPr lang="zh-CN" altLang="en-US" dirty="0"/>
-              <a:t>国家人工智能研究与发展战略计划</a:t>
-            </a:r>
-            <a:r>
-              <a:rPr lang="en-US" altLang="zh-CN" dirty="0"/>
-              <a:t>》</a:t>
-            </a:r>
-            <a:r>
-              <a:rPr lang="zh-CN" altLang="en-US" dirty="0"/>
-              <a:t>，将</a:t>
-            </a:r>
-            <a:r>
-              <a:rPr lang="en" altLang="zh-CN" dirty="0"/>
-              <a:t>AI</a:t>
-            </a:r>
-            <a:r>
-              <a:rPr lang="zh-CN" altLang="en-US" dirty="0"/>
-              <a:t>发展提升为国家战略</a:t>
-            </a:r>
-            <a:r>
-              <a:rPr lang="en-US" altLang="zh-CN" dirty="0"/>
-              <a:t>1510</a:t>
-            </a:r>
-            <a:r>
-              <a:rPr lang="zh-CN" altLang="en-US" dirty="0"/>
-              <a:t>。</a:t>
-            </a:r>
-            <a:r>
-              <a:rPr lang="en-US" altLang="zh-CN" dirty="0"/>
-              <a:t>2016</a:t>
-            </a:r>
-            <a:r>
-              <a:rPr lang="zh-CN" altLang="en-US" dirty="0"/>
-              <a:t>年</a:t>
-            </a:r>
-            <a:r>
-              <a:rPr lang="en-US" altLang="zh-CN" dirty="0"/>
-              <a:t>10</a:t>
-            </a:r>
-            <a:r>
-              <a:rPr lang="zh-CN" altLang="en-US" dirty="0"/>
-              <a:t>月，美国白宫发布了两份关于人工智能的报告，探讨了</a:t>
-            </a:r>
-            <a:r>
-              <a:rPr lang="en" altLang="zh-CN" dirty="0"/>
-              <a:t>AI</a:t>
-            </a:r>
-            <a:r>
-              <a:rPr lang="zh-CN" altLang="en-US" dirty="0"/>
-              <a:t>的发展规划及其对社会的影响</a:t>
-            </a:r>
-          </a:p>
-          <a:p>
-            <a:r>
-              <a:rPr lang="zh-CN" altLang="en-US" dirty="0"/>
-              <a:t>意义：报告为</a:t>
-            </a:r>
-            <a:r>
-              <a:rPr lang="en" altLang="zh-CN" dirty="0"/>
-              <a:t>AI</a:t>
-            </a:r>
-            <a:r>
-              <a:rPr lang="zh-CN" altLang="en-US" dirty="0"/>
-              <a:t>的研究、应用和监管提供了政策框架，推动了全球对</a:t>
-            </a:r>
-            <a:r>
-              <a:rPr lang="en" altLang="zh-CN" dirty="0"/>
-              <a:t>AI</a:t>
-            </a:r>
-            <a:r>
-              <a:rPr lang="zh-CN" altLang="en-US" dirty="0"/>
-              <a:t>的重视。</a:t>
-            </a:r>
-          </a:p>
-          <a:p>
-            <a:endParaRPr lang="zh-CN" altLang="en-US" dirty="0"/>
+            <a:pPr algn="ctr" rtl="0">
+              <a:spcBef>
+                <a:spcPts val="1800"/>
+              </a:spcBef>
+              <a:spcAft>
+                <a:spcPts val="600"/>
+              </a:spcAft>
+            </a:pPr>
+            <a:r>
+              <a:rPr lang="en-US" altLang="zh-CN" dirty="0">
+                <a:latin typeface="Lexend" pitchFamily="2" charset="0"/>
+                <a:ea typeface="+mj-ea"/>
+              </a:rPr>
+              <a:t>AI </a:t>
+            </a:r>
+            <a:r>
+              <a:rPr lang="zh-CN" altLang="en-US" dirty="0">
+                <a:latin typeface="Lexend" pitchFamily="2" charset="0"/>
+                <a:ea typeface="+mj-ea"/>
+              </a:rPr>
+              <a:t>应用与落地</a:t>
+            </a:r>
+            <a:endParaRPr lang="en-US" altLang="zh-CN" dirty="0">
+              <a:latin typeface="Lexend" pitchFamily="2" charset="0"/>
+              <a:ea typeface="+mj-ea"/>
+            </a:endParaRPr>
           </a:p>
         </p:txBody>
       </p:sp>
     </p:spTree>
     <p:extLst>
       <p:ext uri="{BB962C8B-B14F-4D97-AF65-F5344CB8AC3E}">
-        <p14:creationId xmlns:p14="http://schemas.microsoft.com/office/powerpoint/2010/main" val="3189172848"/>
+        <p14:creationId xmlns:p14="http://schemas.microsoft.com/office/powerpoint/2010/main" val="3712814871"/>
       </p:ext>
     </p:extLst>
   </p:cSld>
   <p:clrMapOvr>
     <a:masterClrMapping/>
   </p:clrMapOvr>
-  <mc:AlternateContent xmlns:mc="http://schemas.openxmlformats.org/markup-compatibility/2006" xmlns:p159="http://schemas.microsoft.com/office/powerpoint/2015/09/main">
-    <mc:Choice Requires="p159">
-      <p:transition xmlns:p14="http://schemas.microsoft.com/office/powerpoint/2010/main" spd="slow" p14:dur="2000">
-        <p159:morph option="byObject"/>
-      </p:transition>
-    </mc:Choice>
-    <mc:Fallback xmlns="">
-      <p:transition spd="slow">
-        <p:fade/>
-      </p:transition>
-    </mc:Fallback>
-  </mc:AlternateContent>
 </p:sld>
 </file>
 
